--- a/Diagrams/JP-Project-Group3_Loan_Management_System_PPT_Final_Updated.pptx
+++ b/Diagrams/JP-Project-Group3_Loan_Management_System_PPT_Final_Updated.pptx
@@ -22,6 +22,7 @@
     <p:sldId id="265" r:id="rId16"/>
     <p:sldId id="266" r:id="rId17"/>
     <p:sldId id="268" r:id="rId18"/>
+    <p:sldId id="279" r:id="rId19"/>
   </p:sldIdLst>
   <p:sldSz cx="12192000" cy="6858000"/>
   <p:notesSz cx="6858000" cy="9144000"/>
@@ -1473,23 +1474,23 @@
     </dgm:pt>
   </dgm:ptLst>
   <dgm:cxnLst>
+    <dgm:cxn modelId="{82ECDEF1-1700-4CA2-B2F8-ADE186F097C4}" type="presOf" srcId="{BD4F5DE4-1CB7-4AE6-9F54-C8E00A659DFE}" destId="{DEA41B82-6E90-4349-AD1B-B9B98F11E069}" srcOrd="0" destOrd="0" presId="urn:microsoft.com/office/officeart/2005/8/layout/default"/>
+    <dgm:cxn modelId="{2FC287AE-37CA-4EB7-97B8-ECC49E794A92}" srcId="{DA7D0D47-941A-4E90-A8C9-1BC23F98B0E9}" destId="{779B84F6-4D08-4CD4-B405-3CBEC0B76463}" srcOrd="3" destOrd="0" parTransId="{B8C7C023-6B19-48FA-8D65-A11D157E152F}" sibTransId="{23AAF287-7DB5-4543-B322-1118B1FA6B8B}"/>
+    <dgm:cxn modelId="{C2A799F9-0F93-49DD-9204-07AD1013C847}" type="presOf" srcId="{65D476E5-9F40-4D58-8999-B602D1EC245E}" destId="{04506B76-3E30-4CD8-8F67-F8597089510D}" srcOrd="0" destOrd="0" presId="urn:microsoft.com/office/officeart/2005/8/layout/default"/>
+    <dgm:cxn modelId="{3CDEA188-1D21-4720-9EC9-E6E5DEA491E2}" type="presOf" srcId="{E74D1812-5660-4F93-97AD-35A104ED8F5C}" destId="{C2DAFC14-2F54-4DF2-ADD9-B89D5EFF836B}" srcOrd="0" destOrd="0" presId="urn:microsoft.com/office/officeart/2005/8/layout/default"/>
+    <dgm:cxn modelId="{34CFF7DB-4555-44FC-A17A-55485E055DA1}" type="presOf" srcId="{779B84F6-4D08-4CD4-B405-3CBEC0B76463}" destId="{520DD30E-9F5B-4C4A-A5DC-0DF78E4FBA26}" srcOrd="0" destOrd="0" presId="urn:microsoft.com/office/officeart/2005/8/layout/default"/>
     <dgm:cxn modelId="{5DBF5A53-DEF5-4776-9774-5595AB746EE0}" srcId="{DA7D0D47-941A-4E90-A8C9-1BC23F98B0E9}" destId="{9EAD06F8-FABE-43D5-919E-A10C347A0BB3}" srcOrd="4" destOrd="0" parTransId="{11B47052-1EE3-40F8-A745-F978F529D30A}" sibTransId="{DEA2219B-A436-4D5F-87CE-C26D3B3FCD7A}"/>
+    <dgm:cxn modelId="{FF5C2F0C-24C6-48D4-9878-B1A55812749B}" srcId="{DA7D0D47-941A-4E90-A8C9-1BC23F98B0E9}" destId="{E74D1812-5660-4F93-97AD-35A104ED8F5C}" srcOrd="2" destOrd="0" parTransId="{09CF62A9-4587-42CC-9DFC-E38532C55D1B}" sibTransId="{60D463AC-5031-4A2F-9999-AEC8B3AA1A01}"/>
+    <dgm:cxn modelId="{72A2290D-34F4-4EE1-8F2A-97C6BDE56382}" type="presOf" srcId="{DA7D0D47-941A-4E90-A8C9-1BC23F98B0E9}" destId="{1905D24B-D380-4979-986A-4CC763A3ABBA}" srcOrd="0" destOrd="0" presId="urn:microsoft.com/office/officeart/2005/8/layout/default"/>
+    <dgm:cxn modelId="{3B53D00B-7A41-4E41-89A3-CE90BEF64EEC}" srcId="{DA7D0D47-941A-4E90-A8C9-1BC23F98B0E9}" destId="{65D476E5-9F40-4D58-8999-B602D1EC245E}" srcOrd="6" destOrd="0" parTransId="{9319B468-6782-45A8-9D6B-2194444F47B2}" sibTransId="{6D559A66-CECD-4E3B-ABB9-E739F0E85395}"/>
+    <dgm:cxn modelId="{D8FBF167-0BE6-46B1-B1AC-B89EF22040F0}" type="presOf" srcId="{9EAD06F8-FABE-43D5-919E-A10C347A0BB3}" destId="{1C4681E6-90A5-43A5-AF1D-054F12F18D4F}" srcOrd="0" destOrd="0" presId="urn:microsoft.com/office/officeart/2005/8/layout/default"/>
+    <dgm:cxn modelId="{783DEDDE-6C64-41C9-B049-2E5EBFAB05FE}" type="presOf" srcId="{6C9D3587-1DD3-4CC3-9F6C-75EAF8711D10}" destId="{4104FE28-4C24-4F96-9F09-CF22C7929C2E}" srcOrd="0" destOrd="0" presId="urn:microsoft.com/office/officeart/2005/8/layout/default"/>
+    <dgm:cxn modelId="{28B5B00C-93BF-4CDE-BB2B-3156F485DAA3}" srcId="{DA7D0D47-941A-4E90-A8C9-1BC23F98B0E9}" destId="{6C9D3587-1DD3-4CC3-9F6C-75EAF8711D10}" srcOrd="1" destOrd="0" parTransId="{306DA544-AE38-424C-B452-E75542B6930A}" sibTransId="{C54FE8BE-2C70-4D85-9DDE-FCBBBCDBC5A3}"/>
+    <dgm:cxn modelId="{FED695FB-F8DE-4520-9C2B-8EECF8651598}" type="presOf" srcId="{0FC1267D-774B-4178-91D0-53287F02507D}" destId="{C37E75A9-0717-4F97-B20A-B6B672615744}" srcOrd="0" destOrd="0" presId="urn:microsoft.com/office/officeart/2005/8/layout/default"/>
+    <dgm:cxn modelId="{99E565EA-907E-4C33-ACAF-89EE466F63C0}" srcId="{DA7D0D47-941A-4E90-A8C9-1BC23F98B0E9}" destId="{BD4F5DE4-1CB7-4AE6-9F54-C8E00A659DFE}" srcOrd="5" destOrd="0" parTransId="{2D4B59F1-2499-4514-AF91-E94D60EF9B21}" sibTransId="{1F75260A-6106-4F94-9F12-8611EF55389F}"/>
+    <dgm:cxn modelId="{835FBE2C-B697-4F57-86A2-E3CC14651C1A}" type="presOf" srcId="{36FE9671-A017-4AF2-97BD-13559F0DD70F}" destId="{F2CA87C4-7BF9-425D-90B0-5D45FDABD5BF}" srcOrd="0" destOrd="0" presId="urn:microsoft.com/office/officeart/2005/8/layout/default"/>
     <dgm:cxn modelId="{545173DF-3F81-40B1-9D9D-55A5C269E023}" srcId="{DA7D0D47-941A-4E90-A8C9-1BC23F98B0E9}" destId="{0FC1267D-774B-4178-91D0-53287F02507D}" srcOrd="0" destOrd="0" parTransId="{D86E059E-3AB6-428A-9B79-1722D1B6EF62}" sibTransId="{9296892A-5C46-4167-B5DE-6B34F30DE6DF}"/>
     <dgm:cxn modelId="{A08379DF-5948-4332-AFEE-638314E65472}" srcId="{DA7D0D47-941A-4E90-A8C9-1BC23F98B0E9}" destId="{36FE9671-A017-4AF2-97BD-13559F0DD70F}" srcOrd="7" destOrd="0" parTransId="{868B9A7B-4C5E-455A-8A25-CF770D50E5B3}" sibTransId="{4D0BE685-6BD1-4D53-9C4B-E9A2CA16ED31}"/>
-    <dgm:cxn modelId="{3B53D00B-7A41-4E41-89A3-CE90BEF64EEC}" srcId="{DA7D0D47-941A-4E90-A8C9-1BC23F98B0E9}" destId="{65D476E5-9F40-4D58-8999-B602D1EC245E}" srcOrd="6" destOrd="0" parTransId="{9319B468-6782-45A8-9D6B-2194444F47B2}" sibTransId="{6D559A66-CECD-4E3B-ABB9-E739F0E85395}"/>
-    <dgm:cxn modelId="{3CDEA188-1D21-4720-9EC9-E6E5DEA491E2}" type="presOf" srcId="{E74D1812-5660-4F93-97AD-35A104ED8F5C}" destId="{C2DAFC14-2F54-4DF2-ADD9-B89D5EFF836B}" srcOrd="0" destOrd="0" presId="urn:microsoft.com/office/officeart/2005/8/layout/default"/>
-    <dgm:cxn modelId="{34CFF7DB-4555-44FC-A17A-55485E055DA1}" type="presOf" srcId="{779B84F6-4D08-4CD4-B405-3CBEC0B76463}" destId="{520DD30E-9F5B-4C4A-A5DC-0DF78E4FBA26}" srcOrd="0" destOrd="0" presId="urn:microsoft.com/office/officeart/2005/8/layout/default"/>
-    <dgm:cxn modelId="{2FC287AE-37CA-4EB7-97B8-ECC49E794A92}" srcId="{DA7D0D47-941A-4E90-A8C9-1BC23F98B0E9}" destId="{779B84F6-4D08-4CD4-B405-3CBEC0B76463}" srcOrd="3" destOrd="0" parTransId="{B8C7C023-6B19-48FA-8D65-A11D157E152F}" sibTransId="{23AAF287-7DB5-4543-B322-1118B1FA6B8B}"/>
-    <dgm:cxn modelId="{FF5C2F0C-24C6-48D4-9878-B1A55812749B}" srcId="{DA7D0D47-941A-4E90-A8C9-1BC23F98B0E9}" destId="{E74D1812-5660-4F93-97AD-35A104ED8F5C}" srcOrd="2" destOrd="0" parTransId="{09CF62A9-4587-42CC-9DFC-E38532C55D1B}" sibTransId="{60D463AC-5031-4A2F-9999-AEC8B3AA1A01}"/>
-    <dgm:cxn modelId="{82ECDEF1-1700-4CA2-B2F8-ADE186F097C4}" type="presOf" srcId="{BD4F5DE4-1CB7-4AE6-9F54-C8E00A659DFE}" destId="{DEA41B82-6E90-4349-AD1B-B9B98F11E069}" srcOrd="0" destOrd="0" presId="urn:microsoft.com/office/officeart/2005/8/layout/default"/>
-    <dgm:cxn modelId="{C2A799F9-0F93-49DD-9204-07AD1013C847}" type="presOf" srcId="{65D476E5-9F40-4D58-8999-B602D1EC245E}" destId="{04506B76-3E30-4CD8-8F67-F8597089510D}" srcOrd="0" destOrd="0" presId="urn:microsoft.com/office/officeart/2005/8/layout/default"/>
-    <dgm:cxn modelId="{783DEDDE-6C64-41C9-B049-2E5EBFAB05FE}" type="presOf" srcId="{6C9D3587-1DD3-4CC3-9F6C-75EAF8711D10}" destId="{4104FE28-4C24-4F96-9F09-CF22C7929C2E}" srcOrd="0" destOrd="0" presId="urn:microsoft.com/office/officeart/2005/8/layout/default"/>
-    <dgm:cxn modelId="{D8FBF167-0BE6-46B1-B1AC-B89EF22040F0}" type="presOf" srcId="{9EAD06F8-FABE-43D5-919E-A10C347A0BB3}" destId="{1C4681E6-90A5-43A5-AF1D-054F12F18D4F}" srcOrd="0" destOrd="0" presId="urn:microsoft.com/office/officeart/2005/8/layout/default"/>
-    <dgm:cxn modelId="{99E565EA-907E-4C33-ACAF-89EE466F63C0}" srcId="{DA7D0D47-941A-4E90-A8C9-1BC23F98B0E9}" destId="{BD4F5DE4-1CB7-4AE6-9F54-C8E00A659DFE}" srcOrd="5" destOrd="0" parTransId="{2D4B59F1-2499-4514-AF91-E94D60EF9B21}" sibTransId="{1F75260A-6106-4F94-9F12-8611EF55389F}"/>
-    <dgm:cxn modelId="{28B5B00C-93BF-4CDE-BB2B-3156F485DAA3}" srcId="{DA7D0D47-941A-4E90-A8C9-1BC23F98B0E9}" destId="{6C9D3587-1DD3-4CC3-9F6C-75EAF8711D10}" srcOrd="1" destOrd="0" parTransId="{306DA544-AE38-424C-B452-E75542B6930A}" sibTransId="{C54FE8BE-2C70-4D85-9DDE-FCBBBCDBC5A3}"/>
-    <dgm:cxn modelId="{FED695FB-F8DE-4520-9C2B-8EECF8651598}" type="presOf" srcId="{0FC1267D-774B-4178-91D0-53287F02507D}" destId="{C37E75A9-0717-4F97-B20A-B6B672615744}" srcOrd="0" destOrd="0" presId="urn:microsoft.com/office/officeart/2005/8/layout/default"/>
-    <dgm:cxn modelId="{72A2290D-34F4-4EE1-8F2A-97C6BDE56382}" type="presOf" srcId="{DA7D0D47-941A-4E90-A8C9-1BC23F98B0E9}" destId="{1905D24B-D380-4979-986A-4CC763A3ABBA}" srcOrd="0" destOrd="0" presId="urn:microsoft.com/office/officeart/2005/8/layout/default"/>
-    <dgm:cxn modelId="{835FBE2C-B697-4F57-86A2-E3CC14651C1A}" type="presOf" srcId="{36FE9671-A017-4AF2-97BD-13559F0DD70F}" destId="{F2CA87C4-7BF9-425D-90B0-5D45FDABD5BF}" srcOrd="0" destOrd="0" presId="urn:microsoft.com/office/officeart/2005/8/layout/default"/>
     <dgm:cxn modelId="{0979B354-14CA-4FCC-9046-1F7399A57060}" type="presParOf" srcId="{1905D24B-D380-4979-986A-4CC763A3ABBA}" destId="{C37E75A9-0717-4F97-B20A-B6B672615744}" srcOrd="0" destOrd="0" presId="urn:microsoft.com/office/officeart/2005/8/layout/default"/>
     <dgm:cxn modelId="{93C36435-5953-4F0F-A09F-978B1AFD538A}" type="presParOf" srcId="{1905D24B-D380-4979-986A-4CC763A3ABBA}" destId="{8352C673-ED4A-449F-90F9-F24FD8C0ABDC}" srcOrd="1" destOrd="0" presId="urn:microsoft.com/office/officeart/2005/8/layout/default"/>
     <dgm:cxn modelId="{DDB4372C-8BB4-4294-A5EA-E65E8732BB2C}" type="presParOf" srcId="{1905D24B-D380-4979-986A-4CC763A3ABBA}" destId="{4104FE28-4C24-4F96-9F09-CF22C7929C2E}" srcOrd="2" destOrd="0" presId="urn:microsoft.com/office/officeart/2005/8/layout/default"/>
@@ -1524,6 +1525,638 @@
       <dsp:cNvGrpSpPr/>
     </dsp:nvGrpSpPr>
     <dsp:grpSpPr/>
+    <dsp:sp modelId="{C37E75A9-0717-4F97-B20A-B6B672615744}">
+      <dsp:nvSpPr>
+        <dsp:cNvPr id="0" name=""/>
+        <dsp:cNvSpPr/>
+      </dsp:nvSpPr>
+      <dsp:spPr>
+        <a:xfrm>
+          <a:off x="40005" y="1356"/>
+          <a:ext cx="2260996" cy="1356598"/>
+        </a:xfrm>
+        <a:prstGeom prst="rect">
+          <a:avLst/>
+        </a:prstGeom>
+        <a:solidFill>
+          <a:schemeClr val="accent1">
+            <a:shade val="50000"/>
+            <a:hueOff val="0"/>
+            <a:satOff val="0"/>
+            <a:lumOff val="0"/>
+            <a:alphaOff val="0"/>
+          </a:schemeClr>
+        </a:solidFill>
+        <a:ln w="19050" cap="flat" cmpd="sng" algn="ctr">
+          <a:solidFill>
+            <a:schemeClr val="lt1">
+              <a:hueOff val="0"/>
+              <a:satOff val="0"/>
+              <a:lumOff val="0"/>
+              <a:alphaOff val="0"/>
+            </a:schemeClr>
+          </a:solidFill>
+          <a:prstDash val="solid"/>
+          <a:miter lim="800000"/>
+        </a:ln>
+        <a:effectLst/>
+      </dsp:spPr>
+      <dsp:style>
+        <a:lnRef idx="3">
+          <a:scrgbClr r="0" g="0" b="0"/>
+        </a:lnRef>
+        <a:fillRef idx="1">
+          <a:scrgbClr r="0" g="0" b="0"/>
+        </a:fillRef>
+        <a:effectRef idx="1">
+          <a:scrgbClr r="0" g="0" b="0"/>
+        </a:effectRef>
+        <a:fontRef idx="minor">
+          <a:schemeClr val="lt1"/>
+        </a:fontRef>
+      </dsp:style>
+      <dsp:txBody>
+        <a:bodyPr spcFirstLastPara="0" vert="horz" wrap="square" lIns="64770" tIns="64770" rIns="64770" bIns="64770" numCol="1" spcCol="1270" anchor="ctr" anchorCtr="0">
+          <a:noAutofit/>
+        </a:bodyPr>
+        <a:lstStyle/>
+        <a:p>
+          <a:pPr lvl="0" algn="ctr" defTabSz="755650">
+            <a:lnSpc>
+              <a:spcPct val="90000"/>
+            </a:lnSpc>
+            <a:spcBef>
+              <a:spcPct val="0"/>
+            </a:spcBef>
+            <a:spcAft>
+              <a:spcPct val="35000"/>
+            </a:spcAft>
+          </a:pPr>
+          <a:r>
+            <a:rPr lang="en-US" sz="1700" kern="1200" dirty="0" smtClean="0"/>
+            <a:t>Online Loan Application by Prospect</a:t>
+          </a:r>
+          <a:endParaRPr lang="en-US" sz="1700" kern="1200" dirty="0"/>
+        </a:p>
+      </dsp:txBody>
+      <dsp:txXfrm>
+        <a:off x="40005" y="1356"/>
+        <a:ext cx="2260996" cy="1356598"/>
+      </dsp:txXfrm>
+    </dsp:sp>
+    <dsp:sp modelId="{4104FE28-4C24-4F96-9F09-CF22C7929C2E}">
+      <dsp:nvSpPr>
+        <dsp:cNvPr id="0" name=""/>
+        <dsp:cNvSpPr/>
+      </dsp:nvSpPr>
+      <dsp:spPr>
+        <a:xfrm>
+          <a:off x="2527101" y="1356"/>
+          <a:ext cx="2260996" cy="1356598"/>
+        </a:xfrm>
+        <a:prstGeom prst="rect">
+          <a:avLst/>
+        </a:prstGeom>
+        <a:solidFill>
+          <a:schemeClr val="accent1">
+            <a:shade val="50000"/>
+            <a:hueOff val="195131"/>
+            <a:satOff val="-11271"/>
+            <a:lumOff val="12385"/>
+            <a:alphaOff val="0"/>
+          </a:schemeClr>
+        </a:solidFill>
+        <a:ln w="19050" cap="flat" cmpd="sng" algn="ctr">
+          <a:solidFill>
+            <a:schemeClr val="lt1">
+              <a:hueOff val="0"/>
+              <a:satOff val="0"/>
+              <a:lumOff val="0"/>
+              <a:alphaOff val="0"/>
+            </a:schemeClr>
+          </a:solidFill>
+          <a:prstDash val="solid"/>
+          <a:miter lim="800000"/>
+        </a:ln>
+        <a:effectLst/>
+      </dsp:spPr>
+      <dsp:style>
+        <a:lnRef idx="3">
+          <a:scrgbClr r="0" g="0" b="0"/>
+        </a:lnRef>
+        <a:fillRef idx="1">
+          <a:scrgbClr r="0" g="0" b="0"/>
+        </a:fillRef>
+        <a:effectRef idx="1">
+          <a:scrgbClr r="0" g="0" b="0"/>
+        </a:effectRef>
+        <a:fontRef idx="minor">
+          <a:schemeClr val="lt1"/>
+        </a:fontRef>
+      </dsp:style>
+      <dsp:txBody>
+        <a:bodyPr spcFirstLastPara="0" vert="horz" wrap="square" lIns="64770" tIns="64770" rIns="64770" bIns="64770" numCol="1" spcCol="1270" anchor="ctr" anchorCtr="0">
+          <a:noAutofit/>
+        </a:bodyPr>
+        <a:lstStyle/>
+        <a:p>
+          <a:pPr lvl="0" algn="ctr" defTabSz="755650">
+            <a:lnSpc>
+              <a:spcPct val="90000"/>
+            </a:lnSpc>
+            <a:spcBef>
+              <a:spcPct val="0"/>
+            </a:spcBef>
+            <a:spcAft>
+              <a:spcPct val="35000"/>
+            </a:spcAft>
+          </a:pPr>
+          <a:r>
+            <a:rPr lang="en-US" sz="1700" kern="1200" dirty="0" smtClean="0"/>
+            <a:t>View Prospect List by the Bank Officer </a:t>
+          </a:r>
+          <a:endParaRPr lang="en-US" sz="1700" kern="1200" dirty="0"/>
+        </a:p>
+      </dsp:txBody>
+      <dsp:txXfrm>
+        <a:off x="2527101" y="1356"/>
+        <a:ext cx="2260996" cy="1356598"/>
+      </dsp:txXfrm>
+    </dsp:sp>
+    <dsp:sp modelId="{C2DAFC14-2F54-4DF2-ADD9-B89D5EFF836B}">
+      <dsp:nvSpPr>
+        <dsp:cNvPr id="0" name=""/>
+        <dsp:cNvSpPr/>
+      </dsp:nvSpPr>
+      <dsp:spPr>
+        <a:xfrm>
+          <a:off x="5014198" y="1356"/>
+          <a:ext cx="2260996" cy="1356598"/>
+        </a:xfrm>
+        <a:prstGeom prst="rect">
+          <a:avLst/>
+        </a:prstGeom>
+        <a:solidFill>
+          <a:schemeClr val="accent1">
+            <a:shade val="50000"/>
+            <a:hueOff val="390263"/>
+            <a:satOff val="-22543"/>
+            <a:lumOff val="24770"/>
+            <a:alphaOff val="0"/>
+          </a:schemeClr>
+        </a:solidFill>
+        <a:ln w="19050" cap="flat" cmpd="sng" algn="ctr">
+          <a:solidFill>
+            <a:schemeClr val="lt1">
+              <a:hueOff val="0"/>
+              <a:satOff val="0"/>
+              <a:lumOff val="0"/>
+              <a:alphaOff val="0"/>
+            </a:schemeClr>
+          </a:solidFill>
+          <a:prstDash val="solid"/>
+          <a:miter lim="800000"/>
+        </a:ln>
+        <a:effectLst/>
+      </dsp:spPr>
+      <dsp:style>
+        <a:lnRef idx="3">
+          <a:scrgbClr r="0" g="0" b="0"/>
+        </a:lnRef>
+        <a:fillRef idx="1">
+          <a:scrgbClr r="0" g="0" b="0"/>
+        </a:fillRef>
+        <a:effectRef idx="1">
+          <a:scrgbClr r="0" g="0" b="0"/>
+        </a:effectRef>
+        <a:fontRef idx="minor">
+          <a:schemeClr val="lt1"/>
+        </a:fontRef>
+      </dsp:style>
+      <dsp:txBody>
+        <a:bodyPr spcFirstLastPara="0" vert="horz" wrap="square" lIns="64770" tIns="64770" rIns="64770" bIns="64770" numCol="1" spcCol="1270" anchor="ctr" anchorCtr="0">
+          <a:noAutofit/>
+        </a:bodyPr>
+        <a:lstStyle/>
+        <a:p>
+          <a:pPr lvl="0" algn="ctr" defTabSz="755650">
+            <a:lnSpc>
+              <a:spcPct val="90000"/>
+            </a:lnSpc>
+            <a:spcBef>
+              <a:spcPct val="0"/>
+            </a:spcBef>
+            <a:spcAft>
+              <a:spcPct val="35000"/>
+            </a:spcAft>
+          </a:pPr>
+          <a:r>
+            <a:rPr lang="en-US" sz="1700" kern="1200" dirty="0" smtClean="0"/>
+            <a:t>View Prospect's Details </a:t>
+          </a:r>
+          <a:endParaRPr lang="en-US" sz="1700" kern="1200" dirty="0"/>
+        </a:p>
+      </dsp:txBody>
+      <dsp:txXfrm>
+        <a:off x="5014198" y="1356"/>
+        <a:ext cx="2260996" cy="1356598"/>
+      </dsp:txXfrm>
+    </dsp:sp>
+    <dsp:sp modelId="{520DD30E-9F5B-4C4A-A5DC-0DF78E4FBA26}">
+      <dsp:nvSpPr>
+        <dsp:cNvPr id="0" name=""/>
+        <dsp:cNvSpPr/>
+      </dsp:nvSpPr>
+      <dsp:spPr>
+        <a:xfrm>
+          <a:off x="40005" y="1584053"/>
+          <a:ext cx="2260996" cy="1356598"/>
+        </a:xfrm>
+        <a:prstGeom prst="rect">
+          <a:avLst/>
+        </a:prstGeom>
+        <a:solidFill>
+          <a:schemeClr val="accent1">
+            <a:shade val="50000"/>
+            <a:hueOff val="585394"/>
+            <a:satOff val="-33814"/>
+            <a:lumOff val="37154"/>
+            <a:alphaOff val="0"/>
+          </a:schemeClr>
+        </a:solidFill>
+        <a:ln w="19050" cap="flat" cmpd="sng" algn="ctr">
+          <a:solidFill>
+            <a:schemeClr val="lt1">
+              <a:hueOff val="0"/>
+              <a:satOff val="0"/>
+              <a:lumOff val="0"/>
+              <a:alphaOff val="0"/>
+            </a:schemeClr>
+          </a:solidFill>
+          <a:prstDash val="solid"/>
+          <a:miter lim="800000"/>
+        </a:ln>
+        <a:effectLst/>
+      </dsp:spPr>
+      <dsp:style>
+        <a:lnRef idx="3">
+          <a:scrgbClr r="0" g="0" b="0"/>
+        </a:lnRef>
+        <a:fillRef idx="1">
+          <a:scrgbClr r="0" g="0" b="0"/>
+        </a:fillRef>
+        <a:effectRef idx="1">
+          <a:scrgbClr r="0" g="0" b="0"/>
+        </a:effectRef>
+        <a:fontRef idx="minor">
+          <a:schemeClr val="lt1"/>
+        </a:fontRef>
+      </dsp:style>
+      <dsp:txBody>
+        <a:bodyPr spcFirstLastPara="0" vert="horz" wrap="square" lIns="64770" tIns="64770" rIns="64770" bIns="64770" numCol="1" spcCol="1270" anchor="ctr" anchorCtr="0">
+          <a:noAutofit/>
+        </a:bodyPr>
+        <a:lstStyle/>
+        <a:p>
+          <a:pPr lvl="0" algn="ctr" defTabSz="755650">
+            <a:lnSpc>
+              <a:spcPct val="90000"/>
+            </a:lnSpc>
+            <a:spcBef>
+              <a:spcPct val="0"/>
+            </a:spcBef>
+            <a:spcAft>
+              <a:spcPct val="35000"/>
+            </a:spcAft>
+          </a:pPr>
+          <a:r>
+            <a:rPr lang="en-US" sz="1700" kern="1200" dirty="0" smtClean="0"/>
+            <a:t>Retrieve Applicant’s Credit History</a:t>
+          </a:r>
+          <a:endParaRPr lang="en-US" sz="1700" kern="1200" dirty="0"/>
+        </a:p>
+      </dsp:txBody>
+      <dsp:txXfrm>
+        <a:off x="40005" y="1584053"/>
+        <a:ext cx="2260996" cy="1356598"/>
+      </dsp:txXfrm>
+    </dsp:sp>
+    <dsp:sp modelId="{1C4681E6-90A5-43A5-AF1D-054F12F18D4F}">
+      <dsp:nvSpPr>
+        <dsp:cNvPr id="0" name=""/>
+        <dsp:cNvSpPr/>
+      </dsp:nvSpPr>
+      <dsp:spPr>
+        <a:xfrm>
+          <a:off x="2527101" y="1584053"/>
+          <a:ext cx="2260996" cy="1356598"/>
+        </a:xfrm>
+        <a:prstGeom prst="rect">
+          <a:avLst/>
+        </a:prstGeom>
+        <a:solidFill>
+          <a:schemeClr val="accent1">
+            <a:shade val="50000"/>
+            <a:hueOff val="780526"/>
+            <a:satOff val="-45086"/>
+            <a:lumOff val="49539"/>
+            <a:alphaOff val="0"/>
+          </a:schemeClr>
+        </a:solidFill>
+        <a:ln w="19050" cap="flat" cmpd="sng" algn="ctr">
+          <a:solidFill>
+            <a:schemeClr val="lt1">
+              <a:hueOff val="0"/>
+              <a:satOff val="0"/>
+              <a:lumOff val="0"/>
+              <a:alphaOff val="0"/>
+            </a:schemeClr>
+          </a:solidFill>
+          <a:prstDash val="solid"/>
+          <a:miter lim="800000"/>
+        </a:ln>
+        <a:effectLst/>
+      </dsp:spPr>
+      <dsp:style>
+        <a:lnRef idx="3">
+          <a:scrgbClr r="0" g="0" b="0"/>
+        </a:lnRef>
+        <a:fillRef idx="1">
+          <a:scrgbClr r="0" g="0" b="0"/>
+        </a:fillRef>
+        <a:effectRef idx="1">
+          <a:scrgbClr r="0" g="0" b="0"/>
+        </a:effectRef>
+        <a:fontRef idx="minor">
+          <a:schemeClr val="lt1"/>
+        </a:fontRef>
+      </dsp:style>
+      <dsp:txBody>
+        <a:bodyPr spcFirstLastPara="0" vert="horz" wrap="square" lIns="64770" tIns="64770" rIns="64770" bIns="64770" numCol="1" spcCol="1270" anchor="ctr" anchorCtr="0">
+          <a:noAutofit/>
+        </a:bodyPr>
+        <a:lstStyle/>
+        <a:p>
+          <a:pPr lvl="0" algn="ctr" defTabSz="755650">
+            <a:lnSpc>
+              <a:spcPct val="90000"/>
+            </a:lnSpc>
+            <a:spcBef>
+              <a:spcPct val="0"/>
+            </a:spcBef>
+            <a:spcAft>
+              <a:spcPct val="35000"/>
+            </a:spcAft>
+          </a:pPr>
+          <a:r>
+            <a:rPr lang="en-US" sz="1700" kern="1200" dirty="0" smtClean="0"/>
+            <a:t>Approving the Credit Limit by Bank Officer</a:t>
+          </a:r>
+          <a:endParaRPr lang="en-US" sz="1700" kern="1200" dirty="0"/>
+        </a:p>
+      </dsp:txBody>
+      <dsp:txXfrm>
+        <a:off x="2527101" y="1584053"/>
+        <a:ext cx="2260996" cy="1356598"/>
+      </dsp:txXfrm>
+    </dsp:sp>
+    <dsp:sp modelId="{DEA41B82-6E90-4349-AD1B-B9B98F11E069}">
+      <dsp:nvSpPr>
+        <dsp:cNvPr id="0" name=""/>
+        <dsp:cNvSpPr/>
+      </dsp:nvSpPr>
+      <dsp:spPr>
+        <a:xfrm>
+          <a:off x="5014198" y="1584053"/>
+          <a:ext cx="2260996" cy="1356598"/>
+        </a:xfrm>
+        <a:prstGeom prst="rect">
+          <a:avLst/>
+        </a:prstGeom>
+        <a:solidFill>
+          <a:schemeClr val="accent1">
+            <a:shade val="50000"/>
+            <a:hueOff val="585394"/>
+            <a:satOff val="-33814"/>
+            <a:lumOff val="37154"/>
+            <a:alphaOff val="0"/>
+          </a:schemeClr>
+        </a:solidFill>
+        <a:ln w="19050" cap="flat" cmpd="sng" algn="ctr">
+          <a:solidFill>
+            <a:schemeClr val="lt1">
+              <a:hueOff val="0"/>
+              <a:satOff val="0"/>
+              <a:lumOff val="0"/>
+              <a:alphaOff val="0"/>
+            </a:schemeClr>
+          </a:solidFill>
+          <a:prstDash val="solid"/>
+          <a:miter lim="800000"/>
+        </a:ln>
+        <a:effectLst/>
+      </dsp:spPr>
+      <dsp:style>
+        <a:lnRef idx="3">
+          <a:scrgbClr r="0" g="0" b="0"/>
+        </a:lnRef>
+        <a:fillRef idx="1">
+          <a:scrgbClr r="0" g="0" b="0"/>
+        </a:fillRef>
+        <a:effectRef idx="1">
+          <a:scrgbClr r="0" g="0" b="0"/>
+        </a:effectRef>
+        <a:fontRef idx="minor">
+          <a:schemeClr val="lt1"/>
+        </a:fontRef>
+      </dsp:style>
+      <dsp:txBody>
+        <a:bodyPr spcFirstLastPara="0" vert="horz" wrap="square" lIns="64770" tIns="64770" rIns="64770" bIns="64770" numCol="1" spcCol="1270" anchor="ctr" anchorCtr="0">
+          <a:noAutofit/>
+        </a:bodyPr>
+        <a:lstStyle/>
+        <a:p>
+          <a:pPr lvl="0" algn="ctr" defTabSz="755650">
+            <a:lnSpc>
+              <a:spcPct val="90000"/>
+            </a:lnSpc>
+            <a:spcBef>
+              <a:spcPct val="0"/>
+            </a:spcBef>
+            <a:spcAft>
+              <a:spcPct val="35000"/>
+            </a:spcAft>
+          </a:pPr>
+          <a:r>
+            <a:rPr lang="en-US" sz="1700" kern="1200" dirty="0" smtClean="0"/>
+            <a:t>Retrieving the Property Valuation from the Assessor</a:t>
+          </a:r>
+          <a:endParaRPr lang="en-US" sz="1700" kern="1200" dirty="0"/>
+        </a:p>
+      </dsp:txBody>
+      <dsp:txXfrm>
+        <a:off x="5014198" y="1584053"/>
+        <a:ext cx="2260996" cy="1356598"/>
+      </dsp:txXfrm>
+    </dsp:sp>
+    <dsp:sp modelId="{04506B76-3E30-4CD8-8F67-F8597089510D}">
+      <dsp:nvSpPr>
+        <dsp:cNvPr id="0" name=""/>
+        <dsp:cNvSpPr/>
+      </dsp:nvSpPr>
+      <dsp:spPr>
+        <a:xfrm>
+          <a:off x="1283553" y="3166751"/>
+          <a:ext cx="2260996" cy="1356598"/>
+        </a:xfrm>
+        <a:prstGeom prst="rect">
+          <a:avLst/>
+        </a:prstGeom>
+        <a:solidFill>
+          <a:schemeClr val="accent1">
+            <a:shade val="50000"/>
+            <a:hueOff val="390263"/>
+            <a:satOff val="-22543"/>
+            <a:lumOff val="24770"/>
+            <a:alphaOff val="0"/>
+          </a:schemeClr>
+        </a:solidFill>
+        <a:ln w="19050" cap="flat" cmpd="sng" algn="ctr">
+          <a:solidFill>
+            <a:schemeClr val="lt1">
+              <a:hueOff val="0"/>
+              <a:satOff val="0"/>
+              <a:lumOff val="0"/>
+              <a:alphaOff val="0"/>
+            </a:schemeClr>
+          </a:solidFill>
+          <a:prstDash val="solid"/>
+          <a:miter lim="800000"/>
+        </a:ln>
+        <a:effectLst/>
+      </dsp:spPr>
+      <dsp:style>
+        <a:lnRef idx="3">
+          <a:scrgbClr r="0" g="0" b="0"/>
+        </a:lnRef>
+        <a:fillRef idx="1">
+          <a:scrgbClr r="0" g="0" b="0"/>
+        </a:fillRef>
+        <a:effectRef idx="1">
+          <a:scrgbClr r="0" g="0" b="0"/>
+        </a:effectRef>
+        <a:fontRef idx="minor">
+          <a:schemeClr val="lt1"/>
+        </a:fontRef>
+      </dsp:style>
+      <dsp:txBody>
+        <a:bodyPr spcFirstLastPara="0" vert="horz" wrap="square" lIns="64770" tIns="64770" rIns="64770" bIns="64770" numCol="1" spcCol="1270" anchor="ctr" anchorCtr="0">
+          <a:noAutofit/>
+        </a:bodyPr>
+        <a:lstStyle/>
+        <a:p>
+          <a:pPr lvl="0" algn="ctr" defTabSz="755650">
+            <a:lnSpc>
+              <a:spcPct val="90000"/>
+            </a:lnSpc>
+            <a:spcBef>
+              <a:spcPct val="0"/>
+            </a:spcBef>
+            <a:spcAft>
+              <a:spcPct val="35000"/>
+            </a:spcAft>
+          </a:pPr>
+          <a:r>
+            <a:rPr lang="en-US" sz="1700" kern="1200" dirty="0" smtClean="0"/>
+            <a:t>Approving Loan Application based on the Assessment</a:t>
+          </a:r>
+          <a:endParaRPr lang="en-US" sz="1700" kern="1200" dirty="0"/>
+        </a:p>
+      </dsp:txBody>
+      <dsp:txXfrm>
+        <a:off x="1283553" y="3166751"/>
+        <a:ext cx="2260996" cy="1356598"/>
+      </dsp:txXfrm>
+    </dsp:sp>
+    <dsp:sp modelId="{F2CA87C4-7BF9-425D-90B0-5D45FDABD5BF}">
+      <dsp:nvSpPr>
+        <dsp:cNvPr id="0" name=""/>
+        <dsp:cNvSpPr/>
+      </dsp:nvSpPr>
+      <dsp:spPr>
+        <a:xfrm>
+          <a:off x="3770649" y="3166751"/>
+          <a:ext cx="2260996" cy="1356598"/>
+        </a:xfrm>
+        <a:prstGeom prst="rect">
+          <a:avLst/>
+        </a:prstGeom>
+        <a:solidFill>
+          <a:schemeClr val="accent1">
+            <a:shade val="50000"/>
+            <a:hueOff val="195131"/>
+            <a:satOff val="-11271"/>
+            <a:lumOff val="12385"/>
+            <a:alphaOff val="0"/>
+          </a:schemeClr>
+        </a:solidFill>
+        <a:ln w="19050" cap="flat" cmpd="sng" algn="ctr">
+          <a:solidFill>
+            <a:schemeClr val="lt1">
+              <a:hueOff val="0"/>
+              <a:satOff val="0"/>
+              <a:lumOff val="0"/>
+              <a:alphaOff val="0"/>
+            </a:schemeClr>
+          </a:solidFill>
+          <a:prstDash val="solid"/>
+          <a:miter lim="800000"/>
+        </a:ln>
+        <a:effectLst/>
+      </dsp:spPr>
+      <dsp:style>
+        <a:lnRef idx="3">
+          <a:scrgbClr r="0" g="0" b="0"/>
+        </a:lnRef>
+        <a:fillRef idx="1">
+          <a:scrgbClr r="0" g="0" b="0"/>
+        </a:fillRef>
+        <a:effectRef idx="1">
+          <a:scrgbClr r="0" g="0" b="0"/>
+        </a:effectRef>
+        <a:fontRef idx="minor">
+          <a:schemeClr val="lt1"/>
+        </a:fontRef>
+      </dsp:style>
+      <dsp:txBody>
+        <a:bodyPr spcFirstLastPara="0" vert="horz" wrap="square" lIns="64770" tIns="64770" rIns="64770" bIns="64770" numCol="1" spcCol="1270" anchor="ctr" anchorCtr="0">
+          <a:noAutofit/>
+        </a:bodyPr>
+        <a:lstStyle/>
+        <a:p>
+          <a:pPr lvl="0" algn="ctr" defTabSz="755650">
+            <a:lnSpc>
+              <a:spcPct val="90000"/>
+            </a:lnSpc>
+            <a:spcBef>
+              <a:spcPct val="0"/>
+            </a:spcBef>
+            <a:spcAft>
+              <a:spcPct val="35000"/>
+            </a:spcAft>
+          </a:pPr>
+          <a:r>
+            <a:rPr lang="en-US" sz="1700" kern="1200" dirty="0" smtClean="0"/>
+            <a:t>Rejecting the Loan Application based anytime based on Credit and property assessment</a:t>
+          </a:r>
+          <a:endParaRPr lang="en-US" sz="1700" kern="1200" dirty="0"/>
+        </a:p>
+      </dsp:txBody>
+      <dsp:txXfrm>
+        <a:off x="3770649" y="3166751"/>
+        <a:ext cx="2260996" cy="1356598"/>
+      </dsp:txXfrm>
+    </dsp:sp>
   </dsp:spTree>
 </dsp:drawing>
 </file>
@@ -2731,7 +3364,7 @@
           <p:cNvPr id="2" name="Title 1">
             <a:extLst>
               <a:ext uri="{FF2B5EF4-FFF2-40B4-BE49-F238E27FC236}">
-                <a16:creationId xmlns="" xmlns:a16="http://schemas.microsoft.com/office/drawing/2014/main" id="{8644F563-5448-4EAF-8B6F-F9B570758BE0}"/>
+                <a16:creationId xmlns:a16="http://schemas.microsoft.com/office/drawing/2014/main" xmlns="" id="{8644F563-5448-4EAF-8B6F-F9B570758BE0}"/>
               </a:ext>
             </a:extLst>
           </p:cNvPr>
@@ -2768,7 +3401,7 @@
           <p:cNvPr id="3" name="Subtitle 2">
             <a:extLst>
               <a:ext uri="{FF2B5EF4-FFF2-40B4-BE49-F238E27FC236}">
-                <a16:creationId xmlns="" xmlns:a16="http://schemas.microsoft.com/office/drawing/2014/main" id="{17E12E8B-7789-400F-9794-7CF27A2AA136}"/>
+                <a16:creationId xmlns:a16="http://schemas.microsoft.com/office/drawing/2014/main" xmlns="" id="{17E12E8B-7789-400F-9794-7CF27A2AA136}"/>
               </a:ext>
             </a:extLst>
           </p:cNvPr>
@@ -2838,7 +3471,7 @@
           <p:cNvPr id="4" name="Date Placeholder 3">
             <a:extLst>
               <a:ext uri="{FF2B5EF4-FFF2-40B4-BE49-F238E27FC236}">
-                <a16:creationId xmlns="" xmlns:a16="http://schemas.microsoft.com/office/drawing/2014/main" id="{F7D26E30-F0AE-47FF-A275-42A978481391}"/>
+                <a16:creationId xmlns:a16="http://schemas.microsoft.com/office/drawing/2014/main" xmlns="" id="{F7D26E30-F0AE-47FF-A275-42A978481391}"/>
               </a:ext>
             </a:extLst>
           </p:cNvPr>
@@ -2858,7 +3491,7 @@
               <a:rPr lang="en-US" smtClean="0"/>
               <a:t>1/11/2019</a:t>
             </a:fld>
-            <a:endParaRPr lang="en-US"/>
+            <a:endParaRPr lang="en-US" dirty="0"/>
           </a:p>
         </p:txBody>
       </p:sp>
@@ -2867,7 +3500,7 @@
           <p:cNvPr id="5" name="Footer Placeholder 4">
             <a:extLst>
               <a:ext uri="{FF2B5EF4-FFF2-40B4-BE49-F238E27FC236}">
-                <a16:creationId xmlns="" xmlns:a16="http://schemas.microsoft.com/office/drawing/2014/main" id="{14509DCC-A43C-473D-BD5D-7406B17AB708}"/>
+                <a16:creationId xmlns:a16="http://schemas.microsoft.com/office/drawing/2014/main" xmlns="" id="{14509DCC-A43C-473D-BD5D-7406B17AB708}"/>
               </a:ext>
             </a:extLst>
           </p:cNvPr>
@@ -2883,7 +3516,7 @@
           <a:bodyPr/>
           <a:lstStyle/>
           <a:p>
-            <a:endParaRPr lang="en-US"/>
+            <a:endParaRPr lang="en-US" dirty="0"/>
           </a:p>
         </p:txBody>
       </p:sp>
@@ -2892,7 +3525,7 @@
           <p:cNvPr id="6" name="Slide Number Placeholder 5">
             <a:extLst>
               <a:ext uri="{FF2B5EF4-FFF2-40B4-BE49-F238E27FC236}">
-                <a16:creationId xmlns="" xmlns:a16="http://schemas.microsoft.com/office/drawing/2014/main" id="{F40797F9-B52C-4F40-9C91-51A5DFF05935}"/>
+                <a16:creationId xmlns:a16="http://schemas.microsoft.com/office/drawing/2014/main" xmlns="" id="{F40797F9-B52C-4F40-9C91-51A5DFF05935}"/>
               </a:ext>
             </a:extLst>
           </p:cNvPr>
@@ -2912,7 +3545,7 @@
               <a:rPr lang="en-US" smtClean="0"/>
               <a:t>‹#›</a:t>
             </a:fld>
-            <a:endParaRPr lang="en-US"/>
+            <a:endParaRPr lang="en-US" dirty="0"/>
           </a:p>
         </p:txBody>
       </p:sp>
@@ -2951,7 +3584,7 @@
           <p:cNvPr id="2" name="Title 1">
             <a:extLst>
               <a:ext uri="{FF2B5EF4-FFF2-40B4-BE49-F238E27FC236}">
-                <a16:creationId xmlns="" xmlns:a16="http://schemas.microsoft.com/office/drawing/2014/main" id="{53857DE8-1BD3-42CF-81A9-0711B9CBBE13}"/>
+                <a16:creationId xmlns:a16="http://schemas.microsoft.com/office/drawing/2014/main" xmlns="" id="{53857DE8-1BD3-42CF-81A9-0711B9CBBE13}"/>
               </a:ext>
             </a:extLst>
           </p:cNvPr>
@@ -2979,7 +3612,7 @@
           <p:cNvPr id="3" name="Vertical Text Placeholder 2">
             <a:extLst>
               <a:ext uri="{FF2B5EF4-FFF2-40B4-BE49-F238E27FC236}">
-                <a16:creationId xmlns="" xmlns:a16="http://schemas.microsoft.com/office/drawing/2014/main" id="{A42E2F5B-28A3-495B-94AE-843A6D8A30D0}"/>
+                <a16:creationId xmlns:a16="http://schemas.microsoft.com/office/drawing/2014/main" xmlns="" id="{A42E2F5B-28A3-495B-94AE-843A6D8A30D0}"/>
               </a:ext>
             </a:extLst>
           </p:cNvPr>
@@ -3036,7 +3669,7 @@
           <p:cNvPr id="4" name="Date Placeholder 3">
             <a:extLst>
               <a:ext uri="{FF2B5EF4-FFF2-40B4-BE49-F238E27FC236}">
-                <a16:creationId xmlns="" xmlns:a16="http://schemas.microsoft.com/office/drawing/2014/main" id="{7511E3DC-1DD5-4713-8E4B-27B491A13B72}"/>
+                <a16:creationId xmlns:a16="http://schemas.microsoft.com/office/drawing/2014/main" xmlns="" id="{7511E3DC-1DD5-4713-8E4B-27B491A13B72}"/>
               </a:ext>
             </a:extLst>
           </p:cNvPr>
@@ -3056,7 +3689,7 @@
               <a:rPr lang="en-US" smtClean="0"/>
               <a:t>1/11/2019</a:t>
             </a:fld>
-            <a:endParaRPr lang="en-US"/>
+            <a:endParaRPr lang="en-US" dirty="0"/>
           </a:p>
         </p:txBody>
       </p:sp>
@@ -3065,7 +3698,7 @@
           <p:cNvPr id="5" name="Footer Placeholder 4">
             <a:extLst>
               <a:ext uri="{FF2B5EF4-FFF2-40B4-BE49-F238E27FC236}">
-                <a16:creationId xmlns="" xmlns:a16="http://schemas.microsoft.com/office/drawing/2014/main" id="{048B2C3D-596A-4FCE-ADA1-345245362531}"/>
+                <a16:creationId xmlns:a16="http://schemas.microsoft.com/office/drawing/2014/main" xmlns="" id="{048B2C3D-596A-4FCE-ADA1-345245362531}"/>
               </a:ext>
             </a:extLst>
           </p:cNvPr>
@@ -3081,7 +3714,7 @@
           <a:bodyPr/>
           <a:lstStyle/>
           <a:p>
-            <a:endParaRPr lang="en-US"/>
+            <a:endParaRPr lang="en-US" dirty="0"/>
           </a:p>
         </p:txBody>
       </p:sp>
@@ -3090,7 +3723,7 @@
           <p:cNvPr id="6" name="Slide Number Placeholder 5">
             <a:extLst>
               <a:ext uri="{FF2B5EF4-FFF2-40B4-BE49-F238E27FC236}">
-                <a16:creationId xmlns="" xmlns:a16="http://schemas.microsoft.com/office/drawing/2014/main" id="{AA6D4FB6-FFC5-42C0-9736-CFDE228E3E6D}"/>
+                <a16:creationId xmlns:a16="http://schemas.microsoft.com/office/drawing/2014/main" xmlns="" id="{AA6D4FB6-FFC5-42C0-9736-CFDE228E3E6D}"/>
               </a:ext>
             </a:extLst>
           </p:cNvPr>
@@ -3110,7 +3743,7 @@
               <a:rPr lang="en-US" smtClean="0"/>
               <a:t>‹#›</a:t>
             </a:fld>
-            <a:endParaRPr lang="en-US"/>
+            <a:endParaRPr lang="en-US" dirty="0"/>
           </a:p>
         </p:txBody>
       </p:sp>
@@ -3149,7 +3782,7 @@
           <p:cNvPr id="2" name="Vertical Title 1">
             <a:extLst>
               <a:ext uri="{FF2B5EF4-FFF2-40B4-BE49-F238E27FC236}">
-                <a16:creationId xmlns="" xmlns:a16="http://schemas.microsoft.com/office/drawing/2014/main" id="{0218D389-DEF8-4742-81AD-66F291EE2608}"/>
+                <a16:creationId xmlns:a16="http://schemas.microsoft.com/office/drawing/2014/main" xmlns="" id="{0218D389-DEF8-4742-81AD-66F291EE2608}"/>
               </a:ext>
             </a:extLst>
           </p:cNvPr>
@@ -3182,7 +3815,7 @@
           <p:cNvPr id="3" name="Vertical Text Placeholder 2">
             <a:extLst>
               <a:ext uri="{FF2B5EF4-FFF2-40B4-BE49-F238E27FC236}">
-                <a16:creationId xmlns="" xmlns:a16="http://schemas.microsoft.com/office/drawing/2014/main" id="{0C6AB7D0-AA87-4D80-85B5-0E9D2CE64AB0}"/>
+                <a16:creationId xmlns:a16="http://schemas.microsoft.com/office/drawing/2014/main" xmlns="" id="{0C6AB7D0-AA87-4D80-85B5-0E9D2CE64AB0}"/>
               </a:ext>
             </a:extLst>
           </p:cNvPr>
@@ -3244,7 +3877,7 @@
           <p:cNvPr id="4" name="Date Placeholder 3">
             <a:extLst>
               <a:ext uri="{FF2B5EF4-FFF2-40B4-BE49-F238E27FC236}">
-                <a16:creationId xmlns="" xmlns:a16="http://schemas.microsoft.com/office/drawing/2014/main" id="{02742176-7B18-45DA-A582-2E0B93A27FC6}"/>
+                <a16:creationId xmlns:a16="http://schemas.microsoft.com/office/drawing/2014/main" xmlns="" id="{02742176-7B18-45DA-A582-2E0B93A27FC6}"/>
               </a:ext>
             </a:extLst>
           </p:cNvPr>
@@ -3264,7 +3897,7 @@
               <a:rPr lang="en-US" smtClean="0"/>
               <a:t>1/11/2019</a:t>
             </a:fld>
-            <a:endParaRPr lang="en-US"/>
+            <a:endParaRPr lang="en-US" dirty="0"/>
           </a:p>
         </p:txBody>
       </p:sp>
@@ -3273,7 +3906,7 @@
           <p:cNvPr id="5" name="Footer Placeholder 4">
             <a:extLst>
               <a:ext uri="{FF2B5EF4-FFF2-40B4-BE49-F238E27FC236}">
-                <a16:creationId xmlns="" xmlns:a16="http://schemas.microsoft.com/office/drawing/2014/main" id="{88A9A0D3-490A-4A9C-899F-FA34BE21C1F3}"/>
+                <a16:creationId xmlns:a16="http://schemas.microsoft.com/office/drawing/2014/main" xmlns="" id="{88A9A0D3-490A-4A9C-899F-FA34BE21C1F3}"/>
               </a:ext>
             </a:extLst>
           </p:cNvPr>
@@ -3289,7 +3922,7 @@
           <a:bodyPr/>
           <a:lstStyle/>
           <a:p>
-            <a:endParaRPr lang="en-US"/>
+            <a:endParaRPr lang="en-US" dirty="0"/>
           </a:p>
         </p:txBody>
       </p:sp>
@@ -3298,7 +3931,7 @@
           <p:cNvPr id="6" name="Slide Number Placeholder 5">
             <a:extLst>
               <a:ext uri="{FF2B5EF4-FFF2-40B4-BE49-F238E27FC236}">
-                <a16:creationId xmlns="" xmlns:a16="http://schemas.microsoft.com/office/drawing/2014/main" id="{385123BB-9E7F-4D41-AE39-61C5436F4268}"/>
+                <a16:creationId xmlns:a16="http://schemas.microsoft.com/office/drawing/2014/main" xmlns="" id="{385123BB-9E7F-4D41-AE39-61C5436F4268}"/>
               </a:ext>
             </a:extLst>
           </p:cNvPr>
@@ -3318,7 +3951,7 @@
               <a:rPr lang="en-US" smtClean="0"/>
               <a:t>‹#›</a:t>
             </a:fld>
-            <a:endParaRPr lang="en-US"/>
+            <a:endParaRPr lang="en-US" dirty="0"/>
           </a:p>
         </p:txBody>
       </p:sp>
@@ -3357,7 +3990,7 @@
           <p:cNvPr id="2" name="Title 1">
             <a:extLst>
               <a:ext uri="{FF2B5EF4-FFF2-40B4-BE49-F238E27FC236}">
-                <a16:creationId xmlns="" xmlns:a16="http://schemas.microsoft.com/office/drawing/2014/main" id="{615BEA8E-C18A-4B51-B954-2506E80A5A5B}"/>
+                <a16:creationId xmlns:a16="http://schemas.microsoft.com/office/drawing/2014/main" xmlns="" id="{615BEA8E-C18A-4B51-B954-2506E80A5A5B}"/>
               </a:ext>
             </a:extLst>
           </p:cNvPr>
@@ -3385,7 +4018,7 @@
           <p:cNvPr id="3" name="Content Placeholder 2">
             <a:extLst>
               <a:ext uri="{FF2B5EF4-FFF2-40B4-BE49-F238E27FC236}">
-                <a16:creationId xmlns="" xmlns:a16="http://schemas.microsoft.com/office/drawing/2014/main" id="{2B0CD9A7-0600-424F-9140-9DE80DD38006}"/>
+                <a16:creationId xmlns:a16="http://schemas.microsoft.com/office/drawing/2014/main" xmlns="" id="{2B0CD9A7-0600-424F-9140-9DE80DD38006}"/>
               </a:ext>
             </a:extLst>
           </p:cNvPr>
@@ -3442,7 +4075,7 @@
           <p:cNvPr id="4" name="Date Placeholder 3">
             <a:extLst>
               <a:ext uri="{FF2B5EF4-FFF2-40B4-BE49-F238E27FC236}">
-                <a16:creationId xmlns="" xmlns:a16="http://schemas.microsoft.com/office/drawing/2014/main" id="{594B4FD3-55C6-4233-82EC-643EE7C4D423}"/>
+                <a16:creationId xmlns:a16="http://schemas.microsoft.com/office/drawing/2014/main" xmlns="" id="{594B4FD3-55C6-4233-82EC-643EE7C4D423}"/>
               </a:ext>
             </a:extLst>
           </p:cNvPr>
@@ -3462,7 +4095,7 @@
               <a:rPr lang="en-US" smtClean="0"/>
               <a:t>1/11/2019</a:t>
             </a:fld>
-            <a:endParaRPr lang="en-US"/>
+            <a:endParaRPr lang="en-US" dirty="0"/>
           </a:p>
         </p:txBody>
       </p:sp>
@@ -3471,7 +4104,7 @@
           <p:cNvPr id="5" name="Footer Placeholder 4">
             <a:extLst>
               <a:ext uri="{FF2B5EF4-FFF2-40B4-BE49-F238E27FC236}">
-                <a16:creationId xmlns="" xmlns:a16="http://schemas.microsoft.com/office/drawing/2014/main" id="{3FAE2A83-6391-48EF-8111-14D78515A689}"/>
+                <a16:creationId xmlns:a16="http://schemas.microsoft.com/office/drawing/2014/main" xmlns="" id="{3FAE2A83-6391-48EF-8111-14D78515A689}"/>
               </a:ext>
             </a:extLst>
           </p:cNvPr>
@@ -3487,7 +4120,7 @@
           <a:bodyPr/>
           <a:lstStyle/>
           <a:p>
-            <a:endParaRPr lang="en-US"/>
+            <a:endParaRPr lang="en-US" dirty="0"/>
           </a:p>
         </p:txBody>
       </p:sp>
@@ -3496,7 +4129,7 @@
           <p:cNvPr id="6" name="Slide Number Placeholder 5">
             <a:extLst>
               <a:ext uri="{FF2B5EF4-FFF2-40B4-BE49-F238E27FC236}">
-                <a16:creationId xmlns="" xmlns:a16="http://schemas.microsoft.com/office/drawing/2014/main" id="{D115D32F-22EB-4E1E-8EA4-024C392233FF}"/>
+                <a16:creationId xmlns:a16="http://schemas.microsoft.com/office/drawing/2014/main" xmlns="" id="{D115D32F-22EB-4E1E-8EA4-024C392233FF}"/>
               </a:ext>
             </a:extLst>
           </p:cNvPr>
@@ -3516,7 +4149,7 @@
               <a:rPr lang="en-US" smtClean="0"/>
               <a:t>‹#›</a:t>
             </a:fld>
-            <a:endParaRPr lang="en-US"/>
+            <a:endParaRPr lang="en-US" dirty="0"/>
           </a:p>
         </p:txBody>
       </p:sp>
@@ -3555,7 +4188,7 @@
           <p:cNvPr id="2" name="Title 1">
             <a:extLst>
               <a:ext uri="{FF2B5EF4-FFF2-40B4-BE49-F238E27FC236}">
-                <a16:creationId xmlns="" xmlns:a16="http://schemas.microsoft.com/office/drawing/2014/main" id="{7E46BAA7-B7B1-4D2C-AEFA-7115C75BFDE7}"/>
+                <a16:creationId xmlns:a16="http://schemas.microsoft.com/office/drawing/2014/main" xmlns="" id="{7E46BAA7-B7B1-4D2C-AEFA-7115C75BFDE7}"/>
               </a:ext>
             </a:extLst>
           </p:cNvPr>
@@ -3592,7 +4225,7 @@
           <p:cNvPr id="3" name="Text Placeholder 2">
             <a:extLst>
               <a:ext uri="{FF2B5EF4-FFF2-40B4-BE49-F238E27FC236}">
-                <a16:creationId xmlns="" xmlns:a16="http://schemas.microsoft.com/office/drawing/2014/main" id="{FA974AF7-0457-44D4-8F48-1A145B5B29D3}"/>
+                <a16:creationId xmlns:a16="http://schemas.microsoft.com/office/drawing/2014/main" xmlns="" id="{FA974AF7-0457-44D4-8F48-1A145B5B29D3}"/>
               </a:ext>
             </a:extLst>
           </p:cNvPr>
@@ -3717,7 +4350,7 @@
           <p:cNvPr id="4" name="Date Placeholder 3">
             <a:extLst>
               <a:ext uri="{FF2B5EF4-FFF2-40B4-BE49-F238E27FC236}">
-                <a16:creationId xmlns="" xmlns:a16="http://schemas.microsoft.com/office/drawing/2014/main" id="{5776E5E1-2EE8-4A7F-BD1C-1E4A830CD5A3}"/>
+                <a16:creationId xmlns:a16="http://schemas.microsoft.com/office/drawing/2014/main" xmlns="" id="{5776E5E1-2EE8-4A7F-BD1C-1E4A830CD5A3}"/>
               </a:ext>
             </a:extLst>
           </p:cNvPr>
@@ -3737,7 +4370,7 @@
               <a:rPr lang="en-US" smtClean="0"/>
               <a:t>1/11/2019</a:t>
             </a:fld>
-            <a:endParaRPr lang="en-US"/>
+            <a:endParaRPr lang="en-US" dirty="0"/>
           </a:p>
         </p:txBody>
       </p:sp>
@@ -3746,7 +4379,7 @@
           <p:cNvPr id="5" name="Footer Placeholder 4">
             <a:extLst>
               <a:ext uri="{FF2B5EF4-FFF2-40B4-BE49-F238E27FC236}">
-                <a16:creationId xmlns="" xmlns:a16="http://schemas.microsoft.com/office/drawing/2014/main" id="{8633053A-5A49-4A71-99DF-7A934D3EB44F}"/>
+                <a16:creationId xmlns:a16="http://schemas.microsoft.com/office/drawing/2014/main" xmlns="" id="{8633053A-5A49-4A71-99DF-7A934D3EB44F}"/>
               </a:ext>
             </a:extLst>
           </p:cNvPr>
@@ -3762,7 +4395,7 @@
           <a:bodyPr/>
           <a:lstStyle/>
           <a:p>
-            <a:endParaRPr lang="en-US"/>
+            <a:endParaRPr lang="en-US" dirty="0"/>
           </a:p>
         </p:txBody>
       </p:sp>
@@ -3771,7 +4404,7 @@
           <p:cNvPr id="6" name="Slide Number Placeholder 5">
             <a:extLst>
               <a:ext uri="{FF2B5EF4-FFF2-40B4-BE49-F238E27FC236}">
-                <a16:creationId xmlns="" xmlns:a16="http://schemas.microsoft.com/office/drawing/2014/main" id="{1722784E-203B-438F-B2E7-8C78F749F88A}"/>
+                <a16:creationId xmlns:a16="http://schemas.microsoft.com/office/drawing/2014/main" xmlns="" id="{1722784E-203B-438F-B2E7-8C78F749F88A}"/>
               </a:ext>
             </a:extLst>
           </p:cNvPr>
@@ -3791,7 +4424,7 @@
               <a:rPr lang="en-US" smtClean="0"/>
               <a:t>‹#›</a:t>
             </a:fld>
-            <a:endParaRPr lang="en-US"/>
+            <a:endParaRPr lang="en-US" dirty="0"/>
           </a:p>
         </p:txBody>
       </p:sp>
@@ -3830,7 +4463,7 @@
           <p:cNvPr id="2" name="Title 1">
             <a:extLst>
               <a:ext uri="{FF2B5EF4-FFF2-40B4-BE49-F238E27FC236}">
-                <a16:creationId xmlns="" xmlns:a16="http://schemas.microsoft.com/office/drawing/2014/main" id="{ACFF0B98-C86F-4E33-BD52-7D2746ADBF8A}"/>
+                <a16:creationId xmlns:a16="http://schemas.microsoft.com/office/drawing/2014/main" xmlns="" id="{ACFF0B98-C86F-4E33-BD52-7D2746ADBF8A}"/>
               </a:ext>
             </a:extLst>
           </p:cNvPr>
@@ -3858,7 +4491,7 @@
           <p:cNvPr id="3" name="Content Placeholder 2">
             <a:extLst>
               <a:ext uri="{FF2B5EF4-FFF2-40B4-BE49-F238E27FC236}">
-                <a16:creationId xmlns="" xmlns:a16="http://schemas.microsoft.com/office/drawing/2014/main" id="{767BB0FC-7A6C-41A0-B600-E03D6F840CD2}"/>
+                <a16:creationId xmlns:a16="http://schemas.microsoft.com/office/drawing/2014/main" xmlns="" id="{767BB0FC-7A6C-41A0-B600-E03D6F840CD2}"/>
               </a:ext>
             </a:extLst>
           </p:cNvPr>
@@ -3920,7 +4553,7 @@
           <p:cNvPr id="4" name="Content Placeholder 3">
             <a:extLst>
               <a:ext uri="{FF2B5EF4-FFF2-40B4-BE49-F238E27FC236}">
-                <a16:creationId xmlns="" xmlns:a16="http://schemas.microsoft.com/office/drawing/2014/main" id="{4522A99C-31D2-4612-9303-7A584F0E6838}"/>
+                <a16:creationId xmlns:a16="http://schemas.microsoft.com/office/drawing/2014/main" xmlns="" id="{4522A99C-31D2-4612-9303-7A584F0E6838}"/>
               </a:ext>
             </a:extLst>
           </p:cNvPr>
@@ -3982,7 +4615,7 @@
           <p:cNvPr id="5" name="Date Placeholder 4">
             <a:extLst>
               <a:ext uri="{FF2B5EF4-FFF2-40B4-BE49-F238E27FC236}">
-                <a16:creationId xmlns="" xmlns:a16="http://schemas.microsoft.com/office/drawing/2014/main" id="{0D894365-66B7-4D17-BEA7-76B435D8A89C}"/>
+                <a16:creationId xmlns:a16="http://schemas.microsoft.com/office/drawing/2014/main" xmlns="" id="{0D894365-66B7-4D17-BEA7-76B435D8A89C}"/>
               </a:ext>
             </a:extLst>
           </p:cNvPr>
@@ -4002,7 +4635,7 @@
               <a:rPr lang="en-US" smtClean="0"/>
               <a:t>1/11/2019</a:t>
             </a:fld>
-            <a:endParaRPr lang="en-US"/>
+            <a:endParaRPr lang="en-US" dirty="0"/>
           </a:p>
         </p:txBody>
       </p:sp>
@@ -4011,7 +4644,7 @@
           <p:cNvPr id="6" name="Footer Placeholder 5">
             <a:extLst>
               <a:ext uri="{FF2B5EF4-FFF2-40B4-BE49-F238E27FC236}">
-                <a16:creationId xmlns="" xmlns:a16="http://schemas.microsoft.com/office/drawing/2014/main" id="{1C859067-E34A-4A43-A50F-0128A4EC970D}"/>
+                <a16:creationId xmlns:a16="http://schemas.microsoft.com/office/drawing/2014/main" xmlns="" id="{1C859067-E34A-4A43-A50F-0128A4EC970D}"/>
               </a:ext>
             </a:extLst>
           </p:cNvPr>
@@ -4027,7 +4660,7 @@
           <a:bodyPr/>
           <a:lstStyle/>
           <a:p>
-            <a:endParaRPr lang="en-US"/>
+            <a:endParaRPr lang="en-US" dirty="0"/>
           </a:p>
         </p:txBody>
       </p:sp>
@@ -4036,7 +4669,7 @@
           <p:cNvPr id="7" name="Slide Number Placeholder 6">
             <a:extLst>
               <a:ext uri="{FF2B5EF4-FFF2-40B4-BE49-F238E27FC236}">
-                <a16:creationId xmlns="" xmlns:a16="http://schemas.microsoft.com/office/drawing/2014/main" id="{D6007750-081C-48B8-ACC6-8AA860610D27}"/>
+                <a16:creationId xmlns:a16="http://schemas.microsoft.com/office/drawing/2014/main" xmlns="" id="{D6007750-081C-48B8-ACC6-8AA860610D27}"/>
               </a:ext>
             </a:extLst>
           </p:cNvPr>
@@ -4056,7 +4689,7 @@
               <a:rPr lang="en-US" smtClean="0"/>
               <a:t>‹#›</a:t>
             </a:fld>
-            <a:endParaRPr lang="en-US"/>
+            <a:endParaRPr lang="en-US" dirty="0"/>
           </a:p>
         </p:txBody>
       </p:sp>
@@ -4095,7 +4728,7 @@
           <p:cNvPr id="2" name="Title 1">
             <a:extLst>
               <a:ext uri="{FF2B5EF4-FFF2-40B4-BE49-F238E27FC236}">
-                <a16:creationId xmlns="" xmlns:a16="http://schemas.microsoft.com/office/drawing/2014/main" id="{26818377-3B8B-4E05-93B2-8201883756A0}"/>
+                <a16:creationId xmlns:a16="http://schemas.microsoft.com/office/drawing/2014/main" xmlns="" id="{26818377-3B8B-4E05-93B2-8201883756A0}"/>
               </a:ext>
             </a:extLst>
           </p:cNvPr>
@@ -4128,7 +4761,7 @@
           <p:cNvPr id="3" name="Text Placeholder 2">
             <a:extLst>
               <a:ext uri="{FF2B5EF4-FFF2-40B4-BE49-F238E27FC236}">
-                <a16:creationId xmlns="" xmlns:a16="http://schemas.microsoft.com/office/drawing/2014/main" id="{FB240A1D-26F3-406B-84B4-9A54EC9DFB9A}"/>
+                <a16:creationId xmlns:a16="http://schemas.microsoft.com/office/drawing/2014/main" xmlns="" id="{FB240A1D-26F3-406B-84B4-9A54EC9DFB9A}"/>
               </a:ext>
             </a:extLst>
           </p:cNvPr>
@@ -4199,7 +4832,7 @@
           <p:cNvPr id="4" name="Content Placeholder 3">
             <a:extLst>
               <a:ext uri="{FF2B5EF4-FFF2-40B4-BE49-F238E27FC236}">
-                <a16:creationId xmlns="" xmlns:a16="http://schemas.microsoft.com/office/drawing/2014/main" id="{B25849A7-DB99-4271-9E5E-21EC4B196BF5}"/>
+                <a16:creationId xmlns:a16="http://schemas.microsoft.com/office/drawing/2014/main" xmlns="" id="{B25849A7-DB99-4271-9E5E-21EC4B196BF5}"/>
               </a:ext>
             </a:extLst>
           </p:cNvPr>
@@ -4261,7 +4894,7 @@
           <p:cNvPr id="5" name="Text Placeholder 4">
             <a:extLst>
               <a:ext uri="{FF2B5EF4-FFF2-40B4-BE49-F238E27FC236}">
-                <a16:creationId xmlns="" xmlns:a16="http://schemas.microsoft.com/office/drawing/2014/main" id="{84E364E0-0981-4174-AC8C-7B8AFC62E477}"/>
+                <a16:creationId xmlns:a16="http://schemas.microsoft.com/office/drawing/2014/main" xmlns="" id="{84E364E0-0981-4174-AC8C-7B8AFC62E477}"/>
               </a:ext>
             </a:extLst>
           </p:cNvPr>
@@ -4332,7 +4965,7 @@
           <p:cNvPr id="6" name="Content Placeholder 5">
             <a:extLst>
               <a:ext uri="{FF2B5EF4-FFF2-40B4-BE49-F238E27FC236}">
-                <a16:creationId xmlns="" xmlns:a16="http://schemas.microsoft.com/office/drawing/2014/main" id="{58EA8E32-50E2-46E5-A16A-22A64FDAAE71}"/>
+                <a16:creationId xmlns:a16="http://schemas.microsoft.com/office/drawing/2014/main" xmlns="" id="{58EA8E32-50E2-46E5-A16A-22A64FDAAE71}"/>
               </a:ext>
             </a:extLst>
           </p:cNvPr>
@@ -4394,7 +5027,7 @@
           <p:cNvPr id="7" name="Date Placeholder 6">
             <a:extLst>
               <a:ext uri="{FF2B5EF4-FFF2-40B4-BE49-F238E27FC236}">
-                <a16:creationId xmlns="" xmlns:a16="http://schemas.microsoft.com/office/drawing/2014/main" id="{D0E340B1-FB27-46EB-AA7B-3BC20D9BB7B4}"/>
+                <a16:creationId xmlns:a16="http://schemas.microsoft.com/office/drawing/2014/main" xmlns="" id="{D0E340B1-FB27-46EB-AA7B-3BC20D9BB7B4}"/>
               </a:ext>
             </a:extLst>
           </p:cNvPr>
@@ -4414,7 +5047,7 @@
               <a:rPr lang="en-US" smtClean="0"/>
               <a:t>1/11/2019</a:t>
             </a:fld>
-            <a:endParaRPr lang="en-US"/>
+            <a:endParaRPr lang="en-US" dirty="0"/>
           </a:p>
         </p:txBody>
       </p:sp>
@@ -4423,7 +5056,7 @@
           <p:cNvPr id="8" name="Footer Placeholder 7">
             <a:extLst>
               <a:ext uri="{FF2B5EF4-FFF2-40B4-BE49-F238E27FC236}">
-                <a16:creationId xmlns="" xmlns:a16="http://schemas.microsoft.com/office/drawing/2014/main" id="{46F24CC1-C65F-438B-989F-5A5C772A0A2C}"/>
+                <a16:creationId xmlns:a16="http://schemas.microsoft.com/office/drawing/2014/main" xmlns="" id="{46F24CC1-C65F-438B-989F-5A5C772A0A2C}"/>
               </a:ext>
             </a:extLst>
           </p:cNvPr>
@@ -4439,7 +5072,7 @@
           <a:bodyPr/>
           <a:lstStyle/>
           <a:p>
-            <a:endParaRPr lang="en-US"/>
+            <a:endParaRPr lang="en-US" dirty="0"/>
           </a:p>
         </p:txBody>
       </p:sp>
@@ -4448,7 +5081,7 @@
           <p:cNvPr id="9" name="Slide Number Placeholder 8">
             <a:extLst>
               <a:ext uri="{FF2B5EF4-FFF2-40B4-BE49-F238E27FC236}">
-                <a16:creationId xmlns="" xmlns:a16="http://schemas.microsoft.com/office/drawing/2014/main" id="{35A43C97-0878-443E-8A4A-8784569E98CA}"/>
+                <a16:creationId xmlns:a16="http://schemas.microsoft.com/office/drawing/2014/main" xmlns="" id="{35A43C97-0878-443E-8A4A-8784569E98CA}"/>
               </a:ext>
             </a:extLst>
           </p:cNvPr>
@@ -4468,7 +5101,7 @@
               <a:rPr lang="en-US" smtClean="0"/>
               <a:t>‹#›</a:t>
             </a:fld>
-            <a:endParaRPr lang="en-US"/>
+            <a:endParaRPr lang="en-US" dirty="0"/>
           </a:p>
         </p:txBody>
       </p:sp>
@@ -4507,7 +5140,7 @@
           <p:cNvPr id="2" name="Title 1">
             <a:extLst>
               <a:ext uri="{FF2B5EF4-FFF2-40B4-BE49-F238E27FC236}">
-                <a16:creationId xmlns="" xmlns:a16="http://schemas.microsoft.com/office/drawing/2014/main" id="{EB2168A2-739C-4634-AB65-CA0330512692}"/>
+                <a16:creationId xmlns:a16="http://schemas.microsoft.com/office/drawing/2014/main" xmlns="" id="{EB2168A2-739C-4634-AB65-CA0330512692}"/>
               </a:ext>
             </a:extLst>
           </p:cNvPr>
@@ -4535,7 +5168,7 @@
           <p:cNvPr id="3" name="Date Placeholder 2">
             <a:extLst>
               <a:ext uri="{FF2B5EF4-FFF2-40B4-BE49-F238E27FC236}">
-                <a16:creationId xmlns="" xmlns:a16="http://schemas.microsoft.com/office/drawing/2014/main" id="{539BE235-0A77-4007-8E51-B7533A470979}"/>
+                <a16:creationId xmlns:a16="http://schemas.microsoft.com/office/drawing/2014/main" xmlns="" id="{539BE235-0A77-4007-8E51-B7533A470979}"/>
               </a:ext>
             </a:extLst>
           </p:cNvPr>
@@ -4555,7 +5188,7 @@
               <a:rPr lang="en-US" smtClean="0"/>
               <a:t>1/11/2019</a:t>
             </a:fld>
-            <a:endParaRPr lang="en-US"/>
+            <a:endParaRPr lang="en-US" dirty="0"/>
           </a:p>
         </p:txBody>
       </p:sp>
@@ -4564,7 +5197,7 @@
           <p:cNvPr id="4" name="Footer Placeholder 3">
             <a:extLst>
               <a:ext uri="{FF2B5EF4-FFF2-40B4-BE49-F238E27FC236}">
-                <a16:creationId xmlns="" xmlns:a16="http://schemas.microsoft.com/office/drawing/2014/main" id="{9EDB3B65-5A4F-485C-AD6F-22F538895B97}"/>
+                <a16:creationId xmlns:a16="http://schemas.microsoft.com/office/drawing/2014/main" xmlns="" id="{9EDB3B65-5A4F-485C-AD6F-22F538895B97}"/>
               </a:ext>
             </a:extLst>
           </p:cNvPr>
@@ -4580,7 +5213,7 @@
           <a:bodyPr/>
           <a:lstStyle/>
           <a:p>
-            <a:endParaRPr lang="en-US"/>
+            <a:endParaRPr lang="en-US" dirty="0"/>
           </a:p>
         </p:txBody>
       </p:sp>
@@ -4589,7 +5222,7 @@
           <p:cNvPr id="5" name="Slide Number Placeholder 4">
             <a:extLst>
               <a:ext uri="{FF2B5EF4-FFF2-40B4-BE49-F238E27FC236}">
-                <a16:creationId xmlns="" xmlns:a16="http://schemas.microsoft.com/office/drawing/2014/main" id="{A3CB8EDC-7C1E-4067-A419-C5E74435A391}"/>
+                <a16:creationId xmlns:a16="http://schemas.microsoft.com/office/drawing/2014/main" xmlns="" id="{A3CB8EDC-7C1E-4067-A419-C5E74435A391}"/>
               </a:ext>
             </a:extLst>
           </p:cNvPr>
@@ -4609,7 +5242,7 @@
               <a:rPr lang="en-US" smtClean="0"/>
               <a:t>‹#›</a:t>
             </a:fld>
-            <a:endParaRPr lang="en-US"/>
+            <a:endParaRPr lang="en-US" dirty="0"/>
           </a:p>
         </p:txBody>
       </p:sp>
@@ -4648,7 +5281,7 @@
           <p:cNvPr id="2" name="Date Placeholder 1">
             <a:extLst>
               <a:ext uri="{FF2B5EF4-FFF2-40B4-BE49-F238E27FC236}">
-                <a16:creationId xmlns="" xmlns:a16="http://schemas.microsoft.com/office/drawing/2014/main" id="{480415F0-37C0-4850-AEDE-601A7B0E07F3}"/>
+                <a16:creationId xmlns:a16="http://schemas.microsoft.com/office/drawing/2014/main" xmlns="" id="{480415F0-37C0-4850-AEDE-601A7B0E07F3}"/>
               </a:ext>
             </a:extLst>
           </p:cNvPr>
@@ -4668,7 +5301,7 @@
               <a:rPr lang="en-US" smtClean="0"/>
               <a:t>1/11/2019</a:t>
             </a:fld>
-            <a:endParaRPr lang="en-US"/>
+            <a:endParaRPr lang="en-US" dirty="0"/>
           </a:p>
         </p:txBody>
       </p:sp>
@@ -4677,7 +5310,7 @@
           <p:cNvPr id="3" name="Footer Placeholder 2">
             <a:extLst>
               <a:ext uri="{FF2B5EF4-FFF2-40B4-BE49-F238E27FC236}">
-                <a16:creationId xmlns="" xmlns:a16="http://schemas.microsoft.com/office/drawing/2014/main" id="{5104897F-BA1F-48DA-80F2-5045C65EA82D}"/>
+                <a16:creationId xmlns:a16="http://schemas.microsoft.com/office/drawing/2014/main" xmlns="" id="{5104897F-BA1F-48DA-80F2-5045C65EA82D}"/>
               </a:ext>
             </a:extLst>
           </p:cNvPr>
@@ -4693,7 +5326,7 @@
           <a:bodyPr/>
           <a:lstStyle/>
           <a:p>
-            <a:endParaRPr lang="en-US"/>
+            <a:endParaRPr lang="en-US" dirty="0"/>
           </a:p>
         </p:txBody>
       </p:sp>
@@ -4702,7 +5335,7 @@
           <p:cNvPr id="4" name="Slide Number Placeholder 3">
             <a:extLst>
               <a:ext uri="{FF2B5EF4-FFF2-40B4-BE49-F238E27FC236}">
-                <a16:creationId xmlns="" xmlns:a16="http://schemas.microsoft.com/office/drawing/2014/main" id="{7175411A-CF7F-4589-A565-3C176BC2FCFB}"/>
+                <a16:creationId xmlns:a16="http://schemas.microsoft.com/office/drawing/2014/main" xmlns="" id="{7175411A-CF7F-4589-A565-3C176BC2FCFB}"/>
               </a:ext>
             </a:extLst>
           </p:cNvPr>
@@ -4722,7 +5355,7 @@
               <a:rPr lang="en-US" smtClean="0"/>
               <a:t>‹#›</a:t>
             </a:fld>
-            <a:endParaRPr lang="en-US"/>
+            <a:endParaRPr lang="en-US" dirty="0"/>
           </a:p>
         </p:txBody>
       </p:sp>
@@ -4761,7 +5394,7 @@
           <p:cNvPr id="2" name="Title 1">
             <a:extLst>
               <a:ext uri="{FF2B5EF4-FFF2-40B4-BE49-F238E27FC236}">
-                <a16:creationId xmlns="" xmlns:a16="http://schemas.microsoft.com/office/drawing/2014/main" id="{F8235511-3DF4-4020-95C4-18FB4783973C}"/>
+                <a16:creationId xmlns:a16="http://schemas.microsoft.com/office/drawing/2014/main" xmlns="" id="{F8235511-3DF4-4020-95C4-18FB4783973C}"/>
               </a:ext>
             </a:extLst>
           </p:cNvPr>
@@ -4798,7 +5431,7 @@
           <p:cNvPr id="3" name="Content Placeholder 2">
             <a:extLst>
               <a:ext uri="{FF2B5EF4-FFF2-40B4-BE49-F238E27FC236}">
-                <a16:creationId xmlns="" xmlns:a16="http://schemas.microsoft.com/office/drawing/2014/main" id="{2A4D04AB-B5D8-4B82-9D73-3EF126AF8C7F}"/>
+                <a16:creationId xmlns:a16="http://schemas.microsoft.com/office/drawing/2014/main" xmlns="" id="{2A4D04AB-B5D8-4B82-9D73-3EF126AF8C7F}"/>
               </a:ext>
             </a:extLst>
           </p:cNvPr>
@@ -4888,7 +5521,7 @@
           <p:cNvPr id="4" name="Text Placeholder 3">
             <a:extLst>
               <a:ext uri="{FF2B5EF4-FFF2-40B4-BE49-F238E27FC236}">
-                <a16:creationId xmlns="" xmlns:a16="http://schemas.microsoft.com/office/drawing/2014/main" id="{2FEE2382-862A-4E2C-9FE8-F0E71D0FFDC9}"/>
+                <a16:creationId xmlns:a16="http://schemas.microsoft.com/office/drawing/2014/main" xmlns="" id="{2FEE2382-862A-4E2C-9FE8-F0E71D0FFDC9}"/>
               </a:ext>
             </a:extLst>
           </p:cNvPr>
@@ -4959,7 +5592,7 @@
           <p:cNvPr id="5" name="Date Placeholder 4">
             <a:extLst>
               <a:ext uri="{FF2B5EF4-FFF2-40B4-BE49-F238E27FC236}">
-                <a16:creationId xmlns="" xmlns:a16="http://schemas.microsoft.com/office/drawing/2014/main" id="{B46910F6-A697-4C21-A616-704346753F9C}"/>
+                <a16:creationId xmlns:a16="http://schemas.microsoft.com/office/drawing/2014/main" xmlns="" id="{B46910F6-A697-4C21-A616-704346753F9C}"/>
               </a:ext>
             </a:extLst>
           </p:cNvPr>
@@ -4979,7 +5612,7 @@
               <a:rPr lang="en-US" smtClean="0"/>
               <a:t>1/11/2019</a:t>
             </a:fld>
-            <a:endParaRPr lang="en-US"/>
+            <a:endParaRPr lang="en-US" dirty="0"/>
           </a:p>
         </p:txBody>
       </p:sp>
@@ -4988,7 +5621,7 @@
           <p:cNvPr id="6" name="Footer Placeholder 5">
             <a:extLst>
               <a:ext uri="{FF2B5EF4-FFF2-40B4-BE49-F238E27FC236}">
-                <a16:creationId xmlns="" xmlns:a16="http://schemas.microsoft.com/office/drawing/2014/main" id="{B4B8ADB9-7AD5-48F9-9120-21624D66E19F}"/>
+                <a16:creationId xmlns:a16="http://schemas.microsoft.com/office/drawing/2014/main" xmlns="" id="{B4B8ADB9-7AD5-48F9-9120-21624D66E19F}"/>
               </a:ext>
             </a:extLst>
           </p:cNvPr>
@@ -5004,7 +5637,7 @@
           <a:bodyPr/>
           <a:lstStyle/>
           <a:p>
-            <a:endParaRPr lang="en-US"/>
+            <a:endParaRPr lang="en-US" dirty="0"/>
           </a:p>
         </p:txBody>
       </p:sp>
@@ -5013,7 +5646,7 @@
           <p:cNvPr id="7" name="Slide Number Placeholder 6">
             <a:extLst>
               <a:ext uri="{FF2B5EF4-FFF2-40B4-BE49-F238E27FC236}">
-                <a16:creationId xmlns="" xmlns:a16="http://schemas.microsoft.com/office/drawing/2014/main" id="{090C602F-DECC-4B30-A311-A15B0C46EF88}"/>
+                <a16:creationId xmlns:a16="http://schemas.microsoft.com/office/drawing/2014/main" xmlns="" id="{090C602F-DECC-4B30-A311-A15B0C46EF88}"/>
               </a:ext>
             </a:extLst>
           </p:cNvPr>
@@ -5033,7 +5666,7 @@
               <a:rPr lang="en-US" smtClean="0"/>
               <a:t>‹#›</a:t>
             </a:fld>
-            <a:endParaRPr lang="en-US"/>
+            <a:endParaRPr lang="en-US" dirty="0"/>
           </a:p>
         </p:txBody>
       </p:sp>
@@ -5072,7 +5705,7 @@
           <p:cNvPr id="2" name="Title 1">
             <a:extLst>
               <a:ext uri="{FF2B5EF4-FFF2-40B4-BE49-F238E27FC236}">
-                <a16:creationId xmlns="" xmlns:a16="http://schemas.microsoft.com/office/drawing/2014/main" id="{2A81427F-7317-4BE5-8DFC-10DFBFA5E30C}"/>
+                <a16:creationId xmlns:a16="http://schemas.microsoft.com/office/drawing/2014/main" xmlns="" id="{2A81427F-7317-4BE5-8DFC-10DFBFA5E30C}"/>
               </a:ext>
             </a:extLst>
           </p:cNvPr>
@@ -5109,7 +5742,7 @@
           <p:cNvPr id="3" name="Picture Placeholder 2">
             <a:extLst>
               <a:ext uri="{FF2B5EF4-FFF2-40B4-BE49-F238E27FC236}">
-                <a16:creationId xmlns="" xmlns:a16="http://schemas.microsoft.com/office/drawing/2014/main" id="{6892DDD3-12E2-4156-B6FB-0BA20E00A49E}"/>
+                <a16:creationId xmlns:a16="http://schemas.microsoft.com/office/drawing/2014/main" xmlns="" id="{6892DDD3-12E2-4156-B6FB-0BA20E00A49E}"/>
               </a:ext>
             </a:extLst>
           </p:cNvPr>
@@ -5167,7 +5800,7 @@
             </a:lvl9pPr>
           </a:lstStyle>
           <a:p>
-            <a:endParaRPr lang="en-US"/>
+            <a:endParaRPr lang="en-US" dirty="0"/>
           </a:p>
         </p:txBody>
       </p:sp>
@@ -5176,7 +5809,7 @@
           <p:cNvPr id="4" name="Text Placeholder 3">
             <a:extLst>
               <a:ext uri="{FF2B5EF4-FFF2-40B4-BE49-F238E27FC236}">
-                <a16:creationId xmlns="" xmlns:a16="http://schemas.microsoft.com/office/drawing/2014/main" id="{22D4344B-1395-45DF-8273-DCFA24501AFE}"/>
+                <a16:creationId xmlns:a16="http://schemas.microsoft.com/office/drawing/2014/main" xmlns="" id="{22D4344B-1395-45DF-8273-DCFA24501AFE}"/>
               </a:ext>
             </a:extLst>
           </p:cNvPr>
@@ -5247,7 +5880,7 @@
           <p:cNvPr id="5" name="Date Placeholder 4">
             <a:extLst>
               <a:ext uri="{FF2B5EF4-FFF2-40B4-BE49-F238E27FC236}">
-                <a16:creationId xmlns="" xmlns:a16="http://schemas.microsoft.com/office/drawing/2014/main" id="{81A8F40F-77BA-4BE7-A1CA-531F21DBB954}"/>
+                <a16:creationId xmlns:a16="http://schemas.microsoft.com/office/drawing/2014/main" xmlns="" id="{81A8F40F-77BA-4BE7-A1CA-531F21DBB954}"/>
               </a:ext>
             </a:extLst>
           </p:cNvPr>
@@ -5267,7 +5900,7 @@
               <a:rPr lang="en-US" smtClean="0"/>
               <a:t>1/11/2019</a:t>
             </a:fld>
-            <a:endParaRPr lang="en-US"/>
+            <a:endParaRPr lang="en-US" dirty="0"/>
           </a:p>
         </p:txBody>
       </p:sp>
@@ -5276,7 +5909,7 @@
           <p:cNvPr id="6" name="Footer Placeholder 5">
             <a:extLst>
               <a:ext uri="{FF2B5EF4-FFF2-40B4-BE49-F238E27FC236}">
-                <a16:creationId xmlns="" xmlns:a16="http://schemas.microsoft.com/office/drawing/2014/main" id="{FC0474DE-98DF-43B9-9D71-67662A2B95CC}"/>
+                <a16:creationId xmlns:a16="http://schemas.microsoft.com/office/drawing/2014/main" xmlns="" id="{FC0474DE-98DF-43B9-9D71-67662A2B95CC}"/>
               </a:ext>
             </a:extLst>
           </p:cNvPr>
@@ -5292,7 +5925,7 @@
           <a:bodyPr/>
           <a:lstStyle/>
           <a:p>
-            <a:endParaRPr lang="en-US"/>
+            <a:endParaRPr lang="en-US" dirty="0"/>
           </a:p>
         </p:txBody>
       </p:sp>
@@ -5301,7 +5934,7 @@
           <p:cNvPr id="7" name="Slide Number Placeholder 6">
             <a:extLst>
               <a:ext uri="{FF2B5EF4-FFF2-40B4-BE49-F238E27FC236}">
-                <a16:creationId xmlns="" xmlns:a16="http://schemas.microsoft.com/office/drawing/2014/main" id="{9DD7CBB2-B021-4387-B661-E944EBB2EA21}"/>
+                <a16:creationId xmlns:a16="http://schemas.microsoft.com/office/drawing/2014/main" xmlns="" id="{9DD7CBB2-B021-4387-B661-E944EBB2EA21}"/>
               </a:ext>
             </a:extLst>
           </p:cNvPr>
@@ -5321,7 +5954,7 @@
               <a:rPr lang="en-US" smtClean="0"/>
               <a:t>‹#›</a:t>
             </a:fld>
-            <a:endParaRPr lang="en-US"/>
+            <a:endParaRPr lang="en-US" dirty="0"/>
           </a:p>
         </p:txBody>
       </p:sp>
@@ -5365,7 +5998,7 @@
           <p:cNvPr id="2" name="Title Placeholder 1">
             <a:extLst>
               <a:ext uri="{FF2B5EF4-FFF2-40B4-BE49-F238E27FC236}">
-                <a16:creationId xmlns="" xmlns:a16="http://schemas.microsoft.com/office/drawing/2014/main" id="{5C33EF8F-4111-44EE-B1B1-51EDB7D49D01}"/>
+                <a16:creationId xmlns:a16="http://schemas.microsoft.com/office/drawing/2014/main" xmlns="" id="{5C33EF8F-4111-44EE-B1B1-51EDB7D49D01}"/>
               </a:ext>
             </a:extLst>
           </p:cNvPr>
@@ -5403,7 +6036,7 @@
           <p:cNvPr id="3" name="Text Placeholder 2">
             <a:extLst>
               <a:ext uri="{FF2B5EF4-FFF2-40B4-BE49-F238E27FC236}">
-                <a16:creationId xmlns="" xmlns:a16="http://schemas.microsoft.com/office/drawing/2014/main" id="{B022F8FA-F705-444C-B437-AEE644D54C39}"/>
+                <a16:creationId xmlns:a16="http://schemas.microsoft.com/office/drawing/2014/main" xmlns="" id="{B022F8FA-F705-444C-B437-AEE644D54C39}"/>
               </a:ext>
             </a:extLst>
           </p:cNvPr>
@@ -5470,7 +6103,7 @@
           <p:cNvPr id="4" name="Date Placeholder 3">
             <a:extLst>
               <a:ext uri="{FF2B5EF4-FFF2-40B4-BE49-F238E27FC236}">
-                <a16:creationId xmlns="" xmlns:a16="http://schemas.microsoft.com/office/drawing/2014/main" id="{23AEC2B4-1320-4034-BE3C-1E2D3E5C9C28}"/>
+                <a16:creationId xmlns:a16="http://schemas.microsoft.com/office/drawing/2014/main" xmlns="" id="{23AEC2B4-1320-4034-BE3C-1E2D3E5C9C28}"/>
               </a:ext>
             </a:extLst>
           </p:cNvPr>
@@ -5508,7 +6141,7 @@
               <a:rPr lang="en-US" smtClean="0"/>
               <a:t>1/11/2019</a:t>
             </a:fld>
-            <a:endParaRPr lang="en-US"/>
+            <a:endParaRPr lang="en-US" dirty="0"/>
           </a:p>
         </p:txBody>
       </p:sp>
@@ -5517,7 +6150,7 @@
           <p:cNvPr id="5" name="Footer Placeholder 4">
             <a:extLst>
               <a:ext uri="{FF2B5EF4-FFF2-40B4-BE49-F238E27FC236}">
-                <a16:creationId xmlns="" xmlns:a16="http://schemas.microsoft.com/office/drawing/2014/main" id="{0423CE32-0466-494D-9A5B-22ED39119093}"/>
+                <a16:creationId xmlns:a16="http://schemas.microsoft.com/office/drawing/2014/main" xmlns="" id="{0423CE32-0466-494D-9A5B-22ED39119093}"/>
               </a:ext>
             </a:extLst>
           </p:cNvPr>
@@ -5551,7 +6184,7 @@
             </a:lvl1pPr>
           </a:lstStyle>
           <a:p>
-            <a:endParaRPr lang="en-US"/>
+            <a:endParaRPr lang="en-US" dirty="0"/>
           </a:p>
         </p:txBody>
       </p:sp>
@@ -5560,7 +6193,7 @@
           <p:cNvPr id="6" name="Slide Number Placeholder 5">
             <a:extLst>
               <a:ext uri="{FF2B5EF4-FFF2-40B4-BE49-F238E27FC236}">
-                <a16:creationId xmlns="" xmlns:a16="http://schemas.microsoft.com/office/drawing/2014/main" id="{703A22C7-1BE4-4CB3-BA50-A599414354FE}"/>
+                <a16:creationId xmlns:a16="http://schemas.microsoft.com/office/drawing/2014/main" xmlns="" id="{703A22C7-1BE4-4CB3-BA50-A599414354FE}"/>
               </a:ext>
             </a:extLst>
           </p:cNvPr>
@@ -5598,7 +6231,7 @@
               <a:rPr lang="en-US" smtClean="0"/>
               <a:t>‹#›</a:t>
             </a:fld>
-            <a:endParaRPr lang="en-US"/>
+            <a:endParaRPr lang="en-US" dirty="0"/>
           </a:p>
         </p:txBody>
       </p:sp>
@@ -5936,10 +6569,10 @@
           <p:cNvPr id="14" name="Rectangle 9">
             <a:extLst>
               <a:ext uri="{FF2B5EF4-FFF2-40B4-BE49-F238E27FC236}">
-                <a16:creationId xmlns="" xmlns:a16="http://schemas.microsoft.com/office/drawing/2014/main" id="{86197D16-FE75-4A0E-A0C9-28C0F04A43DF}"/>
+                <a16:creationId xmlns:a16="http://schemas.microsoft.com/office/drawing/2014/main" xmlns="" id="{86197D16-FE75-4A0E-A0C9-28C0F04A43DF}"/>
               </a:ext>
               <a:ext uri="{C183D7F6-B498-43B3-948B-1728B52AA6E4}">
-                <adec:decorative xmlns="" xmlns:adec="http://schemas.microsoft.com/office/drawing/2017/decorative" val="1"/>
+                <adec:decorative xmlns:adec="http://schemas.microsoft.com/office/drawing/2017/decorative" xmlns="" val="1"/>
               </a:ext>
             </a:extLst>
           </p:cNvPr>
@@ -5949,7 +6582,7 @@
           <p:nvPr>
             <p:extLst>
               <p:ext uri="{386F3935-93C4-4BCD-93E2-E3B085C9AB24}">
-                <p16:designElem xmlns="" xmlns:p16="http://schemas.microsoft.com/office/powerpoint/2015/main" val="1"/>
+                <p16:designElem xmlns:p16="http://schemas.microsoft.com/office/powerpoint/2015/main" xmlns="" val="1"/>
               </p:ext>
             </p:extLst>
           </p:nvPr>
@@ -6012,7 +6645,7 @@
           <a:lstStyle/>
           <a:p>
             <a:pPr algn="ctr"/>
-            <a:endParaRPr lang="en-US"/>
+            <a:endParaRPr lang="en-US" dirty="0"/>
           </a:p>
         </p:txBody>
       </p:sp>
@@ -6021,10 +6654,10 @@
           <p:cNvPr id="15" name="Picture 11">
             <a:extLst>
               <a:ext uri="{FF2B5EF4-FFF2-40B4-BE49-F238E27FC236}">
-                <a16:creationId xmlns="" xmlns:a16="http://schemas.microsoft.com/office/drawing/2014/main" id="{FA8FCEC6-4B30-4FF2-8B32-504BEAEA3A16}"/>
+                <a16:creationId xmlns:a16="http://schemas.microsoft.com/office/drawing/2014/main" xmlns="" id="{FA8FCEC6-4B30-4FF2-8B32-504BEAEA3A16}"/>
               </a:ext>
               <a:ext uri="{C183D7F6-B498-43B3-948B-1728B52AA6E4}">
-                <adec:decorative xmlns="" xmlns:adec="http://schemas.microsoft.com/office/drawing/2017/decorative" val="1"/>
+                <adec:decorative xmlns:adec="http://schemas.microsoft.com/office/drawing/2017/decorative" xmlns="" val="1"/>
               </a:ext>
             </a:extLst>
           </p:cNvPr>
@@ -6034,7 +6667,7 @@
           <p:nvPr>
             <p:extLst>
               <p:ext uri="{386F3935-93C4-4BCD-93E2-E3B085C9AB24}">
-                <p16:designElem xmlns="" xmlns:p16="http://schemas.microsoft.com/office/powerpoint/2015/main" val="1"/>
+                <p16:designElem xmlns:p16="http://schemas.microsoft.com/office/powerpoint/2015/main" xmlns="" val="1"/>
               </p:ext>
             </p:extLst>
           </p:nvPr>
@@ -6110,7 +6743,7 @@
           <p:cNvPr id="4" name="Title 3">
             <a:extLst>
               <a:ext uri="{FF2B5EF4-FFF2-40B4-BE49-F238E27FC236}">
-                <a16:creationId xmlns="" xmlns:a16="http://schemas.microsoft.com/office/drawing/2014/main" id="{122EE555-3ACA-4199-99BB-87FE54C092EB}"/>
+                <a16:creationId xmlns:a16="http://schemas.microsoft.com/office/drawing/2014/main" xmlns="" id="{122EE555-3ACA-4199-99BB-87FE54C092EB}"/>
               </a:ext>
             </a:extLst>
           </p:cNvPr>
@@ -6170,7 +6803,7 @@
           <p:cNvPr id="7" name="Rectangle 6">
             <a:extLst>
               <a:ext uri="{FF2B5EF4-FFF2-40B4-BE49-F238E27FC236}">
-                <a16:creationId xmlns="" xmlns:a16="http://schemas.microsoft.com/office/drawing/2014/main" id="{3960A389-03AB-4B30-9F27-F0DF0A70DE8A}"/>
+                <a16:creationId xmlns:a16="http://schemas.microsoft.com/office/drawing/2014/main" xmlns="" id="{3960A389-03AB-4B30-9F27-F0DF0A70DE8A}"/>
               </a:ext>
             </a:extLst>
           </p:cNvPr>
@@ -6215,7 +6848,7 @@
           <a:lstStyle/>
           <a:p>
             <a:pPr algn="ctr"/>
-            <a:endParaRPr lang="en-US"/>
+            <a:endParaRPr lang="en-US" dirty="0"/>
           </a:p>
         </p:txBody>
       </p:sp>
@@ -6224,7 +6857,7 @@
           <p:cNvPr id="17" name="Rectangle 16">
             <a:extLst>
               <a:ext uri="{FF2B5EF4-FFF2-40B4-BE49-F238E27FC236}">
-                <a16:creationId xmlns="" xmlns:a16="http://schemas.microsoft.com/office/drawing/2014/main" id="{2451D676-3FC8-4DBC-9CB5-7C2EFDC790F6}"/>
+                <a16:creationId xmlns:a16="http://schemas.microsoft.com/office/drawing/2014/main" xmlns="" id="{2451D676-3FC8-4DBC-9CB5-7C2EFDC790F6}"/>
               </a:ext>
             </a:extLst>
           </p:cNvPr>
@@ -6269,7 +6902,7 @@
           <a:lstStyle/>
           <a:p>
             <a:pPr algn="ctr"/>
-            <a:endParaRPr lang="en-US"/>
+            <a:endParaRPr lang="en-US" dirty="0"/>
           </a:p>
         </p:txBody>
       </p:sp>
@@ -6278,7 +6911,7 @@
           <p:cNvPr id="18" name="Rectangle 17">
             <a:extLst>
               <a:ext uri="{FF2B5EF4-FFF2-40B4-BE49-F238E27FC236}">
-                <a16:creationId xmlns="" xmlns:a16="http://schemas.microsoft.com/office/drawing/2014/main" id="{2AEF7A21-610F-487A-A600-078E317B26CF}"/>
+                <a16:creationId xmlns:a16="http://schemas.microsoft.com/office/drawing/2014/main" xmlns="" id="{2AEF7A21-610F-487A-A600-078E317B26CF}"/>
               </a:ext>
             </a:extLst>
           </p:cNvPr>
@@ -6323,7 +6956,7 @@
           <a:lstStyle/>
           <a:p>
             <a:pPr algn="ctr"/>
-            <a:endParaRPr lang="en-US"/>
+            <a:endParaRPr lang="en-US" dirty="0"/>
           </a:p>
         </p:txBody>
       </p:sp>
@@ -6332,7 +6965,7 @@
           <p:cNvPr id="3076" name="Picture 4" descr="Image result for java transparent">
             <a:extLst>
               <a:ext uri="{FF2B5EF4-FFF2-40B4-BE49-F238E27FC236}">
-                <a16:creationId xmlns="" xmlns:a16="http://schemas.microsoft.com/office/drawing/2014/main" id="{5302CC2A-27EB-4AA2-BF40-8CA2324F61A3}"/>
+                <a16:creationId xmlns:a16="http://schemas.microsoft.com/office/drawing/2014/main" xmlns="" id="{5302CC2A-27EB-4AA2-BF40-8CA2324F61A3}"/>
               </a:ext>
             </a:extLst>
           </p:cNvPr>
@@ -6395,7 +7028,7 @@
           <p:cNvPr id="3078" name="Picture 6" descr="Image result for jp morgan logo">
             <a:extLst>
               <a:ext uri="{FF2B5EF4-FFF2-40B4-BE49-F238E27FC236}">
-                <a16:creationId xmlns="" xmlns:a16="http://schemas.microsoft.com/office/drawing/2014/main" id="{5B537254-EC8D-4A8E-A8AF-00A12521CFA0}"/>
+                <a16:creationId xmlns:a16="http://schemas.microsoft.com/office/drawing/2014/main" xmlns="" id="{5B537254-EC8D-4A8E-A8AF-00A12521CFA0}"/>
               </a:ext>
             </a:extLst>
           </p:cNvPr>
@@ -6442,7 +7075,7 @@
           <p:cNvPr id="9" name="Picture 8">
             <a:extLst>
               <a:ext uri="{FF2B5EF4-FFF2-40B4-BE49-F238E27FC236}">
-                <a16:creationId xmlns="" xmlns:a16="http://schemas.microsoft.com/office/drawing/2014/main" id="{E01CCD4B-C97E-4B2D-88DA-C2B9DC50D1CB}"/>
+                <a16:creationId xmlns:a16="http://schemas.microsoft.com/office/drawing/2014/main" xmlns="" id="{E01CCD4B-C97E-4B2D-88DA-C2B9DC50D1CB}"/>
               </a:ext>
             </a:extLst>
           </p:cNvPr>
@@ -6478,7 +7111,7 @@
           <p:cNvPr id="22" name="Straight Connector 21">
             <a:extLst>
               <a:ext uri="{FF2B5EF4-FFF2-40B4-BE49-F238E27FC236}">
-                <a16:creationId xmlns="" xmlns:a16="http://schemas.microsoft.com/office/drawing/2014/main" id="{0987F9F2-E377-41DE-86F1-743D1271034C}"/>
+                <a16:creationId xmlns:a16="http://schemas.microsoft.com/office/drawing/2014/main" xmlns="" id="{0987F9F2-E377-41DE-86F1-743D1271034C}"/>
               </a:ext>
             </a:extLst>
           </p:cNvPr>
@@ -6519,7 +7152,7 @@
           <p:cNvPr id="16" name="Rectangle 15">
             <a:extLst>
               <a:ext uri="{FF2B5EF4-FFF2-40B4-BE49-F238E27FC236}">
-                <a16:creationId xmlns="" xmlns:a16="http://schemas.microsoft.com/office/drawing/2014/main" id="{1B391BDD-F07B-4C67-9224-9651E39ECBE6}"/>
+                <a16:creationId xmlns:a16="http://schemas.microsoft.com/office/drawing/2014/main" xmlns="" id="{1B391BDD-F07B-4C67-9224-9651E39ECBE6}"/>
               </a:ext>
             </a:extLst>
           </p:cNvPr>
@@ -6583,7 +7216,7 @@
           <p:cNvPr id="19" name="Rectangle 18">
             <a:extLst>
               <a:ext uri="{FF2B5EF4-FFF2-40B4-BE49-F238E27FC236}">
-                <a16:creationId xmlns="" xmlns:a16="http://schemas.microsoft.com/office/drawing/2014/main" id="{D3CE994F-D446-480C-830E-2B479874648A}"/>
+                <a16:creationId xmlns:a16="http://schemas.microsoft.com/office/drawing/2014/main" xmlns="" id="{D3CE994F-D446-480C-830E-2B479874648A}"/>
               </a:ext>
             </a:extLst>
           </p:cNvPr>
@@ -6647,7 +7280,7 @@
           <p:cNvPr id="20" name="Rectangle 19">
             <a:extLst>
               <a:ext uri="{FF2B5EF4-FFF2-40B4-BE49-F238E27FC236}">
-                <a16:creationId xmlns="" xmlns:a16="http://schemas.microsoft.com/office/drawing/2014/main" id="{E1EE4A63-195E-4F13-8952-73A7C7A166F6}"/>
+                <a16:creationId xmlns:a16="http://schemas.microsoft.com/office/drawing/2014/main" xmlns="" id="{E1EE4A63-195E-4F13-8952-73A7C7A166F6}"/>
               </a:ext>
             </a:extLst>
           </p:cNvPr>
@@ -6958,10 +7591,10 @@
           <p:cNvPr id="8" name="Rectangle 7">
             <a:extLst>
               <a:ext uri="{FF2B5EF4-FFF2-40B4-BE49-F238E27FC236}">
-                <a16:creationId xmlns="" xmlns:a16="http://schemas.microsoft.com/office/drawing/2014/main" id="{15911E3A-C35B-4EF7-A355-B84E9A14AF4D}"/>
+                <a16:creationId xmlns:a16="http://schemas.microsoft.com/office/drawing/2014/main" xmlns="" id="{15911E3A-C35B-4EF7-A355-B84E9A14AF4D}"/>
               </a:ext>
               <a:ext uri="{C183D7F6-B498-43B3-948B-1728B52AA6E4}">
-                <adec:decorative xmlns="" xmlns:adec="http://schemas.microsoft.com/office/drawing/2017/decorative" val="1"/>
+                <adec:decorative xmlns:adec="http://schemas.microsoft.com/office/drawing/2017/decorative" xmlns="" val="1"/>
               </a:ext>
             </a:extLst>
           </p:cNvPr>
@@ -6971,7 +7604,7 @@
           <p:nvPr>
             <p:extLst>
               <p:ext uri="{386F3935-93C4-4BCD-93E2-E3B085C9AB24}">
-                <p16:designElem xmlns="" xmlns:p16="http://schemas.microsoft.com/office/powerpoint/2015/main" val="1"/>
+                <p16:designElem xmlns:p16="http://schemas.microsoft.com/office/powerpoint/2015/main" xmlns="" val="1"/>
               </p:ext>
             </p:extLst>
           </p:nvPr>
@@ -7025,7 +7658,7 @@
               <a:tabLst/>
               <a:defRPr/>
             </a:pPr>
-            <a:endParaRPr kumimoji="0" lang="en-US" sz="1800" b="0" i="0" u="none" strike="noStrike" kern="1200" cap="none" spc="0" normalizeH="0" baseline="0" noProof="0">
+            <a:endParaRPr kumimoji="0" lang="en-US" sz="1800" b="0" i="0" u="none" strike="noStrike" kern="1200" cap="none" spc="0" normalizeH="0" baseline="0" noProof="0" dirty="0">
               <a:ln>
                 <a:noFill/>
               </a:ln>
@@ -7047,10 +7680,10 @@
           <p:cNvPr id="10" name="Group 9">
             <a:extLst>
               <a:ext uri="{FF2B5EF4-FFF2-40B4-BE49-F238E27FC236}">
-                <a16:creationId xmlns="" xmlns:a16="http://schemas.microsoft.com/office/drawing/2014/main" id="{E21ADB3D-AD65-44B4-847D-5E90E90A5D16}"/>
+                <a16:creationId xmlns:a16="http://schemas.microsoft.com/office/drawing/2014/main" xmlns="" id="{E21ADB3D-AD65-44B4-847D-5E90E90A5D16}"/>
               </a:ext>
               <a:ext uri="{C183D7F6-B498-43B3-948B-1728B52AA6E4}">
-                <adec:decorative xmlns="" xmlns:adec="http://schemas.microsoft.com/office/drawing/2017/decorative" val="1"/>
+                <adec:decorative xmlns:adec="http://schemas.microsoft.com/office/drawing/2017/decorative" xmlns="" val="1"/>
               </a:ext>
             </a:extLst>
           </p:cNvPr>
@@ -7060,7 +7693,7 @@
           <p:nvPr>
             <p:extLst>
               <p:ext uri="{386F3935-93C4-4BCD-93E2-E3B085C9AB24}">
-                <p16:designElem xmlns="" xmlns:p16="http://schemas.microsoft.com/office/powerpoint/2015/main" val="1"/>
+                <p16:designElem xmlns:p16="http://schemas.microsoft.com/office/powerpoint/2015/main" xmlns="" val="1"/>
               </p:ext>
             </p:extLst>
           </p:nvPr>
@@ -7078,10 +7711,10 @@
             <p:cNvPr id="11" name="Freeform 5">
               <a:extLst>
                 <a:ext uri="{FF2B5EF4-FFF2-40B4-BE49-F238E27FC236}">
-                  <a16:creationId xmlns="" xmlns:a16="http://schemas.microsoft.com/office/drawing/2014/main" id="{CF580C70-814C-4845-B645-919BFFBD16BA}"/>
+                  <a16:creationId xmlns:a16="http://schemas.microsoft.com/office/drawing/2014/main" xmlns="" id="{CF580C70-814C-4845-B645-919BFFBD16BA}"/>
                 </a:ext>
                 <a:ext uri="{C183D7F6-B498-43B3-948B-1728B52AA6E4}">
-                  <adec:decorative xmlns="" xmlns:adec="http://schemas.microsoft.com/office/drawing/2017/decorative" val="1"/>
+                  <adec:decorative xmlns:adec="http://schemas.microsoft.com/office/drawing/2017/decorative" xmlns="" val="1"/>
                 </a:ext>
               </a:extLst>
             </p:cNvPr>
@@ -7089,7 +7722,7 @@
             <p:nvPr>
               <p:extLst>
                 <p:ext uri="{386F3935-93C4-4BCD-93E2-E3B085C9AB24}">
-                  <p16:designElem xmlns="" xmlns:p16="http://schemas.microsoft.com/office/powerpoint/2015/main" val="1"/>
+                  <p16:designElem xmlns:p16="http://schemas.microsoft.com/office/powerpoint/2015/main" xmlns="" val="1"/>
                 </p:ext>
               </p:extLst>
             </p:nvPr>
@@ -7146,10 +7779,10 @@
             <p:cNvPr id="12" name="Freeform 6">
               <a:extLst>
                 <a:ext uri="{FF2B5EF4-FFF2-40B4-BE49-F238E27FC236}">
-                  <a16:creationId xmlns="" xmlns:a16="http://schemas.microsoft.com/office/drawing/2014/main" id="{34D7BF57-4CAA-45B2-9EF0-0AA1FCF70B16}"/>
+                  <a16:creationId xmlns:a16="http://schemas.microsoft.com/office/drawing/2014/main" xmlns="" id="{34D7BF57-4CAA-45B2-9EF0-0AA1FCF70B16}"/>
                 </a:ext>
                 <a:ext uri="{C183D7F6-B498-43B3-948B-1728B52AA6E4}">
-                  <adec:decorative xmlns="" xmlns:adec="http://schemas.microsoft.com/office/drawing/2017/decorative" val="1"/>
+                  <adec:decorative xmlns:adec="http://schemas.microsoft.com/office/drawing/2017/decorative" xmlns="" val="1"/>
                 </a:ext>
               </a:extLst>
             </p:cNvPr>
@@ -7157,7 +7790,7 @@
             <p:nvPr>
               <p:extLst>
                 <p:ext uri="{386F3935-93C4-4BCD-93E2-E3B085C9AB24}">
-                  <p16:designElem xmlns="" xmlns:p16="http://schemas.microsoft.com/office/powerpoint/2015/main" val="1"/>
+                  <p16:designElem xmlns:p16="http://schemas.microsoft.com/office/powerpoint/2015/main" xmlns="" val="1"/>
                 </p:ext>
               </p:extLst>
             </p:nvPr>
@@ -7214,10 +7847,10 @@
             <p:cNvPr id="13" name="Freeform 7">
               <a:extLst>
                 <a:ext uri="{FF2B5EF4-FFF2-40B4-BE49-F238E27FC236}">
-                  <a16:creationId xmlns="" xmlns:a16="http://schemas.microsoft.com/office/drawing/2014/main" id="{7886F306-C03A-40C6-8FD5-DCE3D4595D6D}"/>
+                  <a16:creationId xmlns:a16="http://schemas.microsoft.com/office/drawing/2014/main" xmlns="" id="{7886F306-C03A-40C6-8FD5-DCE3D4595D6D}"/>
                 </a:ext>
                 <a:ext uri="{C183D7F6-B498-43B3-948B-1728B52AA6E4}">
-                  <adec:decorative xmlns="" xmlns:adec="http://schemas.microsoft.com/office/drawing/2017/decorative" val="1"/>
+                  <adec:decorative xmlns:adec="http://schemas.microsoft.com/office/drawing/2017/decorative" xmlns="" val="1"/>
                 </a:ext>
               </a:extLst>
             </p:cNvPr>
@@ -7225,7 +7858,7 @@
             <p:nvPr>
               <p:extLst>
                 <p:ext uri="{386F3935-93C4-4BCD-93E2-E3B085C9AB24}">
-                  <p16:designElem xmlns="" xmlns:p16="http://schemas.microsoft.com/office/powerpoint/2015/main" val="1"/>
+                  <p16:designElem xmlns:p16="http://schemas.microsoft.com/office/powerpoint/2015/main" xmlns="" val="1"/>
                 </p:ext>
               </p:extLst>
             </p:nvPr>
@@ -7282,10 +7915,10 @@
             <p:cNvPr id="14" name="Freeform 8">
               <a:extLst>
                 <a:ext uri="{FF2B5EF4-FFF2-40B4-BE49-F238E27FC236}">
-                  <a16:creationId xmlns="" xmlns:a16="http://schemas.microsoft.com/office/drawing/2014/main" id="{2FDC9A36-C7C3-47D7-A64E-ED25C47EC704}"/>
+                  <a16:creationId xmlns:a16="http://schemas.microsoft.com/office/drawing/2014/main" xmlns="" id="{2FDC9A36-C7C3-47D7-A64E-ED25C47EC704}"/>
                 </a:ext>
                 <a:ext uri="{C183D7F6-B498-43B3-948B-1728B52AA6E4}">
-                  <adec:decorative xmlns="" xmlns:adec="http://schemas.microsoft.com/office/drawing/2017/decorative" val="1"/>
+                  <adec:decorative xmlns:adec="http://schemas.microsoft.com/office/drawing/2017/decorative" xmlns="" val="1"/>
                 </a:ext>
               </a:extLst>
             </p:cNvPr>
@@ -7293,7 +7926,7 @@
             <p:nvPr>
               <p:extLst>
                 <p:ext uri="{386F3935-93C4-4BCD-93E2-E3B085C9AB24}">
-                  <p16:designElem xmlns="" xmlns:p16="http://schemas.microsoft.com/office/powerpoint/2015/main" val="1"/>
+                  <p16:designElem xmlns:p16="http://schemas.microsoft.com/office/powerpoint/2015/main" xmlns="" val="1"/>
                 </p:ext>
               </p:extLst>
             </p:nvPr>
@@ -7350,10 +7983,10 @@
             <p:cNvPr id="15" name="Freeform 9">
               <a:extLst>
                 <a:ext uri="{FF2B5EF4-FFF2-40B4-BE49-F238E27FC236}">
-                  <a16:creationId xmlns="" xmlns:a16="http://schemas.microsoft.com/office/drawing/2014/main" id="{BB19BC37-158A-43DC-9A9E-E45CC71954DC}"/>
+                  <a16:creationId xmlns:a16="http://schemas.microsoft.com/office/drawing/2014/main" xmlns="" id="{BB19BC37-158A-43DC-9A9E-E45CC71954DC}"/>
                 </a:ext>
                 <a:ext uri="{C183D7F6-B498-43B3-948B-1728B52AA6E4}">
-                  <adec:decorative xmlns="" xmlns:adec="http://schemas.microsoft.com/office/drawing/2017/decorative" val="1"/>
+                  <adec:decorative xmlns:adec="http://schemas.microsoft.com/office/drawing/2017/decorative" xmlns="" val="1"/>
                 </a:ext>
               </a:extLst>
             </p:cNvPr>
@@ -7361,7 +7994,7 @@
             <p:nvPr>
               <p:extLst>
                 <p:ext uri="{386F3935-93C4-4BCD-93E2-E3B085C9AB24}">
-                  <p16:designElem xmlns="" xmlns:p16="http://schemas.microsoft.com/office/powerpoint/2015/main" val="1"/>
+                  <p16:designElem xmlns:p16="http://schemas.microsoft.com/office/powerpoint/2015/main" xmlns="" val="1"/>
                 </p:ext>
               </p:extLst>
             </p:nvPr>
@@ -7418,10 +8051,10 @@
             <p:cNvPr id="16" name="Freeform 10">
               <a:extLst>
                 <a:ext uri="{FF2B5EF4-FFF2-40B4-BE49-F238E27FC236}">
-                  <a16:creationId xmlns="" xmlns:a16="http://schemas.microsoft.com/office/drawing/2014/main" id="{077654CC-108F-48D5-B5E9-437F164F52A5}"/>
+                  <a16:creationId xmlns:a16="http://schemas.microsoft.com/office/drawing/2014/main" xmlns="" id="{077654CC-108F-48D5-B5E9-437F164F52A5}"/>
                 </a:ext>
                 <a:ext uri="{C183D7F6-B498-43B3-948B-1728B52AA6E4}">
-                  <adec:decorative xmlns="" xmlns:adec="http://schemas.microsoft.com/office/drawing/2017/decorative" val="1"/>
+                  <adec:decorative xmlns:adec="http://schemas.microsoft.com/office/drawing/2017/decorative" xmlns="" val="1"/>
                 </a:ext>
               </a:extLst>
             </p:cNvPr>
@@ -7429,7 +8062,7 @@
             <p:nvPr>
               <p:extLst>
                 <p:ext uri="{386F3935-93C4-4BCD-93E2-E3B085C9AB24}">
-                  <p16:designElem xmlns="" xmlns:p16="http://schemas.microsoft.com/office/powerpoint/2015/main" val="1"/>
+                  <p16:designElem xmlns:p16="http://schemas.microsoft.com/office/powerpoint/2015/main" xmlns="" val="1"/>
                 </p:ext>
               </p:extLst>
             </p:nvPr>
@@ -7486,10 +8119,10 @@
             <p:cNvPr id="17" name="Freeform 11">
               <a:extLst>
                 <a:ext uri="{FF2B5EF4-FFF2-40B4-BE49-F238E27FC236}">
-                  <a16:creationId xmlns="" xmlns:a16="http://schemas.microsoft.com/office/drawing/2014/main" id="{A3CF3A63-1C1E-4E85-A78A-FDC16431E3A0}"/>
+                  <a16:creationId xmlns:a16="http://schemas.microsoft.com/office/drawing/2014/main" xmlns="" id="{A3CF3A63-1C1E-4E85-A78A-FDC16431E3A0}"/>
                 </a:ext>
                 <a:ext uri="{C183D7F6-B498-43B3-948B-1728B52AA6E4}">
-                  <adec:decorative xmlns="" xmlns:adec="http://schemas.microsoft.com/office/drawing/2017/decorative" val="1"/>
+                  <adec:decorative xmlns:adec="http://schemas.microsoft.com/office/drawing/2017/decorative" xmlns="" val="1"/>
                 </a:ext>
               </a:extLst>
             </p:cNvPr>
@@ -7497,7 +8130,7 @@
             <p:nvPr>
               <p:extLst>
                 <p:ext uri="{386F3935-93C4-4BCD-93E2-E3B085C9AB24}">
-                  <p16:designElem xmlns="" xmlns:p16="http://schemas.microsoft.com/office/powerpoint/2015/main" val="1"/>
+                  <p16:designElem xmlns:p16="http://schemas.microsoft.com/office/powerpoint/2015/main" xmlns="" val="1"/>
                 </p:ext>
               </p:extLst>
             </p:nvPr>
@@ -7554,10 +8187,10 @@
             <p:cNvPr id="18" name="Freeform 12">
               <a:extLst>
                 <a:ext uri="{FF2B5EF4-FFF2-40B4-BE49-F238E27FC236}">
-                  <a16:creationId xmlns="" xmlns:a16="http://schemas.microsoft.com/office/drawing/2014/main" id="{8740FC9A-72DD-4D9B-BA25-1CCED1352408}"/>
+                  <a16:creationId xmlns:a16="http://schemas.microsoft.com/office/drawing/2014/main" xmlns="" id="{8740FC9A-72DD-4D9B-BA25-1CCED1352408}"/>
                 </a:ext>
                 <a:ext uri="{C183D7F6-B498-43B3-948B-1728B52AA6E4}">
-                  <adec:decorative xmlns="" xmlns:adec="http://schemas.microsoft.com/office/drawing/2017/decorative" val="1"/>
+                  <adec:decorative xmlns:adec="http://schemas.microsoft.com/office/drawing/2017/decorative" xmlns="" val="1"/>
                 </a:ext>
               </a:extLst>
             </p:cNvPr>
@@ -7565,7 +8198,7 @@
             <p:nvPr>
               <p:extLst>
                 <p:ext uri="{386F3935-93C4-4BCD-93E2-E3B085C9AB24}">
-                  <p16:designElem xmlns="" xmlns:p16="http://schemas.microsoft.com/office/powerpoint/2015/main" val="1"/>
+                  <p16:designElem xmlns:p16="http://schemas.microsoft.com/office/powerpoint/2015/main" xmlns="" val="1"/>
                 </p:ext>
               </p:extLst>
             </p:nvPr>
@@ -7622,10 +8255,10 @@
             <p:cNvPr id="19" name="Freeform 13">
               <a:extLst>
                 <a:ext uri="{FF2B5EF4-FFF2-40B4-BE49-F238E27FC236}">
-                  <a16:creationId xmlns="" xmlns:a16="http://schemas.microsoft.com/office/drawing/2014/main" id="{7FBF5743-F2AE-4D0D-BCD1-01F7686D012A}"/>
+                  <a16:creationId xmlns:a16="http://schemas.microsoft.com/office/drawing/2014/main" xmlns="" id="{7FBF5743-F2AE-4D0D-BCD1-01F7686D012A}"/>
                 </a:ext>
                 <a:ext uri="{C183D7F6-B498-43B3-948B-1728B52AA6E4}">
-                  <adec:decorative xmlns="" xmlns:adec="http://schemas.microsoft.com/office/drawing/2017/decorative" val="1"/>
+                  <adec:decorative xmlns:adec="http://schemas.microsoft.com/office/drawing/2017/decorative" xmlns="" val="1"/>
                 </a:ext>
               </a:extLst>
             </p:cNvPr>
@@ -7633,7 +8266,7 @@
             <p:nvPr>
               <p:extLst>
                 <p:ext uri="{386F3935-93C4-4BCD-93E2-E3B085C9AB24}">
-                  <p16:designElem xmlns="" xmlns:p16="http://schemas.microsoft.com/office/powerpoint/2015/main" val="1"/>
+                  <p16:designElem xmlns:p16="http://schemas.microsoft.com/office/powerpoint/2015/main" xmlns="" val="1"/>
                 </p:ext>
               </p:extLst>
             </p:nvPr>
@@ -7690,10 +8323,10 @@
             <p:cNvPr id="20" name="Freeform 14">
               <a:extLst>
                 <a:ext uri="{FF2B5EF4-FFF2-40B4-BE49-F238E27FC236}">
-                  <a16:creationId xmlns="" xmlns:a16="http://schemas.microsoft.com/office/drawing/2014/main" id="{CED32316-D4F7-4795-BBE0-DEBB60E27CE3}"/>
+                  <a16:creationId xmlns:a16="http://schemas.microsoft.com/office/drawing/2014/main" xmlns="" id="{CED32316-D4F7-4795-BBE0-DEBB60E27CE3}"/>
                 </a:ext>
                 <a:ext uri="{C183D7F6-B498-43B3-948B-1728B52AA6E4}">
-                  <adec:decorative xmlns="" xmlns:adec="http://schemas.microsoft.com/office/drawing/2017/decorative" val="1"/>
+                  <adec:decorative xmlns:adec="http://schemas.microsoft.com/office/drawing/2017/decorative" xmlns="" val="1"/>
                 </a:ext>
               </a:extLst>
             </p:cNvPr>
@@ -7701,7 +8334,7 @@
             <p:nvPr>
               <p:extLst>
                 <p:ext uri="{386F3935-93C4-4BCD-93E2-E3B085C9AB24}">
-                  <p16:designElem xmlns="" xmlns:p16="http://schemas.microsoft.com/office/powerpoint/2015/main" val="1"/>
+                  <p16:designElem xmlns:p16="http://schemas.microsoft.com/office/powerpoint/2015/main" xmlns="" val="1"/>
                 </p:ext>
               </p:extLst>
             </p:nvPr>
@@ -7758,10 +8391,10 @@
             <p:cNvPr id="21" name="Freeform 15">
               <a:extLst>
                 <a:ext uri="{FF2B5EF4-FFF2-40B4-BE49-F238E27FC236}">
-                  <a16:creationId xmlns="" xmlns:a16="http://schemas.microsoft.com/office/drawing/2014/main" id="{583B23C9-B9B7-4E93-9538-CBE316F83FDD}"/>
+                  <a16:creationId xmlns:a16="http://schemas.microsoft.com/office/drawing/2014/main" xmlns="" id="{583B23C9-B9B7-4E93-9538-CBE316F83FDD}"/>
                 </a:ext>
                 <a:ext uri="{C183D7F6-B498-43B3-948B-1728B52AA6E4}">
-                  <adec:decorative xmlns="" xmlns:adec="http://schemas.microsoft.com/office/drawing/2017/decorative" val="1"/>
+                  <adec:decorative xmlns:adec="http://schemas.microsoft.com/office/drawing/2017/decorative" xmlns="" val="1"/>
                 </a:ext>
               </a:extLst>
             </p:cNvPr>
@@ -7769,7 +8402,7 @@
             <p:nvPr>
               <p:extLst>
                 <p:ext uri="{386F3935-93C4-4BCD-93E2-E3B085C9AB24}">
-                  <p16:designElem xmlns="" xmlns:p16="http://schemas.microsoft.com/office/powerpoint/2015/main" val="1"/>
+                  <p16:designElem xmlns:p16="http://schemas.microsoft.com/office/powerpoint/2015/main" xmlns="" val="1"/>
                 </p:ext>
               </p:extLst>
             </p:nvPr>
@@ -7826,10 +8459,10 @@
             <p:cNvPr id="22" name="Freeform 16">
               <a:extLst>
                 <a:ext uri="{FF2B5EF4-FFF2-40B4-BE49-F238E27FC236}">
-                  <a16:creationId xmlns="" xmlns:a16="http://schemas.microsoft.com/office/drawing/2014/main" id="{5B144260-9F2C-4ADB-A37C-1CFB4B428B1B}"/>
+                  <a16:creationId xmlns:a16="http://schemas.microsoft.com/office/drawing/2014/main" xmlns="" id="{5B144260-9F2C-4ADB-A37C-1CFB4B428B1B}"/>
                 </a:ext>
                 <a:ext uri="{C183D7F6-B498-43B3-948B-1728B52AA6E4}">
-                  <adec:decorative xmlns="" xmlns:adec="http://schemas.microsoft.com/office/drawing/2017/decorative" val="1"/>
+                  <adec:decorative xmlns:adec="http://schemas.microsoft.com/office/drawing/2017/decorative" xmlns="" val="1"/>
                 </a:ext>
               </a:extLst>
             </p:cNvPr>
@@ -7837,7 +8470,7 @@
             <p:nvPr>
               <p:extLst>
                 <p:ext uri="{386F3935-93C4-4BCD-93E2-E3B085C9AB24}">
-                  <p16:designElem xmlns="" xmlns:p16="http://schemas.microsoft.com/office/powerpoint/2015/main" val="1"/>
+                  <p16:designElem xmlns:p16="http://schemas.microsoft.com/office/powerpoint/2015/main" xmlns="" val="1"/>
                 </p:ext>
               </p:extLst>
             </p:nvPr>
@@ -7894,10 +8527,10 @@
             <p:cNvPr id="23" name="Freeform 17">
               <a:extLst>
                 <a:ext uri="{FF2B5EF4-FFF2-40B4-BE49-F238E27FC236}">
-                  <a16:creationId xmlns="" xmlns:a16="http://schemas.microsoft.com/office/drawing/2014/main" id="{53FF918D-79D3-4F55-A68C-0DD5880DABDF}"/>
+                  <a16:creationId xmlns:a16="http://schemas.microsoft.com/office/drawing/2014/main" xmlns="" id="{53FF918D-79D3-4F55-A68C-0DD5880DABDF}"/>
                 </a:ext>
                 <a:ext uri="{C183D7F6-B498-43B3-948B-1728B52AA6E4}">
-                  <adec:decorative xmlns="" xmlns:adec="http://schemas.microsoft.com/office/drawing/2017/decorative" val="1"/>
+                  <adec:decorative xmlns:adec="http://schemas.microsoft.com/office/drawing/2017/decorative" xmlns="" val="1"/>
                 </a:ext>
               </a:extLst>
             </p:cNvPr>
@@ -7905,7 +8538,7 @@
             <p:nvPr>
               <p:extLst>
                 <p:ext uri="{386F3935-93C4-4BCD-93E2-E3B085C9AB24}">
-                  <p16:designElem xmlns="" xmlns:p16="http://schemas.microsoft.com/office/powerpoint/2015/main" val="1"/>
+                  <p16:designElem xmlns:p16="http://schemas.microsoft.com/office/powerpoint/2015/main" xmlns="" val="1"/>
                 </p:ext>
               </p:extLst>
             </p:nvPr>
@@ -7962,10 +8595,10 @@
             <p:cNvPr id="24" name="Freeform 18">
               <a:extLst>
                 <a:ext uri="{FF2B5EF4-FFF2-40B4-BE49-F238E27FC236}">
-                  <a16:creationId xmlns="" xmlns:a16="http://schemas.microsoft.com/office/drawing/2014/main" id="{B9FC1440-933F-44FE-8D77-4827DD0F99A5}"/>
+                  <a16:creationId xmlns:a16="http://schemas.microsoft.com/office/drawing/2014/main" xmlns="" id="{B9FC1440-933F-44FE-8D77-4827DD0F99A5}"/>
                 </a:ext>
                 <a:ext uri="{C183D7F6-B498-43B3-948B-1728B52AA6E4}">
-                  <adec:decorative xmlns="" xmlns:adec="http://schemas.microsoft.com/office/drawing/2017/decorative" val="1"/>
+                  <adec:decorative xmlns:adec="http://schemas.microsoft.com/office/drawing/2017/decorative" xmlns="" val="1"/>
                 </a:ext>
               </a:extLst>
             </p:cNvPr>
@@ -7973,7 +8606,7 @@
             <p:nvPr>
               <p:extLst>
                 <p:ext uri="{386F3935-93C4-4BCD-93E2-E3B085C9AB24}">
-                  <p16:designElem xmlns="" xmlns:p16="http://schemas.microsoft.com/office/powerpoint/2015/main" val="1"/>
+                  <p16:designElem xmlns:p16="http://schemas.microsoft.com/office/powerpoint/2015/main" xmlns="" val="1"/>
                 </p:ext>
               </p:extLst>
             </p:nvPr>
@@ -8030,10 +8663,10 @@
             <p:cNvPr id="25" name="Freeform 19">
               <a:extLst>
                 <a:ext uri="{FF2B5EF4-FFF2-40B4-BE49-F238E27FC236}">
-                  <a16:creationId xmlns="" xmlns:a16="http://schemas.microsoft.com/office/drawing/2014/main" id="{0F67F308-A67C-4D2E-B081-59BB31D8EC50}"/>
+                  <a16:creationId xmlns:a16="http://schemas.microsoft.com/office/drawing/2014/main" xmlns="" id="{0F67F308-A67C-4D2E-B081-59BB31D8EC50}"/>
                 </a:ext>
                 <a:ext uri="{C183D7F6-B498-43B3-948B-1728B52AA6E4}">
-                  <adec:decorative xmlns="" xmlns:adec="http://schemas.microsoft.com/office/drawing/2017/decorative" val="1"/>
+                  <adec:decorative xmlns:adec="http://schemas.microsoft.com/office/drawing/2017/decorative" xmlns="" val="1"/>
                 </a:ext>
               </a:extLst>
             </p:cNvPr>
@@ -8041,7 +8674,7 @@
             <p:nvPr>
               <p:extLst>
                 <p:ext uri="{386F3935-93C4-4BCD-93E2-E3B085C9AB24}">
-                  <p16:designElem xmlns="" xmlns:p16="http://schemas.microsoft.com/office/powerpoint/2015/main" val="1"/>
+                  <p16:designElem xmlns:p16="http://schemas.microsoft.com/office/powerpoint/2015/main" xmlns="" val="1"/>
                 </p:ext>
               </p:extLst>
             </p:nvPr>
@@ -8098,10 +8731,10 @@
             <p:cNvPr id="26" name="Freeform 20">
               <a:extLst>
                 <a:ext uri="{FF2B5EF4-FFF2-40B4-BE49-F238E27FC236}">
-                  <a16:creationId xmlns="" xmlns:a16="http://schemas.microsoft.com/office/drawing/2014/main" id="{80112F01-90EB-4AEC-A39C-5C6875FFB99B}"/>
+                  <a16:creationId xmlns:a16="http://schemas.microsoft.com/office/drawing/2014/main" xmlns="" id="{80112F01-90EB-4AEC-A39C-5C6875FFB99B}"/>
                 </a:ext>
                 <a:ext uri="{C183D7F6-B498-43B3-948B-1728B52AA6E4}">
-                  <adec:decorative xmlns="" xmlns:adec="http://schemas.microsoft.com/office/drawing/2017/decorative" val="1"/>
+                  <adec:decorative xmlns:adec="http://schemas.microsoft.com/office/drawing/2017/decorative" xmlns="" val="1"/>
                 </a:ext>
               </a:extLst>
             </p:cNvPr>
@@ -8109,7 +8742,7 @@
             <p:nvPr>
               <p:extLst>
                 <p:ext uri="{386F3935-93C4-4BCD-93E2-E3B085C9AB24}">
-                  <p16:designElem xmlns="" xmlns:p16="http://schemas.microsoft.com/office/powerpoint/2015/main" val="1"/>
+                  <p16:designElem xmlns:p16="http://schemas.microsoft.com/office/powerpoint/2015/main" xmlns="" val="1"/>
                 </p:ext>
               </p:extLst>
             </p:nvPr>
@@ -8166,10 +8799,10 @@
             <p:cNvPr id="27" name="Freeform 21">
               <a:extLst>
                 <a:ext uri="{FF2B5EF4-FFF2-40B4-BE49-F238E27FC236}">
-                  <a16:creationId xmlns="" xmlns:a16="http://schemas.microsoft.com/office/drawing/2014/main" id="{893F6B05-90EB-4C75-A0F0-C7247553BD81}"/>
+                  <a16:creationId xmlns:a16="http://schemas.microsoft.com/office/drawing/2014/main" xmlns="" id="{893F6B05-90EB-4C75-A0F0-C7247553BD81}"/>
                 </a:ext>
                 <a:ext uri="{C183D7F6-B498-43B3-948B-1728B52AA6E4}">
-                  <adec:decorative xmlns="" xmlns:adec="http://schemas.microsoft.com/office/drawing/2017/decorative" val="1"/>
+                  <adec:decorative xmlns:adec="http://schemas.microsoft.com/office/drawing/2017/decorative" xmlns="" val="1"/>
                 </a:ext>
               </a:extLst>
             </p:cNvPr>
@@ -8177,7 +8810,7 @@
             <p:nvPr>
               <p:extLst>
                 <p:ext uri="{386F3935-93C4-4BCD-93E2-E3B085C9AB24}">
-                  <p16:designElem xmlns="" xmlns:p16="http://schemas.microsoft.com/office/powerpoint/2015/main" val="1"/>
+                  <p16:designElem xmlns:p16="http://schemas.microsoft.com/office/powerpoint/2015/main" xmlns="" val="1"/>
                 </p:ext>
               </p:extLst>
             </p:nvPr>
@@ -8234,10 +8867,10 @@
             <p:cNvPr id="28" name="Freeform 22">
               <a:extLst>
                 <a:ext uri="{FF2B5EF4-FFF2-40B4-BE49-F238E27FC236}">
-                  <a16:creationId xmlns="" xmlns:a16="http://schemas.microsoft.com/office/drawing/2014/main" id="{227B563B-E0C0-4D81-966D-B5E2DBAAE8B5}"/>
+                  <a16:creationId xmlns:a16="http://schemas.microsoft.com/office/drawing/2014/main" xmlns="" id="{227B563B-E0C0-4D81-966D-B5E2DBAAE8B5}"/>
                 </a:ext>
                 <a:ext uri="{C183D7F6-B498-43B3-948B-1728B52AA6E4}">
-                  <adec:decorative xmlns="" xmlns:adec="http://schemas.microsoft.com/office/drawing/2017/decorative" val="1"/>
+                  <adec:decorative xmlns:adec="http://schemas.microsoft.com/office/drawing/2017/decorative" xmlns="" val="1"/>
                 </a:ext>
               </a:extLst>
             </p:cNvPr>
@@ -8245,7 +8878,7 @@
             <p:nvPr>
               <p:extLst>
                 <p:ext uri="{386F3935-93C4-4BCD-93E2-E3B085C9AB24}">
-                  <p16:designElem xmlns="" xmlns:p16="http://schemas.microsoft.com/office/powerpoint/2015/main" val="1"/>
+                  <p16:designElem xmlns:p16="http://schemas.microsoft.com/office/powerpoint/2015/main" xmlns="" val="1"/>
                 </p:ext>
               </p:extLst>
             </p:nvPr>
@@ -8302,10 +8935,10 @@
             <p:cNvPr id="29" name="Freeform 23">
               <a:extLst>
                 <a:ext uri="{FF2B5EF4-FFF2-40B4-BE49-F238E27FC236}">
-                  <a16:creationId xmlns="" xmlns:a16="http://schemas.microsoft.com/office/drawing/2014/main" id="{130DF93D-D1FF-477A-BDCE-C8B01C3B476C}"/>
+                  <a16:creationId xmlns:a16="http://schemas.microsoft.com/office/drawing/2014/main" xmlns="" id="{130DF93D-D1FF-477A-BDCE-C8B01C3B476C}"/>
                 </a:ext>
                 <a:ext uri="{C183D7F6-B498-43B3-948B-1728B52AA6E4}">
-                  <adec:decorative xmlns="" xmlns:adec="http://schemas.microsoft.com/office/drawing/2017/decorative" val="1"/>
+                  <adec:decorative xmlns:adec="http://schemas.microsoft.com/office/drawing/2017/decorative" xmlns="" val="1"/>
                 </a:ext>
               </a:extLst>
             </p:cNvPr>
@@ -8313,7 +8946,7 @@
             <p:nvPr>
               <p:extLst>
                 <p:ext uri="{386F3935-93C4-4BCD-93E2-E3B085C9AB24}">
-                  <p16:designElem xmlns="" xmlns:p16="http://schemas.microsoft.com/office/powerpoint/2015/main" val="1"/>
+                  <p16:designElem xmlns:p16="http://schemas.microsoft.com/office/powerpoint/2015/main" xmlns="" val="1"/>
                 </p:ext>
               </p:extLst>
             </p:nvPr>
@@ -8370,10 +9003,10 @@
             <p:cNvPr id="30" name="Freeform 24">
               <a:extLst>
                 <a:ext uri="{FF2B5EF4-FFF2-40B4-BE49-F238E27FC236}">
-                  <a16:creationId xmlns="" xmlns:a16="http://schemas.microsoft.com/office/drawing/2014/main" id="{44ED67A1-C6FE-4AC8-8473-11DAC03DCD33}"/>
+                  <a16:creationId xmlns:a16="http://schemas.microsoft.com/office/drawing/2014/main" xmlns="" id="{44ED67A1-C6FE-4AC8-8473-11DAC03DCD33}"/>
                 </a:ext>
                 <a:ext uri="{C183D7F6-B498-43B3-948B-1728B52AA6E4}">
-                  <adec:decorative xmlns="" xmlns:adec="http://schemas.microsoft.com/office/drawing/2017/decorative" val="1"/>
+                  <adec:decorative xmlns:adec="http://schemas.microsoft.com/office/drawing/2017/decorative" xmlns="" val="1"/>
                 </a:ext>
               </a:extLst>
             </p:cNvPr>
@@ -8381,7 +9014,7 @@
             <p:nvPr>
               <p:extLst>
                 <p:ext uri="{386F3935-93C4-4BCD-93E2-E3B085C9AB24}">
-                  <p16:designElem xmlns="" xmlns:p16="http://schemas.microsoft.com/office/powerpoint/2015/main" val="1"/>
+                  <p16:designElem xmlns:p16="http://schemas.microsoft.com/office/powerpoint/2015/main" xmlns="" val="1"/>
                 </p:ext>
               </p:extLst>
             </p:nvPr>
@@ -8438,10 +9071,10 @@
             <p:cNvPr id="31" name="Freeform 25">
               <a:extLst>
                 <a:ext uri="{FF2B5EF4-FFF2-40B4-BE49-F238E27FC236}">
-                  <a16:creationId xmlns="" xmlns:a16="http://schemas.microsoft.com/office/drawing/2014/main" id="{213A54F3-15FA-4C8F-8ABF-CE77E7219658}"/>
+                  <a16:creationId xmlns:a16="http://schemas.microsoft.com/office/drawing/2014/main" xmlns="" id="{213A54F3-15FA-4C8F-8ABF-CE77E7219658}"/>
                 </a:ext>
                 <a:ext uri="{C183D7F6-B498-43B3-948B-1728B52AA6E4}">
-                  <adec:decorative xmlns="" xmlns:adec="http://schemas.microsoft.com/office/drawing/2017/decorative" val="1"/>
+                  <adec:decorative xmlns:adec="http://schemas.microsoft.com/office/drawing/2017/decorative" xmlns="" val="1"/>
                 </a:ext>
               </a:extLst>
             </p:cNvPr>
@@ -8449,7 +9082,7 @@
             <p:nvPr>
               <p:extLst>
                 <p:ext uri="{386F3935-93C4-4BCD-93E2-E3B085C9AB24}">
-                  <p16:designElem xmlns="" xmlns:p16="http://schemas.microsoft.com/office/powerpoint/2015/main" val="1"/>
+                  <p16:designElem xmlns:p16="http://schemas.microsoft.com/office/powerpoint/2015/main" xmlns="" val="1"/>
                 </p:ext>
               </p:extLst>
             </p:nvPr>
@@ -8507,10 +9140,10 @@
           <p:cNvPr id="33" name="Group 32">
             <a:extLst>
               <a:ext uri="{FF2B5EF4-FFF2-40B4-BE49-F238E27FC236}">
-                <a16:creationId xmlns="" xmlns:a16="http://schemas.microsoft.com/office/drawing/2014/main" id="{5F8A7F7F-DD1A-4F41-98AC-B9CE2A620CDC}"/>
+                <a16:creationId xmlns:a16="http://schemas.microsoft.com/office/drawing/2014/main" xmlns="" id="{5F8A7F7F-DD1A-4F41-98AC-B9CE2A620CDC}"/>
               </a:ext>
               <a:ext uri="{C183D7F6-B498-43B3-948B-1728B52AA6E4}">
-                <adec:decorative xmlns="" xmlns:adec="http://schemas.microsoft.com/office/drawing/2017/decorative" val="1"/>
+                <adec:decorative xmlns:adec="http://schemas.microsoft.com/office/drawing/2017/decorative" xmlns="" val="1"/>
               </a:ext>
             </a:extLst>
           </p:cNvPr>
@@ -8520,7 +9153,7 @@
           <p:nvPr>
             <p:extLst>
               <p:ext uri="{386F3935-93C4-4BCD-93E2-E3B085C9AB24}">
-                <p16:designElem xmlns="" xmlns:p16="http://schemas.microsoft.com/office/powerpoint/2015/main" val="1"/>
+                <p16:designElem xmlns:p16="http://schemas.microsoft.com/office/powerpoint/2015/main" xmlns="" val="1"/>
               </p:ext>
             </p:extLst>
           </p:nvPr>
@@ -8538,10 +9171,10 @@
             <p:cNvPr id="34" name="Rectangle 33">
               <a:extLst>
                 <a:ext uri="{FF2B5EF4-FFF2-40B4-BE49-F238E27FC236}">
-                  <a16:creationId xmlns="" xmlns:a16="http://schemas.microsoft.com/office/drawing/2014/main" id="{CEF47228-EB7C-4EBA-BE01-DA6CB2410289}"/>
+                  <a16:creationId xmlns:a16="http://schemas.microsoft.com/office/drawing/2014/main" xmlns="" id="{CEF47228-EB7C-4EBA-BE01-DA6CB2410289}"/>
                 </a:ext>
                 <a:ext uri="{C183D7F6-B498-43B3-948B-1728B52AA6E4}">
-                  <adec:decorative xmlns="" xmlns:adec="http://schemas.microsoft.com/office/drawing/2017/decorative" val="1"/>
+                  <adec:decorative xmlns:adec="http://schemas.microsoft.com/office/drawing/2017/decorative" xmlns="" val="1"/>
                 </a:ext>
               </a:extLst>
             </p:cNvPr>
@@ -8549,7 +9182,7 @@
             <p:nvPr>
               <p:extLst>
                 <p:ext uri="{386F3935-93C4-4BCD-93E2-E3B085C9AB24}">
-                  <p16:designElem xmlns="" xmlns:p16="http://schemas.microsoft.com/office/powerpoint/2015/main" val="1"/>
+                  <p16:designElem xmlns:p16="http://schemas.microsoft.com/office/powerpoint/2015/main" xmlns="" val="1"/>
                 </p:ext>
               </p:extLst>
             </p:nvPr>
@@ -8591,10 +9224,10 @@
             <p:cNvPr id="35" name="Isosceles Triangle 22">
               <a:extLst>
                 <a:ext uri="{FF2B5EF4-FFF2-40B4-BE49-F238E27FC236}">
-                  <a16:creationId xmlns="" xmlns:a16="http://schemas.microsoft.com/office/drawing/2014/main" id="{3D2FD25A-EFFD-4F5C-9258-981F5907DE21}"/>
+                  <a16:creationId xmlns:a16="http://schemas.microsoft.com/office/drawing/2014/main" xmlns="" id="{3D2FD25A-EFFD-4F5C-9258-981F5907DE21}"/>
                 </a:ext>
                 <a:ext uri="{C183D7F6-B498-43B3-948B-1728B52AA6E4}">
-                  <adec:decorative xmlns="" xmlns:adec="http://schemas.microsoft.com/office/drawing/2017/decorative" val="1"/>
+                  <adec:decorative xmlns:adec="http://schemas.microsoft.com/office/drawing/2017/decorative" xmlns="" val="1"/>
                 </a:ext>
               </a:extLst>
             </p:cNvPr>
@@ -8602,7 +9235,7 @@
             <p:nvPr>
               <p:extLst>
                 <p:ext uri="{386F3935-93C4-4BCD-93E2-E3B085C9AB24}">
-                  <p16:designElem xmlns="" xmlns:p16="http://schemas.microsoft.com/office/powerpoint/2015/main" val="1"/>
+                  <p16:designElem xmlns:p16="http://schemas.microsoft.com/office/powerpoint/2015/main" xmlns="" val="1"/>
                 </p:ext>
               </p:extLst>
             </p:nvPr>
@@ -8644,10 +9277,10 @@
             <p:cNvPr id="36" name="Rectangle 35">
               <a:extLst>
                 <a:ext uri="{FF2B5EF4-FFF2-40B4-BE49-F238E27FC236}">
-                  <a16:creationId xmlns="" xmlns:a16="http://schemas.microsoft.com/office/drawing/2014/main" id="{DCF573BC-A06F-4036-A3A8-9D07DDE62253}"/>
+                  <a16:creationId xmlns:a16="http://schemas.microsoft.com/office/drawing/2014/main" xmlns="" id="{DCF573BC-A06F-4036-A3A8-9D07DDE62253}"/>
                 </a:ext>
                 <a:ext uri="{C183D7F6-B498-43B3-948B-1728B52AA6E4}">
-                  <adec:decorative xmlns="" xmlns:adec="http://schemas.microsoft.com/office/drawing/2017/decorative" val="1"/>
+                  <adec:decorative xmlns:adec="http://schemas.microsoft.com/office/drawing/2017/decorative" xmlns="" val="1"/>
                 </a:ext>
               </a:extLst>
             </p:cNvPr>
@@ -8655,7 +9288,7 @@
             <p:nvPr>
               <p:extLst>
                 <p:ext uri="{386F3935-93C4-4BCD-93E2-E3B085C9AB24}">
-                  <p16:designElem xmlns="" xmlns:p16="http://schemas.microsoft.com/office/powerpoint/2015/main" val="1"/>
+                  <p16:designElem xmlns:p16="http://schemas.microsoft.com/office/powerpoint/2015/main" xmlns="" val="1"/>
                 </p:ext>
               </p:extLst>
             </p:nvPr>
@@ -8698,7 +9331,7 @@
           <p:cNvPr id="2" name="Title 1">
             <a:extLst>
               <a:ext uri="{FF2B5EF4-FFF2-40B4-BE49-F238E27FC236}">
-                <a16:creationId xmlns="" xmlns:a16="http://schemas.microsoft.com/office/drawing/2014/main" id="{E86C33C2-EC09-4F45-A2C8-AC9A692B69C0}"/>
+                <a16:creationId xmlns:a16="http://schemas.microsoft.com/office/drawing/2014/main" xmlns="" id="{E86C33C2-EC09-4F45-A2C8-AC9A692B69C0}"/>
               </a:ext>
             </a:extLst>
           </p:cNvPr>
@@ -8738,7 +9371,7 @@
           <p:cNvPr id="3" name="Content Placeholder 2">
             <a:extLst>
               <a:ext uri="{FF2B5EF4-FFF2-40B4-BE49-F238E27FC236}">
-                <a16:creationId xmlns="" xmlns:a16="http://schemas.microsoft.com/office/drawing/2014/main" id="{27553A2F-B4A9-4593-AC58-5C5AD66E898A}"/>
+                <a16:creationId xmlns:a16="http://schemas.microsoft.com/office/drawing/2014/main" xmlns="" id="{27553A2F-B4A9-4593-AC58-5C5AD66E898A}"/>
               </a:ext>
             </a:extLst>
           </p:cNvPr>
@@ -8914,10 +9547,10 @@
           <p:cNvPr id="17" name="Rectangle 16">
             <a:extLst>
               <a:ext uri="{FF2B5EF4-FFF2-40B4-BE49-F238E27FC236}">
-                <a16:creationId xmlns="" xmlns:a16="http://schemas.microsoft.com/office/drawing/2014/main" id="{AFA67CD3-AB4E-4A7A-BEB8-53C445D8C44E}"/>
+                <a16:creationId xmlns:a16="http://schemas.microsoft.com/office/drawing/2014/main" xmlns="" id="{AFA67CD3-AB4E-4A7A-BEB8-53C445D8C44E}"/>
               </a:ext>
               <a:ext uri="{C183D7F6-B498-43B3-948B-1728B52AA6E4}">
-                <adec:decorative xmlns="" xmlns:adec="http://schemas.microsoft.com/office/drawing/2017/decorative" val="1"/>
+                <adec:decorative xmlns:adec="http://schemas.microsoft.com/office/drawing/2017/decorative" xmlns="" val="1"/>
               </a:ext>
             </a:extLst>
           </p:cNvPr>
@@ -8927,7 +9560,7 @@
           <p:nvPr>
             <p:extLst>
               <p:ext uri="{386F3935-93C4-4BCD-93E2-E3B085C9AB24}">
-                <p16:designElem xmlns="" xmlns:p16="http://schemas.microsoft.com/office/powerpoint/2015/main" val="1"/>
+                <p16:designElem xmlns:p16="http://schemas.microsoft.com/office/powerpoint/2015/main" xmlns="" val="1"/>
               </p:ext>
             </p:extLst>
           </p:nvPr>
@@ -8991,7 +9624,7 @@
           <a:lstStyle/>
           <a:p>
             <a:pPr algn="ctr"/>
-            <a:endParaRPr lang="en-US"/>
+            <a:endParaRPr lang="en-US" dirty="0"/>
           </a:p>
         </p:txBody>
       </p:sp>
@@ -9000,10 +9633,10 @@
           <p:cNvPr id="19" name="Picture 18" descr="A close up of a logo&#10;&#10;Description generated with very high confidence">
             <a:extLst>
               <a:ext uri="{FF2B5EF4-FFF2-40B4-BE49-F238E27FC236}">
-                <a16:creationId xmlns="" xmlns:a16="http://schemas.microsoft.com/office/drawing/2014/main" id="{07CF545F-9C2E-4446-97CD-AD92990C2B68}"/>
+                <a16:creationId xmlns:a16="http://schemas.microsoft.com/office/drawing/2014/main" xmlns="" id="{07CF545F-9C2E-4446-97CD-AD92990C2B68}"/>
               </a:ext>
               <a:ext uri="{C183D7F6-B498-43B3-948B-1728B52AA6E4}">
-                <adec:decorative xmlns="" xmlns:adec="http://schemas.microsoft.com/office/drawing/2017/decorative" val="1"/>
+                <adec:decorative xmlns:adec="http://schemas.microsoft.com/office/drawing/2017/decorative" xmlns="" val="1"/>
               </a:ext>
             </a:extLst>
           </p:cNvPr>
@@ -9013,7 +9646,7 @@
           <p:nvPr>
             <p:extLst>
               <p:ext uri="{386F3935-93C4-4BCD-93E2-E3B085C9AB24}">
-                <p16:designElem xmlns="" xmlns:p16="http://schemas.microsoft.com/office/powerpoint/2015/main" val="1"/>
+                <p16:designElem xmlns:p16="http://schemas.microsoft.com/office/powerpoint/2015/main" xmlns="" val="1"/>
               </p:ext>
             </p:extLst>
           </p:nvPr>
@@ -9045,10 +9678,10 @@
           <p:cNvPr id="21" name="Freeform 62">
             <a:extLst>
               <a:ext uri="{FF2B5EF4-FFF2-40B4-BE49-F238E27FC236}">
-                <a16:creationId xmlns="" xmlns:a16="http://schemas.microsoft.com/office/drawing/2014/main" id="{339C8D78-A644-462F-B674-F440635E5353}"/>
+                <a16:creationId xmlns:a16="http://schemas.microsoft.com/office/drawing/2014/main" xmlns="" id="{339C8D78-A644-462F-B674-F440635E5353}"/>
               </a:ext>
               <a:ext uri="{C183D7F6-B498-43B3-948B-1728B52AA6E4}">
-                <adec:decorative xmlns="" xmlns:adec="http://schemas.microsoft.com/office/drawing/2017/decorative" val="1"/>
+                <adec:decorative xmlns:adec="http://schemas.microsoft.com/office/drawing/2017/decorative" xmlns="" val="1"/>
               </a:ext>
             </a:extLst>
           </p:cNvPr>
@@ -9058,7 +9691,7 @@
           <p:nvPr>
             <p:extLst>
               <p:ext uri="{386F3935-93C4-4BCD-93E2-E3B085C9AB24}">
-                <p16:designElem xmlns="" xmlns:p16="http://schemas.microsoft.com/office/powerpoint/2015/main" val="1"/>
+                <p16:designElem xmlns:p16="http://schemas.microsoft.com/office/powerpoint/2015/main" xmlns="" val="1"/>
               </p:ext>
             </p:extLst>
           </p:nvPr>
@@ -9210,7 +9843,7 @@
           <a:lstStyle/>
           <a:p>
             <a:pPr algn="ctr"/>
-            <a:endParaRPr lang="en-US"/>
+            <a:endParaRPr lang="en-US" dirty="0"/>
           </a:p>
         </p:txBody>
       </p:sp>
@@ -9219,7 +9852,7 @@
           <p:cNvPr id="14" name="Graphic 13" descr="Gears">
             <a:extLst>
               <a:ext uri="{FF2B5EF4-FFF2-40B4-BE49-F238E27FC236}">
-                <a16:creationId xmlns="" xmlns:a16="http://schemas.microsoft.com/office/drawing/2014/main" id="{AB50267D-C728-4E8B-B0D3-A745AA06291F}"/>
+                <a16:creationId xmlns:a16="http://schemas.microsoft.com/office/drawing/2014/main" xmlns="" id="{AB50267D-C728-4E8B-B0D3-A745AA06291F}"/>
               </a:ext>
             </a:extLst>
           </p:cNvPr>
@@ -9235,7 +9868,7 @@
                 <a14:useLocalDpi xmlns:a14="http://schemas.microsoft.com/office/drawing/2010/main" val="0"/>
               </a:ext>
               <a:ext uri="{96DAC541-7B7A-43D3-8B79-37D633B846F1}">
-                <asvg:svgBlip xmlns="" xmlns:asvg="http://schemas.microsoft.com/office/drawing/2016/SVG/main" r:embed="rId4"/>
+                <asvg:svgBlip xmlns:asvg="http://schemas.microsoft.com/office/drawing/2016/SVG/main" xmlns="" r:embed="rId4"/>
               </a:ext>
             </a:extLst>
           </a:blip>
@@ -9258,7 +9891,7 @@
           <p:cNvPr id="3" name="Content Placeholder 2">
             <a:extLst>
               <a:ext uri="{FF2B5EF4-FFF2-40B4-BE49-F238E27FC236}">
-                <a16:creationId xmlns="" xmlns:a16="http://schemas.microsoft.com/office/drawing/2014/main" id="{F2EAA055-ED20-46A5-B19C-8C9ABE0D7A53}"/>
+                <a16:creationId xmlns:a16="http://schemas.microsoft.com/office/drawing/2014/main" xmlns="" id="{F2EAA055-ED20-46A5-B19C-8C9ABE0D7A53}"/>
               </a:ext>
             </a:extLst>
           </p:cNvPr>
@@ -9564,10 +10197,10 @@
           <p:cNvPr id="19" name="Rectangle 16">
             <a:extLst>
               <a:ext uri="{FF2B5EF4-FFF2-40B4-BE49-F238E27FC236}">
-                <a16:creationId xmlns="" xmlns:a16="http://schemas.microsoft.com/office/drawing/2014/main" id="{42A5316D-ED2F-4F89-B4B4-8D9240B1A348}"/>
+                <a16:creationId xmlns:a16="http://schemas.microsoft.com/office/drawing/2014/main" xmlns="" id="{42A5316D-ED2F-4F89-B4B4-8D9240B1A348}"/>
               </a:ext>
               <a:ext uri="{C183D7F6-B498-43B3-948B-1728B52AA6E4}">
-                <adec:decorative xmlns="" xmlns:adec="http://schemas.microsoft.com/office/drawing/2017/decorative" val="1"/>
+                <adec:decorative xmlns:adec="http://schemas.microsoft.com/office/drawing/2017/decorative" xmlns="" val="1"/>
               </a:ext>
             </a:extLst>
           </p:cNvPr>
@@ -9577,7 +10210,7 @@
           <p:nvPr>
             <p:extLst>
               <p:ext uri="{386F3935-93C4-4BCD-93E2-E3B085C9AB24}">
-                <p16:designElem xmlns="" xmlns:p16="http://schemas.microsoft.com/office/powerpoint/2015/main" val="1"/>
+                <p16:designElem xmlns:p16="http://schemas.microsoft.com/office/powerpoint/2015/main" xmlns="" val="1"/>
               </p:ext>
             </p:extLst>
           </p:nvPr>
@@ -9634,7 +10267,7 @@
               <a:tabLst/>
               <a:defRPr/>
             </a:pPr>
-            <a:endParaRPr kumimoji="0" lang="en-US" sz="1800" b="0" i="0" u="none" strike="noStrike" kern="1200" cap="none" spc="0" normalizeH="0" baseline="0" noProof="0">
+            <a:endParaRPr kumimoji="0" lang="en-US" sz="1800" b="0" i="0" u="none" strike="noStrike" kern="1200" cap="none" spc="0" normalizeH="0" baseline="0" noProof="0" dirty="0">
               <a:ln>
                 <a:noFill/>
               </a:ln>
@@ -9656,7 +10289,7 @@
           <p:cNvPr id="2" name="Title 1">
             <a:extLst>
               <a:ext uri="{FF2B5EF4-FFF2-40B4-BE49-F238E27FC236}">
-                <a16:creationId xmlns="" xmlns:a16="http://schemas.microsoft.com/office/drawing/2014/main" id="{B10E8C48-75FF-4B7B-8956-0B000A5C0363}"/>
+                <a16:creationId xmlns:a16="http://schemas.microsoft.com/office/drawing/2014/main" xmlns="" id="{B10E8C48-75FF-4B7B-8956-0B000A5C0363}"/>
               </a:ext>
             </a:extLst>
           </p:cNvPr>
@@ -9707,7 +10340,7 @@
           <p:cNvPr id="20" name="Content Placeholder 2">
             <a:extLst>
               <a:ext uri="{FF2B5EF4-FFF2-40B4-BE49-F238E27FC236}">
-                <a16:creationId xmlns="" xmlns:a16="http://schemas.microsoft.com/office/drawing/2014/main" id="{C7FA9842-EEDC-4B43-ABE3-A18B3F95207D}"/>
+                <a16:creationId xmlns:a16="http://schemas.microsoft.com/office/drawing/2014/main" xmlns="" id="{C7FA9842-EEDC-4B43-ABE3-A18B3F95207D}"/>
               </a:ext>
             </a:extLst>
           </p:cNvPr>
@@ -9776,7 +10409,7 @@
           <p:cNvPr id="2" name="Title 1">
             <a:extLst>
               <a:ext uri="{FF2B5EF4-FFF2-40B4-BE49-F238E27FC236}">
-                <a16:creationId xmlns="" xmlns:a16="http://schemas.microsoft.com/office/drawing/2014/main" id="{EB4AA099-DFCF-40F0-9DF9-51DCDD3D2329}"/>
+                <a16:creationId xmlns:a16="http://schemas.microsoft.com/office/drawing/2014/main" xmlns="" id="{EB4AA099-DFCF-40F0-9DF9-51DCDD3D2329}"/>
               </a:ext>
             </a:extLst>
           </p:cNvPr>
@@ -9858,7 +10491,7 @@
           <a:lstStyle/>
           <a:p>
             <a:pPr algn="ctr"/>
-            <a:endParaRPr lang="en-US"/>
+            <a:endParaRPr lang="en-US" dirty="0"/>
           </a:p>
         </p:txBody>
       </p:sp>
@@ -9936,7 +10569,7 @@
           <a:lstStyle/>
           <a:p>
             <a:pPr algn="ctr"/>
-            <a:endParaRPr lang="en-US"/>
+            <a:endParaRPr lang="en-US" dirty="0"/>
           </a:p>
         </p:txBody>
       </p:sp>
@@ -10014,7 +10647,7 @@
           <a:lstStyle/>
           <a:p>
             <a:pPr algn="ctr"/>
-            <a:endParaRPr lang="en-US"/>
+            <a:endParaRPr lang="en-US" dirty="0"/>
           </a:p>
         </p:txBody>
       </p:sp>
@@ -10092,7 +10725,7 @@
           <a:lstStyle/>
           <a:p>
             <a:pPr algn="ctr"/>
-            <a:endParaRPr lang="en-US"/>
+            <a:endParaRPr lang="en-US" dirty="0"/>
           </a:p>
         </p:txBody>
       </p:sp>
@@ -10170,7 +10803,7 @@
           <a:lstStyle/>
           <a:p>
             <a:pPr algn="ctr"/>
-            <a:endParaRPr lang="en-US"/>
+            <a:endParaRPr lang="en-US" dirty="0"/>
           </a:p>
         </p:txBody>
       </p:sp>
@@ -10248,7 +10881,7 @@
           <a:lstStyle/>
           <a:p>
             <a:pPr algn="ctr"/>
-            <a:endParaRPr lang="en-US"/>
+            <a:endParaRPr lang="en-US" dirty="0"/>
           </a:p>
         </p:txBody>
       </p:sp>
@@ -10626,10 +11259,10 @@
           <p:cNvPr id="73" name="Rectangle 72">
             <a:extLst>
               <a:ext uri="{FF2B5EF4-FFF2-40B4-BE49-F238E27FC236}">
-                <a16:creationId xmlns="" xmlns:a16="http://schemas.microsoft.com/office/drawing/2014/main" id="{F56F5174-31D9-4DBB-AAB7-A1FD7BDB1352}"/>
+                <a16:creationId xmlns:a16="http://schemas.microsoft.com/office/drawing/2014/main" xmlns="" id="{F56F5174-31D9-4DBB-AAB7-A1FD7BDB1352}"/>
               </a:ext>
               <a:ext uri="{C183D7F6-B498-43B3-948B-1728B52AA6E4}">
-                <adec:decorative xmlns="" xmlns:adec="http://schemas.microsoft.com/office/drawing/2017/decorative" val="1"/>
+                <adec:decorative xmlns:adec="http://schemas.microsoft.com/office/drawing/2017/decorative" xmlns="" val="1"/>
               </a:ext>
             </a:extLst>
           </p:cNvPr>
@@ -10639,7 +11272,7 @@
           <p:nvPr>
             <p:extLst>
               <p:ext uri="{386F3935-93C4-4BCD-93E2-E3B085C9AB24}">
-                <p16:designElem xmlns="" xmlns:p16="http://schemas.microsoft.com/office/powerpoint/2015/main" val="1"/>
+                <p16:designElem xmlns:p16="http://schemas.microsoft.com/office/powerpoint/2015/main" xmlns="" val="1"/>
               </p:ext>
             </p:extLst>
           </p:nvPr>
@@ -10703,7 +11336,7 @@
           <a:lstStyle/>
           <a:p>
             <a:pPr algn="ctr"/>
-            <a:endParaRPr lang="en-US"/>
+            <a:endParaRPr lang="en-US" dirty="0"/>
           </a:p>
         </p:txBody>
       </p:sp>
@@ -10712,10 +11345,10 @@
           <p:cNvPr id="75" name="Picture 74">
             <a:extLst>
               <a:ext uri="{FF2B5EF4-FFF2-40B4-BE49-F238E27FC236}">
-                <a16:creationId xmlns="" xmlns:a16="http://schemas.microsoft.com/office/drawing/2014/main" id="{AE113210-7872-481A-ADE6-3A05CCAF5EB2}"/>
+                <a16:creationId xmlns:a16="http://schemas.microsoft.com/office/drawing/2014/main" xmlns="" id="{AE113210-7872-481A-ADE6-3A05CCAF5EB2}"/>
               </a:ext>
               <a:ext uri="{C183D7F6-B498-43B3-948B-1728B52AA6E4}">
-                <adec:decorative xmlns="" xmlns:adec="http://schemas.microsoft.com/office/drawing/2017/decorative" val="1"/>
+                <adec:decorative xmlns:adec="http://schemas.microsoft.com/office/drawing/2017/decorative" xmlns="" val="1"/>
               </a:ext>
             </a:extLst>
           </p:cNvPr>
@@ -10725,7 +11358,7 @@
           <p:nvPr>
             <p:extLst>
               <p:ext uri="{386F3935-93C4-4BCD-93E2-E3B085C9AB24}">
-                <p16:designElem xmlns="" xmlns:p16="http://schemas.microsoft.com/office/powerpoint/2015/main" val="1"/>
+                <p16:designElem xmlns:p16="http://schemas.microsoft.com/office/powerpoint/2015/main" xmlns="" val="1"/>
               </p:ext>
             </p:extLst>
           </p:nvPr>
@@ -10757,7 +11390,7 @@
           <p:cNvPr id="2" name="Title 1">
             <a:extLst>
               <a:ext uri="{FF2B5EF4-FFF2-40B4-BE49-F238E27FC236}">
-                <a16:creationId xmlns="" xmlns:a16="http://schemas.microsoft.com/office/drawing/2014/main" id="{00FE4BDB-FA27-4988-842A-013233981027}"/>
+                <a16:creationId xmlns:a16="http://schemas.microsoft.com/office/drawing/2014/main" xmlns="" id="{00FE4BDB-FA27-4988-842A-013233981027}"/>
               </a:ext>
             </a:extLst>
           </p:cNvPr>
@@ -10781,7 +11414,7 @@
           <a:lstStyle/>
           <a:p>
             <a:r>
-              <a:rPr lang="en-US">
+              <a:rPr lang="en-US" dirty="0">
                 <a:solidFill>
                   <a:srgbClr val="000000"/>
                 </a:solidFill>
@@ -10796,10 +11429,10 @@
           <p:cNvPr id="77" name="Freeform 62">
             <a:extLst>
               <a:ext uri="{FF2B5EF4-FFF2-40B4-BE49-F238E27FC236}">
-                <a16:creationId xmlns="" xmlns:a16="http://schemas.microsoft.com/office/drawing/2014/main" id="{F9A95BEE-6BB1-4A28-A8E6-A34B2E42EF87}"/>
+                <a16:creationId xmlns:a16="http://schemas.microsoft.com/office/drawing/2014/main" xmlns="" id="{F9A95BEE-6BB1-4A28-A8E6-A34B2E42EF87}"/>
               </a:ext>
               <a:ext uri="{C183D7F6-B498-43B3-948B-1728B52AA6E4}">
-                <adec:decorative xmlns="" xmlns:adec="http://schemas.microsoft.com/office/drawing/2017/decorative" val="1"/>
+                <adec:decorative xmlns:adec="http://schemas.microsoft.com/office/drawing/2017/decorative" xmlns="" val="1"/>
               </a:ext>
             </a:extLst>
           </p:cNvPr>
@@ -10809,7 +11442,7 @@
           <p:nvPr>
             <p:extLst>
               <p:ext uri="{386F3935-93C4-4BCD-93E2-E3B085C9AB24}">
-                <p16:designElem xmlns="" xmlns:p16="http://schemas.microsoft.com/office/powerpoint/2015/main" val="1"/>
+                <p16:designElem xmlns:p16="http://schemas.microsoft.com/office/powerpoint/2015/main" xmlns="" val="1"/>
               </p:ext>
             </p:extLst>
           </p:nvPr>
@@ -10935,7 +11568,7 @@
           <a:lstStyle/>
           <a:p>
             <a:pPr algn="ctr"/>
-            <a:endParaRPr lang="en-US"/>
+            <a:endParaRPr lang="en-US" dirty="0"/>
           </a:p>
         </p:txBody>
       </p:sp>
@@ -10944,7 +11577,7 @@
           <p:cNvPr id="1028" name="Picture 4" descr="Related image">
             <a:extLst>
               <a:ext uri="{FF2B5EF4-FFF2-40B4-BE49-F238E27FC236}">
-                <a16:creationId xmlns="" xmlns:a16="http://schemas.microsoft.com/office/drawing/2014/main" id="{345FD299-6018-48DC-881A-D6C7DBFD512B}"/>
+                <a16:creationId xmlns:a16="http://schemas.microsoft.com/office/drawing/2014/main" xmlns="" id="{345FD299-6018-48DC-881A-D6C7DBFD512B}"/>
               </a:ext>
             </a:extLst>
           </p:cNvPr>
@@ -11076,7 +11709,7 @@
           <p:cNvPr id="3" name="Content Placeholder 2">
             <a:extLst>
               <a:ext uri="{FF2B5EF4-FFF2-40B4-BE49-F238E27FC236}">
-                <a16:creationId xmlns="" xmlns:a16="http://schemas.microsoft.com/office/drawing/2014/main" id="{B6499A7D-CDC7-43C6-8B31-0179BC810139}"/>
+                <a16:creationId xmlns:a16="http://schemas.microsoft.com/office/drawing/2014/main" xmlns="" id="{B6499A7D-CDC7-43C6-8B31-0179BC810139}"/>
               </a:ext>
             </a:extLst>
           </p:cNvPr>
@@ -11168,7 +11801,7 @@
           <p:cNvPr id="4" name="Title 3">
             <a:extLst>
               <a:ext uri="{FF2B5EF4-FFF2-40B4-BE49-F238E27FC236}">
-                <a16:creationId xmlns="" xmlns:a16="http://schemas.microsoft.com/office/drawing/2014/main" id="{8DE5C918-E452-41B9-A5F2-EFA4F9294C74}"/>
+                <a16:creationId xmlns:a16="http://schemas.microsoft.com/office/drawing/2014/main" xmlns="" id="{8DE5C918-E452-41B9-A5F2-EFA4F9294C74}"/>
               </a:ext>
             </a:extLst>
           </p:cNvPr>
@@ -11193,13 +11826,18 @@
           <a:p>
             <a:pPr algn="ctr"/>
             <a:r>
-              <a:rPr lang="en-US" sz="5400" dirty="0">
+              <a:rPr lang="en-US" sz="5400" dirty="0" smtClean="0">
                 <a:solidFill>
                   <a:srgbClr val="1B1B1B"/>
                 </a:solidFill>
               </a:rPr>
-              <a:t>Thank you</a:t>
+              <a:t>Application Demo &amp; Feedback</a:t>
             </a:r>
+            <a:endParaRPr lang="en-US" sz="5400" dirty="0">
+              <a:solidFill>
+                <a:srgbClr val="1B1B1B"/>
+              </a:solidFill>
+            </a:endParaRPr>
           </a:p>
         </p:txBody>
       </p:sp>
@@ -11208,7 +11846,7 @@
           <p:cNvPr id="5" name="Text Placeholder 4">
             <a:extLst>
               <a:ext uri="{FF2B5EF4-FFF2-40B4-BE49-F238E27FC236}">
-                <a16:creationId xmlns="" xmlns:a16="http://schemas.microsoft.com/office/drawing/2014/main" id="{7910FB3A-C533-4698-B23B-C4973933FC66}"/>
+                <a16:creationId xmlns:a16="http://schemas.microsoft.com/office/drawing/2014/main" xmlns="" id="{7910FB3A-C533-4698-B23B-C4973933FC66}"/>
               </a:ext>
             </a:extLst>
           </p:cNvPr>
@@ -11232,7 +11870,7 @@
           <a:lstStyle/>
           <a:p>
             <a:pPr algn="ctr"/>
-            <a:endParaRPr lang="en-US" sz="2200">
+            <a:endParaRPr lang="en-US" sz="2200" dirty="0">
               <a:solidFill>
                 <a:srgbClr val="1B1B1B"/>
               </a:solidFill>
@@ -11245,10 +11883,10 @@
           <p:cNvPr id="135" name="Oval 134">
             <a:extLst>
               <a:ext uri="{FF2B5EF4-FFF2-40B4-BE49-F238E27FC236}">
-                <a16:creationId xmlns="" xmlns:a16="http://schemas.microsoft.com/office/drawing/2014/main" id="{FBC3EAFD-A275-4F9B-8F62-72B6678F35A8}"/>
+                <a16:creationId xmlns:a16="http://schemas.microsoft.com/office/drawing/2014/main" xmlns="" id="{FBC3EAFD-A275-4F9B-8F62-72B6678F35A8}"/>
               </a:ext>
               <a:ext uri="{C183D7F6-B498-43B3-948B-1728B52AA6E4}">
-                <adec:decorative xmlns="" xmlns:adec="http://schemas.microsoft.com/office/drawing/2017/decorative" val="1"/>
+                <adec:decorative xmlns:adec="http://schemas.microsoft.com/office/drawing/2017/decorative" xmlns="" val="1"/>
               </a:ext>
             </a:extLst>
           </p:cNvPr>
@@ -11258,7 +11896,7 @@
           <p:nvPr>
             <p:extLst>
               <p:ext uri="{386F3935-93C4-4BCD-93E2-E3B085C9AB24}">
-                <p16:designElem xmlns="" xmlns:p16="http://schemas.microsoft.com/office/powerpoint/2015/main" val="1"/>
+                <p16:designElem xmlns:p16="http://schemas.microsoft.com/office/powerpoint/2015/main" xmlns="" val="1"/>
               </p:ext>
             </p:extLst>
           </p:nvPr>
@@ -11299,7 +11937,7 @@
           <a:lstStyle/>
           <a:p>
             <a:pPr algn="ctr"/>
-            <a:endParaRPr lang="en-US"/>
+            <a:endParaRPr lang="en-US" dirty="0"/>
           </a:p>
         </p:txBody>
       </p:sp>
@@ -11308,10 +11946,10 @@
           <p:cNvPr id="137" name="Oval 136">
             <a:extLst>
               <a:ext uri="{FF2B5EF4-FFF2-40B4-BE49-F238E27FC236}">
-                <a16:creationId xmlns="" xmlns:a16="http://schemas.microsoft.com/office/drawing/2014/main" id="{06E64A6D-2B9F-4AAD-AB42-A61BAF01AC12}"/>
+                <a16:creationId xmlns:a16="http://schemas.microsoft.com/office/drawing/2014/main" xmlns="" id="{06E64A6D-2B9F-4AAD-AB42-A61BAF01AC12}"/>
               </a:ext>
               <a:ext uri="{C183D7F6-B498-43B3-948B-1728B52AA6E4}">
-                <adec:decorative xmlns="" xmlns:adec="http://schemas.microsoft.com/office/drawing/2017/decorative" val="1"/>
+                <adec:decorative xmlns:adec="http://schemas.microsoft.com/office/drawing/2017/decorative" xmlns="" val="1"/>
               </a:ext>
             </a:extLst>
           </p:cNvPr>
@@ -11321,7 +11959,7 @@
           <p:nvPr>
             <p:extLst>
               <p:ext uri="{386F3935-93C4-4BCD-93E2-E3B085C9AB24}">
-                <p16:designElem xmlns="" xmlns:p16="http://schemas.microsoft.com/office/powerpoint/2015/main" val="1"/>
+                <p16:designElem xmlns:p16="http://schemas.microsoft.com/office/powerpoint/2015/main" xmlns="" val="1"/>
               </p:ext>
             </p:extLst>
           </p:nvPr>
@@ -11364,7 +12002,7 @@
           <a:lstStyle/>
           <a:p>
             <a:pPr algn="ctr"/>
-            <a:endParaRPr lang="en-US"/>
+            <a:endParaRPr lang="en-US" dirty="0"/>
           </a:p>
         </p:txBody>
       </p:sp>
@@ -11373,7 +12011,7 @@
           <p:cNvPr id="2050" name="Picture 2" descr="Image result for Vote of thanks">
             <a:extLst>
               <a:ext uri="{FF2B5EF4-FFF2-40B4-BE49-F238E27FC236}">
-                <a16:creationId xmlns="" xmlns:a16="http://schemas.microsoft.com/office/drawing/2014/main" id="{C34D6FB8-9F9B-4CE6-8C11-FD184C218FBD}"/>
+                <a16:creationId xmlns:a16="http://schemas.microsoft.com/office/drawing/2014/main" xmlns="" id="{C34D6FB8-9F9B-4CE6-8C11-FD184C218FBD}"/>
               </a:ext>
             </a:extLst>
           </p:cNvPr>
@@ -11481,10 +12119,10 @@
           <p:cNvPr id="139" name="Picture 138">
             <a:extLst>
               <a:ext uri="{FF2B5EF4-FFF2-40B4-BE49-F238E27FC236}">
-                <a16:creationId xmlns="" xmlns:a16="http://schemas.microsoft.com/office/drawing/2014/main" id="{C51881DD-AD85-41BE-8A49-C2FB45800E10}"/>
+                <a16:creationId xmlns:a16="http://schemas.microsoft.com/office/drawing/2014/main" xmlns="" id="{C51881DD-AD85-41BE-8A49-C2FB45800E10}"/>
               </a:ext>
               <a:ext uri="{C183D7F6-B498-43B3-948B-1728B52AA6E4}">
-                <adec:decorative xmlns="" xmlns:adec="http://schemas.microsoft.com/office/drawing/2017/decorative" val="1"/>
+                <adec:decorative xmlns:adec="http://schemas.microsoft.com/office/drawing/2017/decorative" xmlns="" val="1"/>
               </a:ext>
             </a:extLst>
           </p:cNvPr>
@@ -11494,7 +12132,7 @@
           <p:nvPr>
             <p:extLst>
               <p:ext uri="{386F3935-93C4-4BCD-93E2-E3B085C9AB24}">
-                <p16:designElem xmlns="" xmlns:p16="http://schemas.microsoft.com/office/powerpoint/2015/main" val="1"/>
+                <p16:designElem xmlns:p16="http://schemas.microsoft.com/office/powerpoint/2015/main" xmlns="" val="1"/>
               </p:ext>
             </p:extLst>
           </p:nvPr>
@@ -11586,10 +12224,10 @@
           <p:cNvPr id="141" name="Straight Connector 140">
             <a:extLst>
               <a:ext uri="{FF2B5EF4-FFF2-40B4-BE49-F238E27FC236}">
-                <a16:creationId xmlns="" xmlns:a16="http://schemas.microsoft.com/office/drawing/2014/main" id="{9AD20FE8-ED02-4CDE-83B1-A1436305C3DC}"/>
+                <a16:creationId xmlns:a16="http://schemas.microsoft.com/office/drawing/2014/main" xmlns="" id="{9AD20FE8-ED02-4CDE-83B1-A1436305C3DC}"/>
               </a:ext>
               <a:ext uri="{C183D7F6-B498-43B3-948B-1728B52AA6E4}">
-                <adec:decorative xmlns="" xmlns:adec="http://schemas.microsoft.com/office/drawing/2017/decorative" val="1"/>
+                <adec:decorative xmlns:adec="http://schemas.microsoft.com/office/drawing/2017/decorative" xmlns="" val="1"/>
               </a:ext>
             </a:extLst>
           </p:cNvPr>
@@ -11599,7 +12237,7 @@
           <p:nvPr>
             <p:extLst>
               <p:ext uri="{386F3935-93C4-4BCD-93E2-E3B085C9AB24}">
-                <p16:designElem xmlns="" xmlns:p16="http://schemas.microsoft.com/office/powerpoint/2015/main" val="1"/>
+                <p16:designElem xmlns:p16="http://schemas.microsoft.com/office/powerpoint/2015/main" xmlns="" val="1"/>
               </p:ext>
             </p:extLst>
           </p:nvPr>
@@ -11638,7 +12276,7 @@
           <p:cNvPr id="17" name="Picture 6" descr="Image result for jp morgan logo">
             <a:extLst>
               <a:ext uri="{FF2B5EF4-FFF2-40B4-BE49-F238E27FC236}">
-                <a16:creationId xmlns="" xmlns:a16="http://schemas.microsoft.com/office/drawing/2014/main" id="{C98A6394-6E49-41D6-B142-3B6C32F3492C}"/>
+                <a16:creationId xmlns:a16="http://schemas.microsoft.com/office/drawing/2014/main" xmlns="" id="{C98A6394-6E49-41D6-B142-3B6C32F3492C}"/>
               </a:ext>
             </a:extLst>
           </p:cNvPr>
@@ -11685,7 +12323,7 @@
           <p:cNvPr id="18" name="Picture 17">
             <a:extLst>
               <a:ext uri="{FF2B5EF4-FFF2-40B4-BE49-F238E27FC236}">
-                <a16:creationId xmlns="" xmlns:a16="http://schemas.microsoft.com/office/drawing/2014/main" id="{7E771955-898D-4E7A-8F45-8EA79F1647DC}"/>
+                <a16:creationId xmlns:a16="http://schemas.microsoft.com/office/drawing/2014/main" xmlns="" id="{7E771955-898D-4E7A-8F45-8EA79F1647DC}"/>
               </a:ext>
             </a:extLst>
           </p:cNvPr>
@@ -11721,7 +12359,7 @@
           <p:cNvPr id="19" name="Straight Connector 18">
             <a:extLst>
               <a:ext uri="{FF2B5EF4-FFF2-40B4-BE49-F238E27FC236}">
-                <a16:creationId xmlns="" xmlns:a16="http://schemas.microsoft.com/office/drawing/2014/main" id="{70B1E49D-0FB5-4423-893A-767B43E3FD54}"/>
+                <a16:creationId xmlns:a16="http://schemas.microsoft.com/office/drawing/2014/main" xmlns="" id="{70B1E49D-0FB5-4423-893A-767B43E3FD54}"/>
               </a:ext>
             </a:extLst>
           </p:cNvPr>
@@ -11770,6 +12408,630 @@
 </p:sld>
 </file>
 
+<file path=ppt/slides/slide18.xml><?xml version="1.0" encoding="utf-8"?>
+<p:sld xmlns:a="http://schemas.openxmlformats.org/drawingml/2006/main" xmlns:r="http://schemas.openxmlformats.org/officeDocument/2006/relationships" xmlns:p="http://schemas.openxmlformats.org/presentationml/2006/main">
+  <p:cSld>
+    <p:spTree>
+      <p:nvGrpSpPr>
+        <p:cNvPr id="1" name=""/>
+        <p:cNvGrpSpPr/>
+        <p:nvPr/>
+      </p:nvGrpSpPr>
+      <p:grpSpPr>
+        <a:xfrm>
+          <a:off x="0" y="0"/>
+          <a:ext cx="0" cy="0"/>
+          <a:chOff x="0" y="0"/>
+          <a:chExt cx="0" cy="0"/>
+        </a:xfrm>
+      </p:grpSpPr>
+      <p:sp>
+        <p:nvSpPr>
+          <p:cNvPr id="4" name="Title 3">
+            <a:extLst>
+              <a:ext uri="{FF2B5EF4-FFF2-40B4-BE49-F238E27FC236}">
+                <a16:creationId xmlns:a16="http://schemas.microsoft.com/office/drawing/2014/main" xmlns="" id="{8DE5C918-E452-41B9-A5F2-EFA4F9294C74}"/>
+              </a:ext>
+            </a:extLst>
+          </p:cNvPr>
+          <p:cNvSpPr>
+            <a:spLocks noGrp="1"/>
+          </p:cNvSpPr>
+          <p:nvPr>
+            <p:ph type="title"/>
+          </p:nvPr>
+        </p:nvSpPr>
+        <p:spPr>
+          <a:xfrm>
+            <a:off x="1382597" y="3424348"/>
+            <a:ext cx="9426806" cy="1424410"/>
+          </a:xfrm>
+        </p:spPr>
+        <p:txBody>
+          <a:bodyPr vert="horz" lIns="91440" tIns="45720" rIns="91440" bIns="45720" rtlCol="0" anchor="b">
+            <a:normAutofit/>
+          </a:bodyPr>
+          <a:lstStyle/>
+          <a:p>
+            <a:pPr algn="ctr"/>
+            <a:r>
+              <a:rPr lang="en-US" sz="5400" dirty="0">
+                <a:solidFill>
+                  <a:srgbClr val="1B1B1B"/>
+                </a:solidFill>
+              </a:rPr>
+              <a:t>Thank you</a:t>
+            </a:r>
+          </a:p>
+        </p:txBody>
+      </p:sp>
+      <p:sp>
+        <p:nvSpPr>
+          <p:cNvPr id="5" name="Text Placeholder 4">
+            <a:extLst>
+              <a:ext uri="{FF2B5EF4-FFF2-40B4-BE49-F238E27FC236}">
+                <a16:creationId xmlns:a16="http://schemas.microsoft.com/office/drawing/2014/main" xmlns="" id="{7910FB3A-C533-4698-B23B-C4973933FC66}"/>
+              </a:ext>
+            </a:extLst>
+          </p:cNvPr>
+          <p:cNvSpPr>
+            <a:spLocks noGrp="1"/>
+          </p:cNvSpPr>
+          <p:nvPr>
+            <p:ph type="body" idx="1"/>
+          </p:nvPr>
+        </p:nvSpPr>
+        <p:spPr>
+          <a:xfrm>
+            <a:off x="1382597" y="5121033"/>
+            <a:ext cx="9426806" cy="564199"/>
+          </a:xfrm>
+        </p:spPr>
+        <p:txBody>
+          <a:bodyPr vert="horz" lIns="91440" tIns="45720" rIns="91440" bIns="45720" rtlCol="0">
+            <a:normAutofit/>
+          </a:bodyPr>
+          <a:lstStyle/>
+          <a:p>
+            <a:pPr algn="ctr"/>
+            <a:endParaRPr lang="en-US" sz="2200" dirty="0">
+              <a:solidFill>
+                <a:srgbClr val="1B1B1B"/>
+              </a:solidFill>
+            </a:endParaRPr>
+          </a:p>
+        </p:txBody>
+      </p:sp>
+      <p:sp>
+        <p:nvSpPr>
+          <p:cNvPr id="135" name="Oval 134">
+            <a:extLst>
+              <a:ext uri="{FF2B5EF4-FFF2-40B4-BE49-F238E27FC236}">
+                <a16:creationId xmlns:a16="http://schemas.microsoft.com/office/drawing/2014/main" xmlns="" id="{FBC3EAFD-A275-4F9B-8F62-72B6678F35A8}"/>
+              </a:ext>
+              <a:ext uri="{C183D7F6-B498-43B3-948B-1728B52AA6E4}">
+                <adec:decorative xmlns:adec="http://schemas.microsoft.com/office/drawing/2017/decorative" xmlns="" val="1"/>
+              </a:ext>
+            </a:extLst>
+          </p:cNvPr>
+          <p:cNvSpPr>
+            <a:spLocks noGrp="1" noRot="1" noChangeAspect="1" noMove="1" noResize="1" noEditPoints="1" noAdjustHandles="1" noChangeArrowheads="1" noChangeShapeType="1" noTextEdit="1"/>
+          </p:cNvSpPr>
+          <p:nvPr>
+            <p:extLst>
+              <p:ext uri="{386F3935-93C4-4BCD-93E2-E3B085C9AB24}">
+                <p16:designElem xmlns:p16="http://schemas.microsoft.com/office/powerpoint/2015/main" xmlns="" val="1"/>
+              </p:ext>
+            </p:extLst>
+          </p:nvPr>
+        </p:nvSpPr>
+        <p:spPr>
+          <a:xfrm>
+            <a:off x="4908526" y="933319"/>
+            <a:ext cx="2463430" cy="2486070"/>
+          </a:xfrm>
+          <a:prstGeom prst="ellipse">
+            <a:avLst/>
+          </a:prstGeom>
+          <a:solidFill>
+            <a:srgbClr val="745046"/>
+          </a:solidFill>
+          <a:ln>
+            <a:noFill/>
+          </a:ln>
+        </p:spPr>
+        <p:style>
+          <a:lnRef idx="2">
+            <a:schemeClr val="accent1">
+              <a:shade val="50000"/>
+            </a:schemeClr>
+          </a:lnRef>
+          <a:fillRef idx="1">
+            <a:schemeClr val="accent1"/>
+          </a:fillRef>
+          <a:effectRef idx="0">
+            <a:schemeClr val="accent1"/>
+          </a:effectRef>
+          <a:fontRef idx="minor">
+            <a:schemeClr val="lt1"/>
+          </a:fontRef>
+        </p:style>
+        <p:txBody>
+          <a:bodyPr rtlCol="0" anchor="ctr"/>
+          <a:lstStyle/>
+          <a:p>
+            <a:pPr algn="ctr"/>
+            <a:endParaRPr lang="en-US" dirty="0"/>
+          </a:p>
+        </p:txBody>
+      </p:sp>
+      <p:sp>
+        <p:nvSpPr>
+          <p:cNvPr id="137" name="Oval 136">
+            <a:extLst>
+              <a:ext uri="{FF2B5EF4-FFF2-40B4-BE49-F238E27FC236}">
+                <a16:creationId xmlns:a16="http://schemas.microsoft.com/office/drawing/2014/main" xmlns="" id="{06E64A6D-2B9F-4AAD-AB42-A61BAF01AC12}"/>
+              </a:ext>
+              <a:ext uri="{C183D7F6-B498-43B3-948B-1728B52AA6E4}">
+                <adec:decorative xmlns:adec="http://schemas.microsoft.com/office/drawing/2017/decorative" xmlns="" val="1"/>
+              </a:ext>
+            </a:extLst>
+          </p:cNvPr>
+          <p:cNvSpPr>
+            <a:spLocks noGrp="1" noRot="1" noChangeAspect="1" noMove="1" noResize="1" noEditPoints="1" noAdjustHandles="1" noChangeArrowheads="1" noChangeShapeType="1" noTextEdit="1"/>
+          </p:cNvSpPr>
+          <p:nvPr>
+            <p:extLst>
+              <p:ext uri="{386F3935-93C4-4BCD-93E2-E3B085C9AB24}">
+                <p16:designElem xmlns:p16="http://schemas.microsoft.com/office/powerpoint/2015/main" xmlns="" val="1"/>
+              </p:ext>
+            </p:extLst>
+          </p:nvPr>
+        </p:nvSpPr>
+        <p:spPr>
+          <a:xfrm>
+            <a:off x="5117592" y="1268361"/>
+            <a:ext cx="1956816" cy="1953058"/>
+          </a:xfrm>
+          <a:prstGeom prst="ellipse">
+            <a:avLst/>
+          </a:prstGeom>
+          <a:solidFill>
+            <a:srgbClr val="FFFFFF"/>
+          </a:solidFill>
+          <a:ln>
+            <a:solidFill>
+              <a:srgbClr val="745046"/>
+            </a:solidFill>
+          </a:ln>
+        </p:spPr>
+        <p:style>
+          <a:lnRef idx="2">
+            <a:schemeClr val="accent1">
+              <a:shade val="50000"/>
+            </a:schemeClr>
+          </a:lnRef>
+          <a:fillRef idx="1">
+            <a:schemeClr val="accent1"/>
+          </a:fillRef>
+          <a:effectRef idx="0">
+            <a:schemeClr val="accent1"/>
+          </a:effectRef>
+          <a:fontRef idx="minor">
+            <a:schemeClr val="lt1"/>
+          </a:fontRef>
+        </p:style>
+        <p:txBody>
+          <a:bodyPr rtlCol="0" anchor="ctr"/>
+          <a:lstStyle/>
+          <a:p>
+            <a:pPr algn="ctr"/>
+            <a:endParaRPr lang="en-US" dirty="0"/>
+          </a:p>
+        </p:txBody>
+      </p:sp>
+      <p:pic>
+        <p:nvPicPr>
+          <p:cNvPr id="2050" name="Picture 2" descr="Image result for Vote of thanks">
+            <a:extLst>
+              <a:ext uri="{FF2B5EF4-FFF2-40B4-BE49-F238E27FC236}">
+                <a16:creationId xmlns:a16="http://schemas.microsoft.com/office/drawing/2014/main" xmlns="" id="{C34D6FB8-9F9B-4CE6-8C11-FD184C218FBD}"/>
+              </a:ext>
+            </a:extLst>
+          </p:cNvPr>
+          <p:cNvPicPr>
+            <a:picLocks noChangeAspect="1" noChangeArrowheads="1"/>
+          </p:cNvPicPr>
+          <p:nvPr/>
+        </p:nvPicPr>
+        <p:blipFill rotWithShape="1">
+          <a:blip r:embed="rId2">
+            <a:alphaModFix/>
+            <a:extLst>
+              <a:ext uri="{28A0092B-C50C-407E-A947-70E740481C1C}">
+                <a14:useLocalDpi xmlns:a14="http://schemas.microsoft.com/office/drawing/2010/main" val="0"/>
+              </a:ext>
+            </a:extLst>
+          </a:blip>
+          <a:srcRect l="9527" r="23924" b="-4"/>
+          <a:stretch/>
+        </p:blipFill>
+        <p:spPr bwMode="auto">
+          <a:xfrm>
+            <a:off x="5181600" y="1330490"/>
+            <a:ext cx="1828800" cy="1828800"/>
+          </a:xfrm>
+          <a:custGeom>
+            <a:avLst/>
+            <a:gdLst>
+              <a:gd name="connsiteX0" fmla="*/ 3028805 w 6057610"/>
+              <a:gd name="connsiteY0" fmla="*/ 0 h 6057610"/>
+              <a:gd name="connsiteX1" fmla="*/ 6057610 w 6057610"/>
+              <a:gd name="connsiteY1" fmla="*/ 3028805 h 6057610"/>
+              <a:gd name="connsiteX2" fmla="*/ 3028805 w 6057610"/>
+              <a:gd name="connsiteY2" fmla="*/ 6057610 h 6057610"/>
+              <a:gd name="connsiteX3" fmla="*/ 0 w 6057610"/>
+              <a:gd name="connsiteY3" fmla="*/ 3028805 h 6057610"/>
+              <a:gd name="connsiteX4" fmla="*/ 3028805 w 6057610"/>
+              <a:gd name="connsiteY4" fmla="*/ 0 h 6057610"/>
+            </a:gdLst>
+            <a:ahLst/>
+            <a:cxnLst>
+              <a:cxn ang="0">
+                <a:pos x="connsiteX0" y="connsiteY0"/>
+              </a:cxn>
+              <a:cxn ang="0">
+                <a:pos x="connsiteX1" y="connsiteY1"/>
+              </a:cxn>
+              <a:cxn ang="0">
+                <a:pos x="connsiteX2" y="connsiteY2"/>
+              </a:cxn>
+              <a:cxn ang="0">
+                <a:pos x="connsiteX3" y="connsiteY3"/>
+              </a:cxn>
+              <a:cxn ang="0">
+                <a:pos x="connsiteX4" y="connsiteY4"/>
+              </a:cxn>
+            </a:cxnLst>
+            <a:rect l="l" t="t" r="r" b="b"/>
+            <a:pathLst>
+              <a:path w="6057610" h="6057610">
+                <a:moveTo>
+                  <a:pt x="3028805" y="0"/>
+                </a:moveTo>
+                <a:cubicBezTo>
+                  <a:pt x="4701568" y="0"/>
+                  <a:pt x="6057610" y="1356042"/>
+                  <a:pt x="6057610" y="3028805"/>
+                </a:cubicBezTo>
+                <a:cubicBezTo>
+                  <a:pt x="6057610" y="4701568"/>
+                  <a:pt x="4701568" y="6057610"/>
+                  <a:pt x="3028805" y="6057610"/>
+                </a:cubicBezTo>
+                <a:cubicBezTo>
+                  <a:pt x="1356042" y="6057610"/>
+                  <a:pt x="0" y="4701568"/>
+                  <a:pt x="0" y="3028805"/>
+                </a:cubicBezTo>
+                <a:cubicBezTo>
+                  <a:pt x="0" y="1356042"/>
+                  <a:pt x="1356042" y="0"/>
+                  <a:pt x="3028805" y="0"/>
+                </a:cubicBezTo>
+                <a:close/>
+              </a:path>
+            </a:pathLst>
+          </a:custGeom>
+          <a:noFill/>
+          <a:effectLst>
+            <a:softEdge rad="0"/>
+          </a:effectLst>
+          <a:extLst>
+            <a:ext uri="{909E8E84-426E-40DD-AFC4-6F175D3DCCD1}">
+              <a14:hiddenFill xmlns:a14="http://schemas.microsoft.com/office/drawing/2010/main">
+                <a:solidFill>
+                  <a:srgbClr val="FFFFFF"/>
+                </a:solidFill>
+              </a14:hiddenFill>
+            </a:ext>
+          </a:extLst>
+        </p:spPr>
+      </p:pic>
+      <p:pic>
+        <p:nvPicPr>
+          <p:cNvPr id="139" name="Picture 138">
+            <a:extLst>
+              <a:ext uri="{FF2B5EF4-FFF2-40B4-BE49-F238E27FC236}">
+                <a16:creationId xmlns:a16="http://schemas.microsoft.com/office/drawing/2014/main" xmlns="" id="{C51881DD-AD85-41BE-8A49-C2FB45800E10}"/>
+              </a:ext>
+              <a:ext uri="{C183D7F6-B498-43B3-948B-1728B52AA6E4}">
+                <adec:decorative xmlns:adec="http://schemas.microsoft.com/office/drawing/2017/decorative" xmlns="" val="1"/>
+              </a:ext>
+            </a:extLst>
+          </p:cNvPr>
+          <p:cNvPicPr>
+            <a:picLocks noGrp="1" noRot="1" noChangeAspect="1" noMove="1" noResize="1" noEditPoints="1" noAdjustHandles="1" noChangeArrowheads="1" noChangeShapeType="1" noCrop="1"/>
+          </p:cNvPicPr>
+          <p:nvPr>
+            <p:extLst>
+              <p:ext uri="{386F3935-93C4-4BCD-93E2-E3B085C9AB24}">
+                <p16:designElem xmlns:p16="http://schemas.microsoft.com/office/powerpoint/2015/main" xmlns="" val="1"/>
+              </p:ext>
+            </p:extLst>
+          </p:nvPr>
+        </p:nvPicPr>
+        <p:blipFill>
+          <a:blip r:embed="rId3" cstate="print">
+            <a:extLst>
+              <a:ext uri="{28A0092B-C50C-407E-A947-70E740481C1C}">
+                <a14:useLocalDpi xmlns:a14="http://schemas.microsoft.com/office/drawing/2010/main" val="0"/>
+              </a:ext>
+            </a:extLst>
+          </a:blip>
+          <a:srcRect l="33525" t="5243" r="33525" b="36180"/>
+          <a:stretch>
+            <a:fillRect/>
+          </a:stretch>
+        </p:blipFill>
+        <p:spPr>
+          <a:xfrm>
+            <a:off x="4860081" y="896194"/>
+            <a:ext cx="2560320" cy="2560320"/>
+          </a:xfrm>
+          <a:custGeom>
+            <a:avLst/>
+            <a:gdLst>
+              <a:gd name="connsiteX0" fmla="*/ 2008598 w 4017196"/>
+              <a:gd name="connsiteY0" fmla="*/ 0 h 4017196"/>
+              <a:gd name="connsiteX1" fmla="*/ 4017196 w 4017196"/>
+              <a:gd name="connsiteY1" fmla="*/ 2008598 h 4017196"/>
+              <a:gd name="connsiteX2" fmla="*/ 2008598 w 4017196"/>
+              <a:gd name="connsiteY2" fmla="*/ 4017196 h 4017196"/>
+              <a:gd name="connsiteX3" fmla="*/ 0 w 4017196"/>
+              <a:gd name="connsiteY3" fmla="*/ 2008598 h 4017196"/>
+              <a:gd name="connsiteX4" fmla="*/ 2008598 w 4017196"/>
+              <a:gd name="connsiteY4" fmla="*/ 0 h 4017196"/>
+            </a:gdLst>
+            <a:ahLst/>
+            <a:cxnLst>
+              <a:cxn ang="0">
+                <a:pos x="connsiteX0" y="connsiteY0"/>
+              </a:cxn>
+              <a:cxn ang="0">
+                <a:pos x="connsiteX1" y="connsiteY1"/>
+              </a:cxn>
+              <a:cxn ang="0">
+                <a:pos x="connsiteX2" y="connsiteY2"/>
+              </a:cxn>
+              <a:cxn ang="0">
+                <a:pos x="connsiteX3" y="connsiteY3"/>
+              </a:cxn>
+              <a:cxn ang="0">
+                <a:pos x="connsiteX4" y="connsiteY4"/>
+              </a:cxn>
+            </a:cxnLst>
+            <a:rect l="l" t="t" r="r" b="b"/>
+            <a:pathLst>
+              <a:path w="4017196" h="4017196">
+                <a:moveTo>
+                  <a:pt x="2008598" y="0"/>
+                </a:moveTo>
+                <a:cubicBezTo>
+                  <a:pt x="3117916" y="0"/>
+                  <a:pt x="4017196" y="899280"/>
+                  <a:pt x="4017196" y="2008598"/>
+                </a:cubicBezTo>
+                <a:cubicBezTo>
+                  <a:pt x="4017196" y="3117916"/>
+                  <a:pt x="3117916" y="4017196"/>
+                  <a:pt x="2008598" y="4017196"/>
+                </a:cubicBezTo>
+                <a:cubicBezTo>
+                  <a:pt x="899280" y="4017196"/>
+                  <a:pt x="0" y="3117916"/>
+                  <a:pt x="0" y="2008598"/>
+                </a:cubicBezTo>
+                <a:cubicBezTo>
+                  <a:pt x="0" y="899280"/>
+                  <a:pt x="899280" y="0"/>
+                  <a:pt x="2008598" y="0"/>
+                </a:cubicBezTo>
+                <a:close/>
+              </a:path>
+            </a:pathLst>
+          </a:custGeom>
+        </p:spPr>
+      </p:pic>
+      <p:cxnSp>
+        <p:nvCxnSpPr>
+          <p:cNvPr id="141" name="Straight Connector 140">
+            <a:extLst>
+              <a:ext uri="{FF2B5EF4-FFF2-40B4-BE49-F238E27FC236}">
+                <a16:creationId xmlns:a16="http://schemas.microsoft.com/office/drawing/2014/main" xmlns="" id="{9AD20FE8-ED02-4CDE-83B1-A1436305C3DC}"/>
+              </a:ext>
+              <a:ext uri="{C183D7F6-B498-43B3-948B-1728B52AA6E4}">
+                <adec:decorative xmlns:adec="http://schemas.microsoft.com/office/drawing/2017/decorative" xmlns="" val="1"/>
+              </a:ext>
+            </a:extLst>
+          </p:cNvPr>
+          <p:cNvCxnSpPr>
+            <a:cxnSpLocks noGrp="1" noRot="1" noChangeAspect="1" noMove="1" noResize="1" noEditPoints="1" noAdjustHandles="1" noChangeArrowheads="1" noChangeShapeType="1"/>
+          </p:cNvCxnSpPr>
+          <p:nvPr>
+            <p:extLst>
+              <p:ext uri="{386F3935-93C4-4BCD-93E2-E3B085C9AB24}">
+                <p16:designElem xmlns:p16="http://schemas.microsoft.com/office/powerpoint/2015/main" xmlns="" val="1"/>
+              </p:ext>
+            </p:extLst>
+          </p:nvPr>
+        </p:nvCxnSpPr>
+        <p:spPr>
+          <a:xfrm>
+            <a:off x="5775960" y="4971278"/>
+            <a:ext cx="640080" cy="0"/>
+          </a:xfrm>
+          <a:prstGeom prst="line">
+            <a:avLst/>
+          </a:prstGeom>
+          <a:ln w="28575">
+            <a:solidFill>
+              <a:srgbClr val="D5A06E"/>
+            </a:solidFill>
+          </a:ln>
+        </p:spPr>
+        <p:style>
+          <a:lnRef idx="1">
+            <a:schemeClr val="accent1"/>
+          </a:lnRef>
+          <a:fillRef idx="0">
+            <a:schemeClr val="accent1"/>
+          </a:fillRef>
+          <a:effectRef idx="0">
+            <a:schemeClr val="accent1"/>
+          </a:effectRef>
+          <a:fontRef idx="minor">
+            <a:schemeClr val="tx1"/>
+          </a:fontRef>
+        </p:style>
+      </p:cxnSp>
+      <p:pic>
+        <p:nvPicPr>
+          <p:cNvPr id="17" name="Picture 6" descr="Image result for jp morgan logo">
+            <a:extLst>
+              <a:ext uri="{FF2B5EF4-FFF2-40B4-BE49-F238E27FC236}">
+                <a16:creationId xmlns:a16="http://schemas.microsoft.com/office/drawing/2014/main" xmlns="" id="{C98A6394-6E49-41D6-B142-3B6C32F3492C}"/>
+              </a:ext>
+            </a:extLst>
+          </p:cNvPr>
+          <p:cNvPicPr>
+            <a:picLocks noChangeAspect="1" noChangeArrowheads="1"/>
+          </p:cNvPicPr>
+          <p:nvPr/>
+        </p:nvPicPr>
+        <p:blipFill>
+          <a:blip r:embed="rId4" cstate="print">
+            <a:extLst>
+              <a:ext uri="{28A0092B-C50C-407E-A947-70E740481C1C}">
+                <a14:useLocalDpi xmlns:a14="http://schemas.microsoft.com/office/drawing/2010/main" val="0"/>
+              </a:ext>
+            </a:extLst>
+          </a:blip>
+          <a:srcRect/>
+          <a:stretch>
+            <a:fillRect/>
+          </a:stretch>
+        </p:blipFill>
+        <p:spPr bwMode="auto">
+          <a:xfrm>
+            <a:off x="6240809" y="432059"/>
+            <a:ext cx="1985202" cy="496301"/>
+          </a:xfrm>
+          <a:prstGeom prst="rect">
+            <a:avLst/>
+          </a:prstGeom>
+          <a:noFill/>
+          <a:extLst>
+            <a:ext uri="{909E8E84-426E-40DD-AFC4-6F175D3DCCD1}">
+              <a14:hiddenFill xmlns:a14="http://schemas.microsoft.com/office/drawing/2010/main">
+                <a:solidFill>
+                  <a:srgbClr val="FFFFFF"/>
+                </a:solidFill>
+              </a14:hiddenFill>
+            </a:ext>
+          </a:extLst>
+        </p:spPr>
+      </p:pic>
+      <p:pic>
+        <p:nvPicPr>
+          <p:cNvPr id="18" name="Picture 17">
+            <a:extLst>
+              <a:ext uri="{FF2B5EF4-FFF2-40B4-BE49-F238E27FC236}">
+                <a16:creationId xmlns:a16="http://schemas.microsoft.com/office/drawing/2014/main" xmlns="" id="{7E771955-898D-4E7A-8F45-8EA79F1647DC}"/>
+              </a:ext>
+            </a:extLst>
+          </p:cNvPr>
+          <p:cNvPicPr>
+            <a:picLocks noChangeAspect="1"/>
+          </p:cNvPicPr>
+          <p:nvPr/>
+        </p:nvPicPr>
+        <p:blipFill>
+          <a:blip r:embed="rId5" cstate="print">
+            <a:extLst>
+              <a:ext uri="{28A0092B-C50C-407E-A947-70E740481C1C}">
+                <a14:useLocalDpi xmlns:a14="http://schemas.microsoft.com/office/drawing/2010/main" val="0"/>
+              </a:ext>
+            </a:extLst>
+          </a:blip>
+          <a:stretch>
+            <a:fillRect/>
+          </a:stretch>
+        </p:blipFill>
+        <p:spPr>
+          <a:xfrm>
+            <a:off x="3178010" y="492607"/>
+            <a:ext cx="2611159" cy="319734"/>
+          </a:xfrm>
+          <a:prstGeom prst="rect">
+            <a:avLst/>
+          </a:prstGeom>
+        </p:spPr>
+      </p:pic>
+      <p:cxnSp>
+        <p:nvCxnSpPr>
+          <p:cNvPr id="19" name="Straight Connector 18">
+            <a:extLst>
+              <a:ext uri="{FF2B5EF4-FFF2-40B4-BE49-F238E27FC236}">
+                <a16:creationId xmlns:a16="http://schemas.microsoft.com/office/drawing/2014/main" xmlns="" id="{70B1E49D-0FB5-4423-893A-767B43E3FD54}"/>
+              </a:ext>
+            </a:extLst>
+          </p:cNvPr>
+          <p:cNvCxnSpPr/>
+          <p:nvPr/>
+        </p:nvCxnSpPr>
+        <p:spPr>
+          <a:xfrm>
+            <a:off x="6054852" y="390494"/>
+            <a:ext cx="0" cy="496301"/>
+          </a:xfrm>
+          <a:prstGeom prst="line">
+            <a:avLst/>
+          </a:prstGeom>
+          <a:ln w="12700">
+            <a:solidFill>
+              <a:srgbClr val="0070C0"/>
+            </a:solidFill>
+          </a:ln>
+        </p:spPr>
+        <p:style>
+          <a:lnRef idx="1">
+            <a:schemeClr val="accent1"/>
+          </a:lnRef>
+          <a:fillRef idx="0">
+            <a:schemeClr val="accent1"/>
+          </a:fillRef>
+          <a:effectRef idx="0">
+            <a:schemeClr val="accent1"/>
+          </a:effectRef>
+          <a:fontRef idx="minor">
+            <a:schemeClr val="tx1"/>
+          </a:fontRef>
+        </p:style>
+      </p:cxnSp>
+    </p:spTree>
+    <p:extLst>
+      <p:ext uri="{BB962C8B-B14F-4D97-AF65-F5344CB8AC3E}">
+        <p14:creationId xmlns:p14="http://schemas.microsoft.com/office/powerpoint/2010/main" val="2674714910"/>
+      </p:ext>
+    </p:extLst>
+  </p:cSld>
+  <p:clrMapOvr>
+    <a:masterClrMapping/>
+  </p:clrMapOvr>
+</p:sld>
+</file>
+
 <file path=ppt/slides/slide2.xml><?xml version="1.0" encoding="utf-8"?>
 <p:sld xmlns:a="http://schemas.openxmlformats.org/drawingml/2006/main" xmlns:r="http://schemas.openxmlformats.org/officeDocument/2006/relationships" xmlns:p="http://schemas.openxmlformats.org/presentationml/2006/main">
   <p:cSld>
@@ -11800,10 +13062,10 @@
           <p:cNvPr id="8" name="Rectangle 7">
             <a:extLst>
               <a:ext uri="{FF2B5EF4-FFF2-40B4-BE49-F238E27FC236}">
-                <a16:creationId xmlns="" xmlns:a16="http://schemas.microsoft.com/office/drawing/2014/main" id="{3B854194-185D-494D-905C-7C7CB2E30F6E}"/>
+                <a16:creationId xmlns:a16="http://schemas.microsoft.com/office/drawing/2014/main" xmlns="" id="{3B854194-185D-494D-905C-7C7CB2E30F6E}"/>
               </a:ext>
               <a:ext uri="{C183D7F6-B498-43B3-948B-1728B52AA6E4}">
-                <adec:decorative xmlns="" xmlns:adec="http://schemas.microsoft.com/office/drawing/2017/decorative" val="1"/>
+                <adec:decorative xmlns:adec="http://schemas.microsoft.com/office/drawing/2017/decorative" xmlns="" val="1"/>
               </a:ext>
             </a:extLst>
           </p:cNvPr>
@@ -11813,7 +13075,7 @@
           <p:nvPr>
             <p:extLst>
               <p:ext uri="{386F3935-93C4-4BCD-93E2-E3B085C9AB24}">
-                <p16:designElem xmlns="" xmlns:p16="http://schemas.microsoft.com/office/powerpoint/2015/main" val="1"/>
+                <p16:designElem xmlns:p16="http://schemas.microsoft.com/office/powerpoint/2015/main" xmlns="" val="1"/>
               </p:ext>
             </p:extLst>
           </p:nvPr>
@@ -11851,7 +13113,7 @@
           <a:lstStyle/>
           <a:p>
             <a:pPr algn="ctr"/>
-            <a:endParaRPr lang="en-US"/>
+            <a:endParaRPr lang="en-US" dirty="0"/>
           </a:p>
         </p:txBody>
       </p:sp>
@@ -11860,10 +13122,10 @@
           <p:cNvPr id="10" name="Rectangle 9">
             <a:extLst>
               <a:ext uri="{FF2B5EF4-FFF2-40B4-BE49-F238E27FC236}">
-                <a16:creationId xmlns="" xmlns:a16="http://schemas.microsoft.com/office/drawing/2014/main" id="{B4F5FA0D-0104-4987-8241-EFF7C85B88DE}"/>
+                <a16:creationId xmlns:a16="http://schemas.microsoft.com/office/drawing/2014/main" xmlns="" id="{B4F5FA0D-0104-4987-8241-EFF7C85B88DE}"/>
               </a:ext>
               <a:ext uri="{C183D7F6-B498-43B3-948B-1728B52AA6E4}">
-                <adec:decorative xmlns="" xmlns:adec="http://schemas.microsoft.com/office/drawing/2017/decorative" val="1"/>
+                <adec:decorative xmlns:adec="http://schemas.microsoft.com/office/drawing/2017/decorative" xmlns="" val="1"/>
               </a:ext>
             </a:extLst>
           </p:cNvPr>
@@ -11873,7 +13135,7 @@
           <p:nvPr>
             <p:extLst>
               <p:ext uri="{386F3935-93C4-4BCD-93E2-E3B085C9AB24}">
-                <p16:designElem xmlns="" xmlns:p16="http://schemas.microsoft.com/office/powerpoint/2015/main" val="1"/>
+                <p16:designElem xmlns:p16="http://schemas.microsoft.com/office/powerpoint/2015/main" xmlns="" val="1"/>
               </p:ext>
             </p:extLst>
           </p:nvPr>
@@ -11936,7 +13198,7 @@
           <a:lstStyle/>
           <a:p>
             <a:pPr algn="ctr"/>
-            <a:endParaRPr lang="en-US"/>
+            <a:endParaRPr lang="en-US" dirty="0"/>
           </a:p>
         </p:txBody>
       </p:sp>
@@ -11945,10 +13207,10 @@
           <p:cNvPr id="12" name="Picture 11">
             <a:extLst>
               <a:ext uri="{FF2B5EF4-FFF2-40B4-BE49-F238E27FC236}">
-                <a16:creationId xmlns="" xmlns:a16="http://schemas.microsoft.com/office/drawing/2014/main" id="{2897127E-6CEF-446C-BE87-93B7C46E49D1}"/>
+                <a16:creationId xmlns:a16="http://schemas.microsoft.com/office/drawing/2014/main" xmlns="" id="{2897127E-6CEF-446C-BE87-93B7C46E49D1}"/>
               </a:ext>
               <a:ext uri="{C183D7F6-B498-43B3-948B-1728B52AA6E4}">
-                <adec:decorative xmlns="" xmlns:adec="http://schemas.microsoft.com/office/drawing/2017/decorative" val="1"/>
+                <adec:decorative xmlns:adec="http://schemas.microsoft.com/office/drawing/2017/decorative" xmlns="" val="1"/>
               </a:ext>
             </a:extLst>
           </p:cNvPr>
@@ -11958,7 +13220,7 @@
           <p:nvPr>
             <p:extLst>
               <p:ext uri="{386F3935-93C4-4BCD-93E2-E3B085C9AB24}">
-                <p16:designElem xmlns="" xmlns:p16="http://schemas.microsoft.com/office/powerpoint/2015/main" val="1"/>
+                <p16:designElem xmlns:p16="http://schemas.microsoft.com/office/powerpoint/2015/main" xmlns="" val="1"/>
               </p:ext>
             </p:extLst>
           </p:nvPr>
@@ -11990,7 +13252,7 @@
           <p:cNvPr id="2" name="Title 1">
             <a:extLst>
               <a:ext uri="{FF2B5EF4-FFF2-40B4-BE49-F238E27FC236}">
-                <a16:creationId xmlns="" xmlns:a16="http://schemas.microsoft.com/office/drawing/2014/main" id="{11571D7C-99F9-4A30-B5A2-A2988F091A34}"/>
+                <a16:creationId xmlns:a16="http://schemas.microsoft.com/office/drawing/2014/main" xmlns="" id="{11571D7C-99F9-4A30-B5A2-A2988F091A34}"/>
               </a:ext>
             </a:extLst>
           </p:cNvPr>
@@ -12031,7 +13293,7 @@
           <p:cNvPr id="3" name="Content Placeholder 2">
             <a:extLst>
               <a:ext uri="{FF2B5EF4-FFF2-40B4-BE49-F238E27FC236}">
-                <a16:creationId xmlns="" xmlns:a16="http://schemas.microsoft.com/office/drawing/2014/main" id="{114BDB89-D0C0-4AD8-941E-BFC9D031585F}"/>
+                <a16:creationId xmlns:a16="http://schemas.microsoft.com/office/drawing/2014/main" xmlns="" id="{114BDB89-D0C0-4AD8-941E-BFC9D031585F}"/>
               </a:ext>
             </a:extLst>
           </p:cNvPr>
@@ -12221,10 +13483,10 @@
           <p:cNvPr id="8" name="Rectangle 7">
             <a:extLst>
               <a:ext uri="{FF2B5EF4-FFF2-40B4-BE49-F238E27FC236}">
-                <a16:creationId xmlns="" xmlns:a16="http://schemas.microsoft.com/office/drawing/2014/main" id="{3B854194-185D-494D-905C-7C7CB2E30F6E}"/>
+                <a16:creationId xmlns:a16="http://schemas.microsoft.com/office/drawing/2014/main" xmlns="" id="{3B854194-185D-494D-905C-7C7CB2E30F6E}"/>
               </a:ext>
               <a:ext uri="{C183D7F6-B498-43B3-948B-1728B52AA6E4}">
-                <adec:decorative xmlns="" xmlns:adec="http://schemas.microsoft.com/office/drawing/2017/decorative" val="1"/>
+                <adec:decorative xmlns:adec="http://schemas.microsoft.com/office/drawing/2017/decorative" xmlns="" val="1"/>
               </a:ext>
             </a:extLst>
           </p:cNvPr>
@@ -12234,7 +13496,7 @@
           <p:nvPr>
             <p:extLst>
               <p:ext uri="{386F3935-93C4-4BCD-93E2-E3B085C9AB24}">
-                <p16:designElem xmlns="" xmlns:p16="http://schemas.microsoft.com/office/powerpoint/2015/main" val="1"/>
+                <p16:designElem xmlns:p16="http://schemas.microsoft.com/office/powerpoint/2015/main" xmlns="" val="1"/>
               </p:ext>
             </p:extLst>
           </p:nvPr>
@@ -12272,7 +13534,7 @@
           <a:lstStyle/>
           <a:p>
             <a:pPr algn="ctr"/>
-            <a:endParaRPr lang="en-US"/>
+            <a:endParaRPr lang="en-US" dirty="0"/>
           </a:p>
         </p:txBody>
       </p:sp>
@@ -12281,10 +13543,10 @@
           <p:cNvPr id="10" name="Rectangle 9">
             <a:extLst>
               <a:ext uri="{FF2B5EF4-FFF2-40B4-BE49-F238E27FC236}">
-                <a16:creationId xmlns="" xmlns:a16="http://schemas.microsoft.com/office/drawing/2014/main" id="{B4F5FA0D-0104-4987-8241-EFF7C85B88DE}"/>
+                <a16:creationId xmlns:a16="http://schemas.microsoft.com/office/drawing/2014/main" xmlns="" id="{B4F5FA0D-0104-4987-8241-EFF7C85B88DE}"/>
               </a:ext>
               <a:ext uri="{C183D7F6-B498-43B3-948B-1728B52AA6E4}">
-                <adec:decorative xmlns="" xmlns:adec="http://schemas.microsoft.com/office/drawing/2017/decorative" val="1"/>
+                <adec:decorative xmlns:adec="http://schemas.microsoft.com/office/drawing/2017/decorative" xmlns="" val="1"/>
               </a:ext>
             </a:extLst>
           </p:cNvPr>
@@ -12294,7 +13556,7 @@
           <p:nvPr>
             <p:extLst>
               <p:ext uri="{386F3935-93C4-4BCD-93E2-E3B085C9AB24}">
-                <p16:designElem xmlns="" xmlns:p16="http://schemas.microsoft.com/office/powerpoint/2015/main" val="1"/>
+                <p16:designElem xmlns:p16="http://schemas.microsoft.com/office/powerpoint/2015/main" xmlns="" val="1"/>
               </p:ext>
             </p:extLst>
           </p:nvPr>
@@ -12357,7 +13619,7 @@
           <a:lstStyle/>
           <a:p>
             <a:pPr algn="ctr"/>
-            <a:endParaRPr lang="en-US"/>
+            <a:endParaRPr lang="en-US" dirty="0"/>
           </a:p>
         </p:txBody>
       </p:sp>
@@ -12366,10 +13628,10 @@
           <p:cNvPr id="12" name="Picture 11">
             <a:extLst>
               <a:ext uri="{FF2B5EF4-FFF2-40B4-BE49-F238E27FC236}">
-                <a16:creationId xmlns="" xmlns:a16="http://schemas.microsoft.com/office/drawing/2014/main" id="{2897127E-6CEF-446C-BE87-93B7C46E49D1}"/>
+                <a16:creationId xmlns:a16="http://schemas.microsoft.com/office/drawing/2014/main" xmlns="" id="{2897127E-6CEF-446C-BE87-93B7C46E49D1}"/>
               </a:ext>
               <a:ext uri="{C183D7F6-B498-43B3-948B-1728B52AA6E4}">
-                <adec:decorative xmlns="" xmlns:adec="http://schemas.microsoft.com/office/drawing/2017/decorative" val="1"/>
+                <adec:decorative xmlns:adec="http://schemas.microsoft.com/office/drawing/2017/decorative" xmlns="" val="1"/>
               </a:ext>
             </a:extLst>
           </p:cNvPr>
@@ -12379,7 +13641,7 @@
           <p:nvPr>
             <p:extLst>
               <p:ext uri="{386F3935-93C4-4BCD-93E2-E3B085C9AB24}">
-                <p16:designElem xmlns="" xmlns:p16="http://schemas.microsoft.com/office/powerpoint/2015/main" val="1"/>
+                <p16:designElem xmlns:p16="http://schemas.microsoft.com/office/powerpoint/2015/main" xmlns="" val="1"/>
               </p:ext>
             </p:extLst>
           </p:nvPr>
@@ -12411,7 +13673,7 @@
           <p:cNvPr id="2" name="Title 1">
             <a:extLst>
               <a:ext uri="{FF2B5EF4-FFF2-40B4-BE49-F238E27FC236}">
-                <a16:creationId xmlns="" xmlns:a16="http://schemas.microsoft.com/office/drawing/2014/main" id="{11571D7C-99F9-4A30-B5A2-A2988F091A34}"/>
+                <a16:creationId xmlns:a16="http://schemas.microsoft.com/office/drawing/2014/main" xmlns="" id="{11571D7C-99F9-4A30-B5A2-A2988F091A34}"/>
               </a:ext>
             </a:extLst>
           </p:cNvPr>
@@ -12571,10 +13833,10 @@
           <p:cNvPr id="10" name="Rectangle 9">
             <a:extLst>
               <a:ext uri="{FF2B5EF4-FFF2-40B4-BE49-F238E27FC236}">
-                <a16:creationId xmlns="" xmlns:a16="http://schemas.microsoft.com/office/drawing/2014/main" id="{81AEB8A9-B768-4E30-BA55-D919E6687343}"/>
+                <a16:creationId xmlns:a16="http://schemas.microsoft.com/office/drawing/2014/main" xmlns="" id="{81AEB8A9-B768-4E30-BA55-D919E6687343}"/>
               </a:ext>
               <a:ext uri="{C183D7F6-B498-43B3-948B-1728B52AA6E4}">
-                <adec:decorative xmlns="" xmlns:adec="http://schemas.microsoft.com/office/drawing/2017/decorative" val="1"/>
+                <adec:decorative xmlns:adec="http://schemas.microsoft.com/office/drawing/2017/decorative" xmlns="" val="1"/>
               </a:ext>
             </a:extLst>
           </p:cNvPr>
@@ -12584,7 +13846,7 @@
           <p:nvPr>
             <p:extLst>
               <p:ext uri="{386F3935-93C4-4BCD-93E2-E3B085C9AB24}">
-                <p16:designElem xmlns="" xmlns:p16="http://schemas.microsoft.com/office/powerpoint/2015/main" val="1"/>
+                <p16:designElem xmlns:p16="http://schemas.microsoft.com/office/powerpoint/2015/main" xmlns="" val="1"/>
               </p:ext>
             </p:extLst>
           </p:nvPr>
@@ -12641,7 +13903,7 @@
               <a:tabLst/>
               <a:defRPr/>
             </a:pPr>
-            <a:endParaRPr kumimoji="0" lang="en-US" sz="1800" b="0" i="0" u="none" strike="noStrike" kern="1200" cap="none" spc="0" normalizeH="0" baseline="0" noProof="0">
+            <a:endParaRPr kumimoji="0" lang="en-US" sz="1800" b="0" i="0" u="none" strike="noStrike" kern="1200" cap="none" spc="0" normalizeH="0" baseline="0" noProof="0" dirty="0">
               <a:ln>
                 <a:noFill/>
               </a:ln>
@@ -12663,7 +13925,7 @@
           <p:cNvPr id="2" name="Title 1">
             <a:extLst>
               <a:ext uri="{FF2B5EF4-FFF2-40B4-BE49-F238E27FC236}">
-                <a16:creationId xmlns="" xmlns:a16="http://schemas.microsoft.com/office/drawing/2014/main" id="{EB4AA099-DFCF-40F0-9DF9-51DCDD3D2329}"/>
+                <a16:creationId xmlns:a16="http://schemas.microsoft.com/office/drawing/2014/main" xmlns="" id="{EB4AA099-DFCF-40F0-9DF9-51DCDD3D2329}"/>
               </a:ext>
             </a:extLst>
           </p:cNvPr>
@@ -12705,7 +13967,7 @@
           <p:cNvPr id="5" name="Content Placeholder 4" descr="A close up of an object&#10;&#10;Description generated with high confidence">
             <a:extLst>
               <a:ext uri="{FF2B5EF4-FFF2-40B4-BE49-F238E27FC236}">
-                <a16:creationId xmlns="" xmlns:a16="http://schemas.microsoft.com/office/drawing/2014/main" id="{0B43767B-3861-4880-9DCE-DB2297AAE746}"/>
+                <a16:creationId xmlns:a16="http://schemas.microsoft.com/office/drawing/2014/main" xmlns="" id="{0B43767B-3861-4880-9DCE-DB2297AAE746}"/>
               </a:ext>
             </a:extLst>
           </p:cNvPr>

--- a/Diagrams/JP-Project-Group3_Loan_Management_System_PPT_Final_Updated.pptx
+++ b/Diagrams/JP-Project-Group3_Loan_Management_System_PPT_Final_Updated.pptx
@@ -10,16 +10,16 @@
     <p:sldId id="259" r:id="rId4"/>
     <p:sldId id="276" r:id="rId5"/>
     <p:sldId id="277" r:id="rId6"/>
-    <p:sldId id="267" r:id="rId7"/>
-    <p:sldId id="274" r:id="rId8"/>
-    <p:sldId id="272" r:id="rId9"/>
-    <p:sldId id="273" r:id="rId10"/>
-    <p:sldId id="278" r:id="rId11"/>
-    <p:sldId id="270" r:id="rId12"/>
-    <p:sldId id="263" r:id="rId13"/>
-    <p:sldId id="260" r:id="rId14"/>
-    <p:sldId id="264" r:id="rId15"/>
-    <p:sldId id="265" r:id="rId16"/>
+    <p:sldId id="280" r:id="rId7"/>
+    <p:sldId id="267" r:id="rId8"/>
+    <p:sldId id="274" r:id="rId9"/>
+    <p:sldId id="272" r:id="rId10"/>
+    <p:sldId id="273" r:id="rId11"/>
+    <p:sldId id="278" r:id="rId12"/>
+    <p:sldId id="270" r:id="rId13"/>
+    <p:sldId id="263" r:id="rId14"/>
+    <p:sldId id="260" r:id="rId15"/>
+    <p:sldId id="264" r:id="rId16"/>
     <p:sldId id="266" r:id="rId17"/>
     <p:sldId id="268" r:id="rId18"/>
     <p:sldId id="279" r:id="rId19"/>
@@ -1280,7 +1280,11 @@
         <a:p>
           <a:r>
             <a:rPr lang="en-US" dirty="0" smtClean="0"/>
-            <a:t>Rejecting the Loan Application based anytime based on Credit and property assessment</a:t>
+            <a:t>Rejecting the Loan </a:t>
+          </a:r>
+          <a:r>
+            <a:rPr lang="en-US" dirty="0" smtClean="0"/>
+            <a:t>Application</a:t>
           </a:r>
           <a:endParaRPr lang="en-US" dirty="0"/>
         </a:p>
@@ -1308,6 +1312,43 @@
         </a:p>
       </dgm:t>
     </dgm:pt>
+    <dgm:pt modelId="{E61548DB-BCFD-4512-A773-D97903DA4143}">
+      <dgm:prSet/>
+      <dgm:spPr/>
+      <dgm:t>
+        <a:bodyPr/>
+        <a:lstStyle/>
+        <a:p>
+          <a:r>
+            <a:rPr lang="en-US" dirty="0" smtClean="0"/>
+            <a:t>Employee Login and Role based Security</a:t>
+          </a:r>
+          <a:endParaRPr lang="en-US" dirty="0"/>
+        </a:p>
+      </dgm:t>
+    </dgm:pt>
+    <dgm:pt modelId="{A9425ADF-4122-4C47-8EFC-EB0DC227CD10}" type="parTrans" cxnId="{C5CF993A-C6FE-4361-9741-CB107AB5FFA0}">
+      <dgm:prSet/>
+      <dgm:spPr/>
+      <dgm:t>
+        <a:bodyPr/>
+        <a:lstStyle/>
+        <a:p>
+          <a:endParaRPr lang="en-US"/>
+        </a:p>
+      </dgm:t>
+    </dgm:pt>
+    <dgm:pt modelId="{7EF4CE5F-02F4-4A52-A3AA-9D46FEE5D79E}" type="sibTrans" cxnId="{C5CF993A-C6FE-4361-9741-CB107AB5FFA0}">
+      <dgm:prSet/>
+      <dgm:spPr/>
+      <dgm:t>
+        <a:bodyPr/>
+        <a:lstStyle/>
+        <a:p>
+          <a:endParaRPr lang="en-US"/>
+        </a:p>
+      </dgm:t>
+    </dgm:pt>
     <dgm:pt modelId="{1905D24B-D380-4979-986A-4CC763A3ABBA}" type="pres">
       <dgm:prSet presAssocID="{DA7D0D47-941A-4E90-A8C9-1BC23F98B0E9}" presName="diagram" presStyleCnt="0">
         <dgm:presLayoutVars>
@@ -1325,7 +1366,7 @@
       </dgm:t>
     </dgm:pt>
     <dgm:pt modelId="{C37E75A9-0717-4F97-B20A-B6B672615744}" type="pres">
-      <dgm:prSet presAssocID="{0FC1267D-774B-4178-91D0-53287F02507D}" presName="node" presStyleLbl="node1" presStyleIdx="0" presStyleCnt="8">
+      <dgm:prSet presAssocID="{0FC1267D-774B-4178-91D0-53287F02507D}" presName="node" presStyleLbl="node1" presStyleIdx="0" presStyleCnt="9">
         <dgm:presLayoutVars>
           <dgm:bulletEnabled val="1"/>
         </dgm:presLayoutVars>
@@ -1344,7 +1385,7 @@
       <dgm:spPr/>
     </dgm:pt>
     <dgm:pt modelId="{4104FE28-4C24-4F96-9F09-CF22C7929C2E}" type="pres">
-      <dgm:prSet presAssocID="{6C9D3587-1DD3-4CC3-9F6C-75EAF8711D10}" presName="node" presStyleLbl="node1" presStyleIdx="1" presStyleCnt="8">
+      <dgm:prSet presAssocID="{6C9D3587-1DD3-4CC3-9F6C-75EAF8711D10}" presName="node" presStyleLbl="node1" presStyleIdx="1" presStyleCnt="9">
         <dgm:presLayoutVars>
           <dgm:bulletEnabled val="1"/>
         </dgm:presLayoutVars>
@@ -1363,7 +1404,7 @@
       <dgm:spPr/>
     </dgm:pt>
     <dgm:pt modelId="{C2DAFC14-2F54-4DF2-ADD9-B89D5EFF836B}" type="pres">
-      <dgm:prSet presAssocID="{E74D1812-5660-4F93-97AD-35A104ED8F5C}" presName="node" presStyleLbl="node1" presStyleIdx="2" presStyleCnt="8">
+      <dgm:prSet presAssocID="{E74D1812-5660-4F93-97AD-35A104ED8F5C}" presName="node" presStyleLbl="node1" presStyleIdx="2" presStyleCnt="9">
         <dgm:presLayoutVars>
           <dgm:bulletEnabled val="1"/>
         </dgm:presLayoutVars>
@@ -1382,7 +1423,7 @@
       <dgm:spPr/>
     </dgm:pt>
     <dgm:pt modelId="{520DD30E-9F5B-4C4A-A5DC-0DF78E4FBA26}" type="pres">
-      <dgm:prSet presAssocID="{779B84F6-4D08-4CD4-B405-3CBEC0B76463}" presName="node" presStyleLbl="node1" presStyleIdx="3" presStyleCnt="8">
+      <dgm:prSet presAssocID="{779B84F6-4D08-4CD4-B405-3CBEC0B76463}" presName="node" presStyleLbl="node1" presStyleIdx="3" presStyleCnt="9">
         <dgm:presLayoutVars>
           <dgm:bulletEnabled val="1"/>
         </dgm:presLayoutVars>
@@ -1401,7 +1442,7 @@
       <dgm:spPr/>
     </dgm:pt>
     <dgm:pt modelId="{1C4681E6-90A5-43A5-AF1D-054F12F18D4F}" type="pres">
-      <dgm:prSet presAssocID="{9EAD06F8-FABE-43D5-919E-A10C347A0BB3}" presName="node" presStyleLbl="node1" presStyleIdx="4" presStyleCnt="8">
+      <dgm:prSet presAssocID="{9EAD06F8-FABE-43D5-919E-A10C347A0BB3}" presName="node" presStyleLbl="node1" presStyleIdx="4" presStyleCnt="9">
         <dgm:presLayoutVars>
           <dgm:bulletEnabled val="1"/>
         </dgm:presLayoutVars>
@@ -1420,7 +1461,7 @@
       <dgm:spPr/>
     </dgm:pt>
     <dgm:pt modelId="{DEA41B82-6E90-4349-AD1B-B9B98F11E069}" type="pres">
-      <dgm:prSet presAssocID="{BD4F5DE4-1CB7-4AE6-9F54-C8E00A659DFE}" presName="node" presStyleLbl="node1" presStyleIdx="5" presStyleCnt="8">
+      <dgm:prSet presAssocID="{BD4F5DE4-1CB7-4AE6-9F54-C8E00A659DFE}" presName="node" presStyleLbl="node1" presStyleIdx="5" presStyleCnt="9">
         <dgm:presLayoutVars>
           <dgm:bulletEnabled val="1"/>
         </dgm:presLayoutVars>
@@ -1439,7 +1480,7 @@
       <dgm:spPr/>
     </dgm:pt>
     <dgm:pt modelId="{04506B76-3E30-4CD8-8F67-F8597089510D}" type="pres">
-      <dgm:prSet presAssocID="{65D476E5-9F40-4D58-8999-B602D1EC245E}" presName="node" presStyleLbl="node1" presStyleIdx="6" presStyleCnt="8">
+      <dgm:prSet presAssocID="{65D476E5-9F40-4D58-8999-B602D1EC245E}" presName="node" presStyleLbl="node1" presStyleIdx="6" presStyleCnt="9">
         <dgm:presLayoutVars>
           <dgm:bulletEnabled val="1"/>
         </dgm:presLayoutVars>
@@ -1458,7 +1499,26 @@
       <dgm:spPr/>
     </dgm:pt>
     <dgm:pt modelId="{F2CA87C4-7BF9-425D-90B0-5D45FDABD5BF}" type="pres">
-      <dgm:prSet presAssocID="{36FE9671-A017-4AF2-97BD-13559F0DD70F}" presName="node" presStyleLbl="node1" presStyleIdx="7" presStyleCnt="8">
+      <dgm:prSet presAssocID="{36FE9671-A017-4AF2-97BD-13559F0DD70F}" presName="node" presStyleLbl="node1" presStyleIdx="7" presStyleCnt="9">
+        <dgm:presLayoutVars>
+          <dgm:bulletEnabled val="1"/>
+        </dgm:presLayoutVars>
+      </dgm:prSet>
+      <dgm:spPr/>
+      <dgm:t>
+        <a:bodyPr/>
+        <a:lstStyle/>
+        <a:p>
+          <a:endParaRPr lang="en-US"/>
+        </a:p>
+      </dgm:t>
+    </dgm:pt>
+    <dgm:pt modelId="{A842994B-71F4-42B4-9A90-9A3E0D9F651F}" type="pres">
+      <dgm:prSet presAssocID="{4D0BE685-6BD1-4D53-9C4B-E9A2CA16ED31}" presName="sibTrans" presStyleCnt="0"/>
+      <dgm:spPr/>
+    </dgm:pt>
+    <dgm:pt modelId="{66EA05A0-03C5-407E-A3DE-138738BB25DC}" type="pres">
+      <dgm:prSet presAssocID="{E61548DB-BCFD-4512-A773-D97903DA4143}" presName="node" presStyleLbl="node1" presStyleIdx="8" presStyleCnt="9">
         <dgm:presLayoutVars>
           <dgm:bulletEnabled val="1"/>
         </dgm:presLayoutVars>
@@ -1476,6 +1536,7 @@
   <dgm:cxnLst>
     <dgm:cxn modelId="{82ECDEF1-1700-4CA2-B2F8-ADE186F097C4}" type="presOf" srcId="{BD4F5DE4-1CB7-4AE6-9F54-C8E00A659DFE}" destId="{DEA41B82-6E90-4349-AD1B-B9B98F11E069}" srcOrd="0" destOrd="0" presId="urn:microsoft.com/office/officeart/2005/8/layout/default"/>
     <dgm:cxn modelId="{2FC287AE-37CA-4EB7-97B8-ECC49E794A92}" srcId="{DA7D0D47-941A-4E90-A8C9-1BC23F98B0E9}" destId="{779B84F6-4D08-4CD4-B405-3CBEC0B76463}" srcOrd="3" destOrd="0" parTransId="{B8C7C023-6B19-48FA-8D65-A11D157E152F}" sibTransId="{23AAF287-7DB5-4543-B322-1118B1FA6B8B}"/>
+    <dgm:cxn modelId="{AE286009-FD02-4B38-BF60-0D7CE2299399}" type="presOf" srcId="{E61548DB-BCFD-4512-A773-D97903DA4143}" destId="{66EA05A0-03C5-407E-A3DE-138738BB25DC}" srcOrd="0" destOrd="0" presId="urn:microsoft.com/office/officeart/2005/8/layout/default"/>
     <dgm:cxn modelId="{C2A799F9-0F93-49DD-9204-07AD1013C847}" type="presOf" srcId="{65D476E5-9F40-4D58-8999-B602D1EC245E}" destId="{04506B76-3E30-4CD8-8F67-F8597089510D}" srcOrd="0" destOrd="0" presId="urn:microsoft.com/office/officeart/2005/8/layout/default"/>
     <dgm:cxn modelId="{3CDEA188-1D21-4720-9EC9-E6E5DEA491E2}" type="presOf" srcId="{E74D1812-5660-4F93-97AD-35A104ED8F5C}" destId="{C2DAFC14-2F54-4DF2-ADD9-B89D5EFF836B}" srcOrd="0" destOrd="0" presId="urn:microsoft.com/office/officeart/2005/8/layout/default"/>
     <dgm:cxn modelId="{34CFF7DB-4555-44FC-A17A-55485E055DA1}" type="presOf" srcId="{779B84F6-4D08-4CD4-B405-3CBEC0B76463}" destId="{520DD30E-9F5B-4C4A-A5DC-0DF78E4FBA26}" srcOrd="0" destOrd="0" presId="urn:microsoft.com/office/officeart/2005/8/layout/default"/>
@@ -1490,6 +1551,7 @@
     <dgm:cxn modelId="{99E565EA-907E-4C33-ACAF-89EE466F63C0}" srcId="{DA7D0D47-941A-4E90-A8C9-1BC23F98B0E9}" destId="{BD4F5DE4-1CB7-4AE6-9F54-C8E00A659DFE}" srcOrd="5" destOrd="0" parTransId="{2D4B59F1-2499-4514-AF91-E94D60EF9B21}" sibTransId="{1F75260A-6106-4F94-9F12-8611EF55389F}"/>
     <dgm:cxn modelId="{835FBE2C-B697-4F57-86A2-E3CC14651C1A}" type="presOf" srcId="{36FE9671-A017-4AF2-97BD-13559F0DD70F}" destId="{F2CA87C4-7BF9-425D-90B0-5D45FDABD5BF}" srcOrd="0" destOrd="0" presId="urn:microsoft.com/office/officeart/2005/8/layout/default"/>
     <dgm:cxn modelId="{545173DF-3F81-40B1-9D9D-55A5C269E023}" srcId="{DA7D0D47-941A-4E90-A8C9-1BC23F98B0E9}" destId="{0FC1267D-774B-4178-91D0-53287F02507D}" srcOrd="0" destOrd="0" parTransId="{D86E059E-3AB6-428A-9B79-1722D1B6EF62}" sibTransId="{9296892A-5C46-4167-B5DE-6B34F30DE6DF}"/>
+    <dgm:cxn modelId="{C5CF993A-C6FE-4361-9741-CB107AB5FFA0}" srcId="{DA7D0D47-941A-4E90-A8C9-1BC23F98B0E9}" destId="{E61548DB-BCFD-4512-A773-D97903DA4143}" srcOrd="8" destOrd="0" parTransId="{A9425ADF-4122-4C47-8EFC-EB0DC227CD10}" sibTransId="{7EF4CE5F-02F4-4A52-A3AA-9D46FEE5D79E}"/>
     <dgm:cxn modelId="{A08379DF-5948-4332-AFEE-638314E65472}" srcId="{DA7D0D47-941A-4E90-A8C9-1BC23F98B0E9}" destId="{36FE9671-A017-4AF2-97BD-13559F0DD70F}" srcOrd="7" destOrd="0" parTransId="{868B9A7B-4C5E-455A-8A25-CF770D50E5B3}" sibTransId="{4D0BE685-6BD1-4D53-9C4B-E9A2CA16ED31}"/>
     <dgm:cxn modelId="{0979B354-14CA-4FCC-9046-1F7399A57060}" type="presParOf" srcId="{1905D24B-D380-4979-986A-4CC763A3ABBA}" destId="{C37E75A9-0717-4F97-B20A-B6B672615744}" srcOrd="0" destOrd="0" presId="urn:microsoft.com/office/officeart/2005/8/layout/default"/>
     <dgm:cxn modelId="{93C36435-5953-4F0F-A09F-978B1AFD538A}" type="presParOf" srcId="{1905D24B-D380-4979-986A-4CC763A3ABBA}" destId="{8352C673-ED4A-449F-90F9-F24FD8C0ABDC}" srcOrd="1" destOrd="0" presId="urn:microsoft.com/office/officeart/2005/8/layout/default"/>
@@ -1506,6 +1568,8 @@
     <dgm:cxn modelId="{473BDC03-8464-4C93-B77C-402F756FC01D}" type="presParOf" srcId="{1905D24B-D380-4979-986A-4CC763A3ABBA}" destId="{04506B76-3E30-4CD8-8F67-F8597089510D}" srcOrd="12" destOrd="0" presId="urn:microsoft.com/office/officeart/2005/8/layout/default"/>
     <dgm:cxn modelId="{0E122081-CD2C-4008-AD14-203E300F2C82}" type="presParOf" srcId="{1905D24B-D380-4979-986A-4CC763A3ABBA}" destId="{74AAAEF3-ECA8-42FF-B263-A626BFD517C0}" srcOrd="13" destOrd="0" presId="urn:microsoft.com/office/officeart/2005/8/layout/default"/>
     <dgm:cxn modelId="{B32F7B8D-55C4-4FA8-B8B3-D6C7ABADEBBD}" type="presParOf" srcId="{1905D24B-D380-4979-986A-4CC763A3ABBA}" destId="{F2CA87C4-7BF9-425D-90B0-5D45FDABD5BF}" srcOrd="14" destOrd="0" presId="urn:microsoft.com/office/officeart/2005/8/layout/default"/>
+    <dgm:cxn modelId="{B7464C85-A5EA-4D5C-A6F9-C8AB6314E82A}" type="presParOf" srcId="{1905D24B-D380-4979-986A-4CC763A3ABBA}" destId="{A842994B-71F4-42B4-9A90-9A3E0D9F651F}" srcOrd="15" destOrd="0" presId="urn:microsoft.com/office/officeart/2005/8/layout/default"/>
+    <dgm:cxn modelId="{DB611C8E-55E3-4644-93D0-42CF81CF7016}" type="presParOf" srcId="{1905D24B-D380-4979-986A-4CC763A3ABBA}" destId="{66EA05A0-03C5-407E-A3DE-138738BB25DC}" srcOrd="16" destOrd="0" presId="urn:microsoft.com/office/officeart/2005/8/layout/default"/>
   </dgm:cxnLst>
   <dgm:bg/>
   <dgm:whole/>
@@ -1576,12 +1640,12 @@
         </a:fontRef>
       </dsp:style>
       <dsp:txBody>
-        <a:bodyPr spcFirstLastPara="0" vert="horz" wrap="square" lIns="64770" tIns="64770" rIns="64770" bIns="64770" numCol="1" spcCol="1270" anchor="ctr" anchorCtr="0">
+        <a:bodyPr spcFirstLastPara="0" vert="horz" wrap="square" lIns="80010" tIns="80010" rIns="80010" bIns="80010" numCol="1" spcCol="1270" anchor="ctr" anchorCtr="0">
           <a:noAutofit/>
         </a:bodyPr>
         <a:lstStyle/>
         <a:p>
-          <a:pPr lvl="0" algn="ctr" defTabSz="755650">
+          <a:pPr lvl="0" algn="ctr" defTabSz="933450">
             <a:lnSpc>
               <a:spcPct val="90000"/>
             </a:lnSpc>
@@ -1593,10 +1657,10 @@
             </a:spcAft>
           </a:pPr>
           <a:r>
-            <a:rPr lang="en-US" sz="1700" kern="1200" dirty="0" smtClean="0"/>
+            <a:rPr lang="en-US" sz="2100" kern="1200" dirty="0" smtClean="0"/>
             <a:t>Online Loan Application by Prospect</a:t>
           </a:r>
-          <a:endParaRPr lang="en-US" sz="1700" kern="1200" dirty="0"/>
+          <a:endParaRPr lang="en-US" sz="2100" kern="1200" dirty="0"/>
         </a:p>
       </dsp:txBody>
       <dsp:txXfrm>
@@ -1620,9 +1684,9 @@
         <a:solidFill>
           <a:schemeClr val="accent1">
             <a:shade val="50000"/>
-            <a:hueOff val="195131"/>
-            <a:satOff val="-11271"/>
-            <a:lumOff val="12385"/>
+            <a:hueOff val="173450"/>
+            <a:satOff val="-10019"/>
+            <a:lumOff val="11009"/>
             <a:alphaOff val="0"/>
           </a:schemeClr>
         </a:solidFill>
@@ -1655,12 +1719,12 @@
         </a:fontRef>
       </dsp:style>
       <dsp:txBody>
-        <a:bodyPr spcFirstLastPara="0" vert="horz" wrap="square" lIns="64770" tIns="64770" rIns="64770" bIns="64770" numCol="1" spcCol="1270" anchor="ctr" anchorCtr="0">
+        <a:bodyPr spcFirstLastPara="0" vert="horz" wrap="square" lIns="80010" tIns="80010" rIns="80010" bIns="80010" numCol="1" spcCol="1270" anchor="ctr" anchorCtr="0">
           <a:noAutofit/>
         </a:bodyPr>
         <a:lstStyle/>
         <a:p>
-          <a:pPr lvl="0" algn="ctr" defTabSz="755650">
+          <a:pPr lvl="0" algn="ctr" defTabSz="933450">
             <a:lnSpc>
               <a:spcPct val="90000"/>
             </a:lnSpc>
@@ -1672,10 +1736,10 @@
             </a:spcAft>
           </a:pPr>
           <a:r>
-            <a:rPr lang="en-US" sz="1700" kern="1200" dirty="0" smtClean="0"/>
+            <a:rPr lang="en-US" sz="2100" kern="1200" dirty="0" smtClean="0"/>
             <a:t>View Prospect List by the Bank Officer </a:t>
           </a:r>
-          <a:endParaRPr lang="en-US" sz="1700" kern="1200" dirty="0"/>
+          <a:endParaRPr lang="en-US" sz="2100" kern="1200" dirty="0"/>
         </a:p>
       </dsp:txBody>
       <dsp:txXfrm>
@@ -1699,9 +1763,9 @@
         <a:solidFill>
           <a:schemeClr val="accent1">
             <a:shade val="50000"/>
-            <a:hueOff val="390263"/>
-            <a:satOff val="-22543"/>
-            <a:lumOff val="24770"/>
+            <a:hueOff val="346900"/>
+            <a:satOff val="-20038"/>
+            <a:lumOff val="22017"/>
             <a:alphaOff val="0"/>
           </a:schemeClr>
         </a:solidFill>
@@ -1734,12 +1798,12 @@
         </a:fontRef>
       </dsp:style>
       <dsp:txBody>
-        <a:bodyPr spcFirstLastPara="0" vert="horz" wrap="square" lIns="64770" tIns="64770" rIns="64770" bIns="64770" numCol="1" spcCol="1270" anchor="ctr" anchorCtr="0">
+        <a:bodyPr spcFirstLastPara="0" vert="horz" wrap="square" lIns="80010" tIns="80010" rIns="80010" bIns="80010" numCol="1" spcCol="1270" anchor="ctr" anchorCtr="0">
           <a:noAutofit/>
         </a:bodyPr>
         <a:lstStyle/>
         <a:p>
-          <a:pPr lvl="0" algn="ctr" defTabSz="755650">
+          <a:pPr lvl="0" algn="ctr" defTabSz="933450">
             <a:lnSpc>
               <a:spcPct val="90000"/>
             </a:lnSpc>
@@ -1751,10 +1815,10 @@
             </a:spcAft>
           </a:pPr>
           <a:r>
-            <a:rPr lang="en-US" sz="1700" kern="1200" dirty="0" smtClean="0"/>
+            <a:rPr lang="en-US" sz="2100" kern="1200" dirty="0" smtClean="0"/>
             <a:t>View Prospect's Details </a:t>
           </a:r>
-          <a:endParaRPr lang="en-US" sz="1700" kern="1200" dirty="0"/>
+          <a:endParaRPr lang="en-US" sz="2100" kern="1200" dirty="0"/>
         </a:p>
       </dsp:txBody>
       <dsp:txXfrm>
@@ -1778,9 +1842,9 @@
         <a:solidFill>
           <a:schemeClr val="accent1">
             <a:shade val="50000"/>
-            <a:hueOff val="585394"/>
-            <a:satOff val="-33814"/>
-            <a:lumOff val="37154"/>
+            <a:hueOff val="520350"/>
+            <a:satOff val="-30057"/>
+            <a:lumOff val="33026"/>
             <a:alphaOff val="0"/>
           </a:schemeClr>
         </a:solidFill>
@@ -1813,12 +1877,12 @@
         </a:fontRef>
       </dsp:style>
       <dsp:txBody>
-        <a:bodyPr spcFirstLastPara="0" vert="horz" wrap="square" lIns="64770" tIns="64770" rIns="64770" bIns="64770" numCol="1" spcCol="1270" anchor="ctr" anchorCtr="0">
+        <a:bodyPr spcFirstLastPara="0" vert="horz" wrap="square" lIns="80010" tIns="80010" rIns="80010" bIns="80010" numCol="1" spcCol="1270" anchor="ctr" anchorCtr="0">
           <a:noAutofit/>
         </a:bodyPr>
         <a:lstStyle/>
         <a:p>
-          <a:pPr lvl="0" algn="ctr" defTabSz="755650">
+          <a:pPr lvl="0" algn="ctr" defTabSz="933450">
             <a:lnSpc>
               <a:spcPct val="90000"/>
             </a:lnSpc>
@@ -1830,10 +1894,10 @@
             </a:spcAft>
           </a:pPr>
           <a:r>
-            <a:rPr lang="en-US" sz="1700" kern="1200" dirty="0" smtClean="0"/>
+            <a:rPr lang="en-US" sz="2100" kern="1200" dirty="0" smtClean="0"/>
             <a:t>Retrieve Applicant’s Credit History</a:t>
           </a:r>
-          <a:endParaRPr lang="en-US" sz="1700" kern="1200" dirty="0"/>
+          <a:endParaRPr lang="en-US" sz="2100" kern="1200" dirty="0"/>
         </a:p>
       </dsp:txBody>
       <dsp:txXfrm>
@@ -1857,9 +1921,9 @@
         <a:solidFill>
           <a:schemeClr val="accent1">
             <a:shade val="50000"/>
-            <a:hueOff val="780526"/>
-            <a:satOff val="-45086"/>
-            <a:lumOff val="49539"/>
+            <a:hueOff val="693800"/>
+            <a:satOff val="-40076"/>
+            <a:lumOff val="44035"/>
             <a:alphaOff val="0"/>
           </a:schemeClr>
         </a:solidFill>
@@ -1892,12 +1956,12 @@
         </a:fontRef>
       </dsp:style>
       <dsp:txBody>
-        <a:bodyPr spcFirstLastPara="0" vert="horz" wrap="square" lIns="64770" tIns="64770" rIns="64770" bIns="64770" numCol="1" spcCol="1270" anchor="ctr" anchorCtr="0">
+        <a:bodyPr spcFirstLastPara="0" vert="horz" wrap="square" lIns="80010" tIns="80010" rIns="80010" bIns="80010" numCol="1" spcCol="1270" anchor="ctr" anchorCtr="0">
           <a:noAutofit/>
         </a:bodyPr>
         <a:lstStyle/>
         <a:p>
-          <a:pPr lvl="0" algn="ctr" defTabSz="755650">
+          <a:pPr lvl="0" algn="ctr" defTabSz="933450">
             <a:lnSpc>
               <a:spcPct val="90000"/>
             </a:lnSpc>
@@ -1909,10 +1973,10 @@
             </a:spcAft>
           </a:pPr>
           <a:r>
-            <a:rPr lang="en-US" sz="1700" kern="1200" dirty="0" smtClean="0"/>
+            <a:rPr lang="en-US" sz="2100" kern="1200" dirty="0" smtClean="0"/>
             <a:t>Approving the Credit Limit by Bank Officer</a:t>
           </a:r>
-          <a:endParaRPr lang="en-US" sz="1700" kern="1200" dirty="0"/>
+          <a:endParaRPr lang="en-US" sz="2100" kern="1200" dirty="0"/>
         </a:p>
       </dsp:txBody>
       <dsp:txXfrm>
@@ -1936,9 +2000,9 @@
         <a:solidFill>
           <a:schemeClr val="accent1">
             <a:shade val="50000"/>
-            <a:hueOff val="585394"/>
-            <a:satOff val="-33814"/>
-            <a:lumOff val="37154"/>
+            <a:hueOff val="693800"/>
+            <a:satOff val="-40076"/>
+            <a:lumOff val="44035"/>
             <a:alphaOff val="0"/>
           </a:schemeClr>
         </a:solidFill>
@@ -1971,12 +2035,12 @@
         </a:fontRef>
       </dsp:style>
       <dsp:txBody>
-        <a:bodyPr spcFirstLastPara="0" vert="horz" wrap="square" lIns="64770" tIns="64770" rIns="64770" bIns="64770" numCol="1" spcCol="1270" anchor="ctr" anchorCtr="0">
+        <a:bodyPr spcFirstLastPara="0" vert="horz" wrap="square" lIns="80010" tIns="80010" rIns="80010" bIns="80010" numCol="1" spcCol="1270" anchor="ctr" anchorCtr="0">
           <a:noAutofit/>
         </a:bodyPr>
         <a:lstStyle/>
         <a:p>
-          <a:pPr lvl="0" algn="ctr" defTabSz="755650">
+          <a:pPr lvl="0" algn="ctr" defTabSz="933450">
             <a:lnSpc>
               <a:spcPct val="90000"/>
             </a:lnSpc>
@@ -1988,10 +2052,10 @@
             </a:spcAft>
           </a:pPr>
           <a:r>
-            <a:rPr lang="en-US" sz="1700" kern="1200" dirty="0" smtClean="0"/>
+            <a:rPr lang="en-US" sz="2100" kern="1200" dirty="0" smtClean="0"/>
             <a:t>Retrieving the Property Valuation from the Assessor</a:t>
           </a:r>
-          <a:endParaRPr lang="en-US" sz="1700" kern="1200" dirty="0"/>
+          <a:endParaRPr lang="en-US" sz="2100" kern="1200" dirty="0"/>
         </a:p>
       </dsp:txBody>
       <dsp:txXfrm>
@@ -2006,7 +2070,7 @@
       </dsp:nvSpPr>
       <dsp:spPr>
         <a:xfrm>
-          <a:off x="1283553" y="3166751"/>
+          <a:off x="40005" y="3166751"/>
           <a:ext cx="2260996" cy="1356598"/>
         </a:xfrm>
         <a:prstGeom prst="rect">
@@ -2015,9 +2079,9 @@
         <a:solidFill>
           <a:schemeClr val="accent1">
             <a:shade val="50000"/>
-            <a:hueOff val="390263"/>
-            <a:satOff val="-22543"/>
-            <a:lumOff val="24770"/>
+            <a:hueOff val="520350"/>
+            <a:satOff val="-30057"/>
+            <a:lumOff val="33026"/>
             <a:alphaOff val="0"/>
           </a:schemeClr>
         </a:solidFill>
@@ -2050,12 +2114,12 @@
         </a:fontRef>
       </dsp:style>
       <dsp:txBody>
-        <a:bodyPr spcFirstLastPara="0" vert="horz" wrap="square" lIns="64770" tIns="64770" rIns="64770" bIns="64770" numCol="1" spcCol="1270" anchor="ctr" anchorCtr="0">
+        <a:bodyPr spcFirstLastPara="0" vert="horz" wrap="square" lIns="80010" tIns="80010" rIns="80010" bIns="80010" numCol="1" spcCol="1270" anchor="ctr" anchorCtr="0">
           <a:noAutofit/>
         </a:bodyPr>
         <a:lstStyle/>
         <a:p>
-          <a:pPr lvl="0" algn="ctr" defTabSz="755650">
+          <a:pPr lvl="0" algn="ctr" defTabSz="933450">
             <a:lnSpc>
               <a:spcPct val="90000"/>
             </a:lnSpc>
@@ -2067,14 +2131,14 @@
             </a:spcAft>
           </a:pPr>
           <a:r>
-            <a:rPr lang="en-US" sz="1700" kern="1200" dirty="0" smtClean="0"/>
+            <a:rPr lang="en-US" sz="2100" kern="1200" dirty="0" smtClean="0"/>
             <a:t>Approving Loan Application based on the Assessment</a:t>
           </a:r>
-          <a:endParaRPr lang="en-US" sz="1700" kern="1200" dirty="0"/>
+          <a:endParaRPr lang="en-US" sz="2100" kern="1200" dirty="0"/>
         </a:p>
       </dsp:txBody>
       <dsp:txXfrm>
-        <a:off x="1283553" y="3166751"/>
+        <a:off x="40005" y="3166751"/>
         <a:ext cx="2260996" cy="1356598"/>
       </dsp:txXfrm>
     </dsp:sp>
@@ -2085,7 +2149,7 @@
       </dsp:nvSpPr>
       <dsp:spPr>
         <a:xfrm>
-          <a:off x="3770649" y="3166751"/>
+          <a:off x="2527101" y="3166751"/>
           <a:ext cx="2260996" cy="1356598"/>
         </a:xfrm>
         <a:prstGeom prst="rect">
@@ -2094,9 +2158,9 @@
         <a:solidFill>
           <a:schemeClr val="accent1">
             <a:shade val="50000"/>
-            <a:hueOff val="195131"/>
-            <a:satOff val="-11271"/>
-            <a:lumOff val="12385"/>
+            <a:hueOff val="346900"/>
+            <a:satOff val="-20038"/>
+            <a:lumOff val="22017"/>
             <a:alphaOff val="0"/>
           </a:schemeClr>
         </a:solidFill>
@@ -2129,12 +2193,12 @@
         </a:fontRef>
       </dsp:style>
       <dsp:txBody>
-        <a:bodyPr spcFirstLastPara="0" vert="horz" wrap="square" lIns="64770" tIns="64770" rIns="64770" bIns="64770" numCol="1" spcCol="1270" anchor="ctr" anchorCtr="0">
+        <a:bodyPr spcFirstLastPara="0" vert="horz" wrap="square" lIns="80010" tIns="80010" rIns="80010" bIns="80010" numCol="1" spcCol="1270" anchor="ctr" anchorCtr="0">
           <a:noAutofit/>
         </a:bodyPr>
         <a:lstStyle/>
         <a:p>
-          <a:pPr lvl="0" algn="ctr" defTabSz="755650">
+          <a:pPr lvl="0" algn="ctr" defTabSz="933450">
             <a:lnSpc>
               <a:spcPct val="90000"/>
             </a:lnSpc>
@@ -2146,14 +2210,97 @@
             </a:spcAft>
           </a:pPr>
           <a:r>
-            <a:rPr lang="en-US" sz="1700" kern="1200" dirty="0" smtClean="0"/>
-            <a:t>Rejecting the Loan Application based anytime based on Credit and property assessment</a:t>
+            <a:rPr lang="en-US" sz="2100" kern="1200" dirty="0" smtClean="0"/>
+            <a:t>Rejecting the Loan </a:t>
           </a:r>
-          <a:endParaRPr lang="en-US" sz="1700" kern="1200" dirty="0"/>
+          <a:r>
+            <a:rPr lang="en-US" sz="2100" kern="1200" dirty="0" smtClean="0"/>
+            <a:t>Application</a:t>
+          </a:r>
+          <a:endParaRPr lang="en-US" sz="2100" kern="1200" dirty="0"/>
         </a:p>
       </dsp:txBody>
       <dsp:txXfrm>
-        <a:off x="3770649" y="3166751"/>
+        <a:off x="2527101" y="3166751"/>
+        <a:ext cx="2260996" cy="1356598"/>
+      </dsp:txXfrm>
+    </dsp:sp>
+    <dsp:sp modelId="{66EA05A0-03C5-407E-A3DE-138738BB25DC}">
+      <dsp:nvSpPr>
+        <dsp:cNvPr id="0" name=""/>
+        <dsp:cNvSpPr/>
+      </dsp:nvSpPr>
+      <dsp:spPr>
+        <a:xfrm>
+          <a:off x="5014198" y="3166751"/>
+          <a:ext cx="2260996" cy="1356598"/>
+        </a:xfrm>
+        <a:prstGeom prst="rect">
+          <a:avLst/>
+        </a:prstGeom>
+        <a:solidFill>
+          <a:schemeClr val="accent1">
+            <a:shade val="50000"/>
+            <a:hueOff val="173450"/>
+            <a:satOff val="-10019"/>
+            <a:lumOff val="11009"/>
+            <a:alphaOff val="0"/>
+          </a:schemeClr>
+        </a:solidFill>
+        <a:ln w="19050" cap="flat" cmpd="sng" algn="ctr">
+          <a:solidFill>
+            <a:schemeClr val="lt1">
+              <a:hueOff val="0"/>
+              <a:satOff val="0"/>
+              <a:lumOff val="0"/>
+              <a:alphaOff val="0"/>
+            </a:schemeClr>
+          </a:solidFill>
+          <a:prstDash val="solid"/>
+          <a:miter lim="800000"/>
+        </a:ln>
+        <a:effectLst/>
+      </dsp:spPr>
+      <dsp:style>
+        <a:lnRef idx="3">
+          <a:scrgbClr r="0" g="0" b="0"/>
+        </a:lnRef>
+        <a:fillRef idx="1">
+          <a:scrgbClr r="0" g="0" b="0"/>
+        </a:fillRef>
+        <a:effectRef idx="1">
+          <a:scrgbClr r="0" g="0" b="0"/>
+        </a:effectRef>
+        <a:fontRef idx="minor">
+          <a:schemeClr val="lt1"/>
+        </a:fontRef>
+      </dsp:style>
+      <dsp:txBody>
+        <a:bodyPr spcFirstLastPara="0" vert="horz" wrap="square" lIns="80010" tIns="80010" rIns="80010" bIns="80010" numCol="1" spcCol="1270" anchor="ctr" anchorCtr="0">
+          <a:noAutofit/>
+        </a:bodyPr>
+        <a:lstStyle/>
+        <a:p>
+          <a:pPr lvl="0" algn="ctr" defTabSz="933450">
+            <a:lnSpc>
+              <a:spcPct val="90000"/>
+            </a:lnSpc>
+            <a:spcBef>
+              <a:spcPct val="0"/>
+            </a:spcBef>
+            <a:spcAft>
+              <a:spcPct val="35000"/>
+            </a:spcAft>
+          </a:pPr>
+          <a:r>
+            <a:rPr lang="en-US" sz="2100" kern="1200" dirty="0" smtClean="0"/>
+            <a:t>Employee Login and Role based Security</a:t>
+          </a:r>
+          <a:endParaRPr lang="en-US" sz="2100" kern="1200" dirty="0"/>
+        </a:p>
+      </dsp:txBody>
+      <dsp:txXfrm>
+        <a:off x="5014198" y="3166751"/>
         <a:ext cx="2260996" cy="1356598"/>
       </dsp:txXfrm>
     </dsp:sp>
@@ -6740,66 +6887,6 @@
       </p:pic>
       <p:sp>
         <p:nvSpPr>
-          <p:cNvPr id="4" name="Title 3">
-            <a:extLst>
-              <a:ext uri="{FF2B5EF4-FFF2-40B4-BE49-F238E27FC236}">
-                <a16:creationId xmlns:a16="http://schemas.microsoft.com/office/drawing/2014/main" xmlns="" id="{122EE555-3ACA-4199-99BB-87FE54C092EB}"/>
-              </a:ext>
-            </a:extLst>
-          </p:cNvPr>
-          <p:cNvSpPr>
-            <a:spLocks noGrp="1"/>
-          </p:cNvSpPr>
-          <p:nvPr>
-            <p:ph type="ctrTitle"/>
-          </p:nvPr>
-        </p:nvSpPr>
-        <p:spPr>
-          <a:xfrm>
-            <a:off x="804484" y="1191796"/>
-            <a:ext cx="10021446" cy="2976344"/>
-          </a:xfrm>
-        </p:spPr>
-        <p:txBody>
-          <a:bodyPr anchor="ctr">
-            <a:normAutofit/>
-          </a:bodyPr>
-          <a:lstStyle/>
-          <a:p>
-            <a:pPr algn="l"/>
-            <a:r>
-              <a:rPr lang="en-US" sz="6600" dirty="0" smtClean="0">
-                <a:solidFill>
-                  <a:srgbClr val="FFFFFF"/>
-                </a:solidFill>
-              </a:rPr>
-              <a:t>LOAN MANAGEMENT</a:t>
-            </a:r>
-            <a:br>
-              <a:rPr lang="en-US" sz="6600" dirty="0" smtClean="0">
-                <a:solidFill>
-                  <a:srgbClr val="FFFFFF"/>
-                </a:solidFill>
-              </a:rPr>
-            </a:br>
-            <a:r>
-              <a:rPr lang="en-US" sz="6600" dirty="0" smtClean="0">
-                <a:solidFill>
-                  <a:srgbClr val="FFFFFF"/>
-                </a:solidFill>
-              </a:rPr>
-              <a:t>SYSTEM</a:t>
-            </a:r>
-            <a:endParaRPr lang="en-US" sz="6600" dirty="0">
-              <a:solidFill>
-                <a:srgbClr val="FFFFFF"/>
-              </a:solidFill>
-            </a:endParaRPr>
-          </a:p>
-        </p:txBody>
-      </p:sp>
-      <p:sp>
-        <p:nvSpPr>
           <p:cNvPr id="7" name="Rectangle 6">
             <a:extLst>
               <a:ext uri="{FF2B5EF4-FFF2-40B4-BE49-F238E27FC236}">
@@ -6962,10 +7049,10 @@
       </p:sp>
       <p:pic>
         <p:nvPicPr>
-          <p:cNvPr id="3076" name="Picture 4" descr="Image result for java transparent">
+          <p:cNvPr id="3078" name="Picture 6" descr="Image result for jp morgan logo">
             <a:extLst>
               <a:ext uri="{FF2B5EF4-FFF2-40B4-BE49-F238E27FC236}">
-                <a16:creationId xmlns:a16="http://schemas.microsoft.com/office/drawing/2014/main" xmlns="" id="{5302CC2A-27EB-4AA2-BF40-8CA2324F61A3}"/>
+                <a16:creationId xmlns:a16="http://schemas.microsoft.com/office/drawing/2014/main" xmlns="" id="{5B537254-EC8D-4A8E-A8AF-00A12521CFA0}"/>
               </a:ext>
             </a:extLst>
           </p:cNvPr>
@@ -6975,70 +7062,7 @@
           <p:nvPr/>
         </p:nvPicPr>
         <p:blipFill>
-          <a:blip r:embed="rId3">
-            <a:extLst>
-              <a:ext uri="{BEBA8EAE-BF5A-486C-A8C5-ECC9F3942E4B}">
-                <a14:imgProps xmlns:a14="http://schemas.microsoft.com/office/drawing/2010/main">
-                  <a14:imgLayer r:embed="rId4">
-                    <a14:imgEffect>
-                      <a14:brightnessContrast bright="20000" contrast="40000"/>
-                    </a14:imgEffect>
-                  </a14:imgLayer>
-                </a14:imgProps>
-              </a:ext>
-              <a:ext uri="{28A0092B-C50C-407E-A947-70E740481C1C}">
-                <a14:useLocalDpi xmlns:a14="http://schemas.microsoft.com/office/drawing/2010/main" val="0"/>
-              </a:ext>
-            </a:extLst>
-          </a:blip>
-          <a:srcRect/>
-          <a:stretch>
-            <a:fillRect/>
-          </a:stretch>
-        </p:blipFill>
-        <p:spPr bwMode="auto">
-          <a:xfrm>
-            <a:off x="8297166" y="452003"/>
-            <a:ext cx="3261559" cy="3261559"/>
-          </a:xfrm>
-          <a:prstGeom prst="rect">
-            <a:avLst/>
-          </a:prstGeom>
-          <a:noFill/>
-          <a:effectLst>
-            <a:outerShdw blurRad="50800" dist="38100" algn="l" rotWithShape="0">
-              <a:prstClr val="black">
-                <a:alpha val="40000"/>
-              </a:prstClr>
-            </a:outerShdw>
-          </a:effectLst>
-          <a:extLst>
-            <a:ext uri="{909E8E84-426E-40DD-AFC4-6F175D3DCCD1}">
-              <a14:hiddenFill xmlns:a14="http://schemas.microsoft.com/office/drawing/2010/main">
-                <a:solidFill>
-                  <a:srgbClr val="FFFFFF"/>
-                </a:solidFill>
-              </a14:hiddenFill>
-            </a:ext>
-          </a:extLst>
-        </p:spPr>
-      </p:pic>
-      <p:pic>
-        <p:nvPicPr>
-          <p:cNvPr id="3078" name="Picture 6" descr="Image result for jp morgan logo">
-            <a:extLst>
-              <a:ext uri="{FF2B5EF4-FFF2-40B4-BE49-F238E27FC236}">
-                <a16:creationId xmlns:a16="http://schemas.microsoft.com/office/drawing/2014/main" xmlns="" id="{5B537254-EC8D-4A8E-A8AF-00A12521CFA0}"/>
-              </a:ext>
-            </a:extLst>
-          </p:cNvPr>
-          <p:cNvPicPr>
-            <a:picLocks noChangeAspect="1" noChangeArrowheads="1"/>
-          </p:cNvPicPr>
-          <p:nvPr/>
-        </p:nvPicPr>
-        <p:blipFill>
-          <a:blip r:embed="rId5" cstate="print">
+          <a:blip r:embed="rId3" cstate="print">
             <a:extLst>
               <a:ext uri="{28A0092B-C50C-407E-A947-70E740481C1C}">
                 <a14:useLocalDpi xmlns:a14="http://schemas.microsoft.com/office/drawing/2010/main" val="0"/>
@@ -7085,7 +7109,7 @@
           <p:nvPr/>
         </p:nvPicPr>
         <p:blipFill>
-          <a:blip r:embed="rId6" cstate="print">
+          <a:blip r:embed="rId4" cstate="print">
             <a:extLst>
               <a:ext uri="{28A0092B-C50C-407E-A947-70E740481C1C}">
                 <a14:useLocalDpi xmlns:a14="http://schemas.microsoft.com/office/drawing/2010/main" val="0"/>
@@ -7162,6 +7186,134 @@
         <p:spPr>
           <a:xfrm>
             <a:off x="1016997" y="6665"/>
+            <a:ext cx="1379839" cy="1379839"/>
+          </a:xfrm>
+          <a:prstGeom prst="rect">
+            <a:avLst/>
+          </a:prstGeom>
+          <a:blipFill dpi="0" rotWithShape="1">
+            <a:blip r:embed="rId5">
+              <a:extLst>
+                <a:ext uri="{28A0092B-C50C-407E-A947-70E740481C1C}">
+                  <a14:useLocalDpi xmlns:a14="http://schemas.microsoft.com/office/drawing/2010/main" val="0"/>
+                </a:ext>
+              </a:extLst>
+            </a:blip>
+            <a:srcRect/>
+            <a:stretch>
+              <a:fillRect/>
+            </a:stretch>
+          </a:blipFill>
+          <a:ln>
+            <a:solidFill>
+              <a:schemeClr val="bg1"/>
+            </a:solidFill>
+          </a:ln>
+        </p:spPr>
+        <p:style>
+          <a:lnRef idx="2">
+            <a:schemeClr val="accent1">
+              <a:shade val="50000"/>
+            </a:schemeClr>
+          </a:lnRef>
+          <a:fillRef idx="1">
+            <a:schemeClr val="accent1"/>
+          </a:fillRef>
+          <a:effectRef idx="0">
+            <a:schemeClr val="accent1"/>
+          </a:effectRef>
+          <a:fontRef idx="minor">
+            <a:schemeClr val="lt1"/>
+          </a:fontRef>
+        </p:style>
+        <p:txBody>
+          <a:bodyPr rtlCol="0" anchor="ctr"/>
+          <a:lstStyle/>
+          <a:p>
+            <a:pPr algn="ctr"/>
+            <a:endParaRPr lang="en-US" dirty="0"/>
+          </a:p>
+        </p:txBody>
+      </p:sp>
+      <p:sp>
+        <p:nvSpPr>
+          <p:cNvPr id="19" name="Rectangle 18">
+            <a:extLst>
+              <a:ext uri="{FF2B5EF4-FFF2-40B4-BE49-F238E27FC236}">
+                <a16:creationId xmlns:a16="http://schemas.microsoft.com/office/drawing/2014/main" xmlns="" id="{D3CE994F-D446-480C-830E-2B479874648A}"/>
+              </a:ext>
+            </a:extLst>
+          </p:cNvPr>
+          <p:cNvSpPr/>
+          <p:nvPr/>
+        </p:nvSpPr>
+        <p:spPr>
+          <a:xfrm>
+            <a:off x="4114757" y="0"/>
+            <a:ext cx="1379839" cy="1379839"/>
+          </a:xfrm>
+          <a:prstGeom prst="rect">
+            <a:avLst/>
+          </a:prstGeom>
+          <a:blipFill dpi="0" rotWithShape="1">
+            <a:blip r:embed="rId6">
+              <a:extLst>
+                <a:ext uri="{28A0092B-C50C-407E-A947-70E740481C1C}">
+                  <a14:useLocalDpi xmlns:a14="http://schemas.microsoft.com/office/drawing/2010/main" val="0"/>
+                </a:ext>
+              </a:extLst>
+            </a:blip>
+            <a:srcRect/>
+            <a:stretch>
+              <a:fillRect/>
+            </a:stretch>
+          </a:blipFill>
+          <a:ln>
+            <a:solidFill>
+              <a:schemeClr val="bg1"/>
+            </a:solidFill>
+          </a:ln>
+        </p:spPr>
+        <p:style>
+          <a:lnRef idx="2">
+            <a:schemeClr val="accent1">
+              <a:shade val="50000"/>
+            </a:schemeClr>
+          </a:lnRef>
+          <a:fillRef idx="1">
+            <a:schemeClr val="accent1"/>
+          </a:fillRef>
+          <a:effectRef idx="0">
+            <a:schemeClr val="accent1"/>
+          </a:effectRef>
+          <a:fontRef idx="minor">
+            <a:schemeClr val="lt1"/>
+          </a:fontRef>
+        </p:style>
+        <p:txBody>
+          <a:bodyPr rtlCol="0" anchor="ctr"/>
+          <a:lstStyle/>
+          <a:p>
+            <a:pPr algn="ctr"/>
+            <a:endParaRPr lang="en-US" dirty="0"/>
+          </a:p>
+        </p:txBody>
+      </p:sp>
+      <p:sp>
+        <p:nvSpPr>
+          <p:cNvPr id="20" name="Rectangle 19">
+            <a:extLst>
+              <a:ext uri="{FF2B5EF4-FFF2-40B4-BE49-F238E27FC236}">
+                <a16:creationId xmlns:a16="http://schemas.microsoft.com/office/drawing/2014/main" xmlns="" id="{E1EE4A63-195E-4F13-8952-73A7C7A166F6}"/>
+              </a:ext>
+            </a:extLst>
+          </p:cNvPr>
+          <p:cNvSpPr/>
+          <p:nvPr/>
+        </p:nvSpPr>
+        <p:spPr>
+          <a:xfrm>
+            <a:off x="7331659" y="6665"/>
             <a:ext cx="1379839" cy="1379839"/>
           </a:xfrm>
           <a:prstGeom prst="rect">
@@ -7211,131 +7363,285 @@
           </a:p>
         </p:txBody>
       </p:sp>
+      <p:pic>
+        <p:nvPicPr>
+          <p:cNvPr id="2" name="Picture 1"/>
+          <p:cNvPicPr>
+            <a:picLocks noChangeAspect="1"/>
+          </p:cNvPicPr>
+          <p:nvPr/>
+        </p:nvPicPr>
+        <p:blipFill>
+          <a:blip r:embed="rId8">
+            <a:extLst>
+              <a:ext uri="{28A0092B-C50C-407E-A947-70E740481C1C}">
+                <a14:useLocalDpi xmlns:a14="http://schemas.microsoft.com/office/drawing/2010/main" val="0"/>
+              </a:ext>
+            </a:extLst>
+          </a:blip>
+          <a:stretch>
+            <a:fillRect/>
+          </a:stretch>
+        </p:blipFill>
+        <p:spPr>
+          <a:xfrm>
+            <a:off x="3475044" y="2634685"/>
+            <a:ext cx="3326995" cy="1488392"/>
+          </a:xfrm>
+          <a:prstGeom prst="rect">
+            <a:avLst/>
+          </a:prstGeom>
+        </p:spPr>
+      </p:pic>
       <p:sp>
         <p:nvSpPr>
-          <p:cNvPr id="19" name="Rectangle 18">
-            <a:extLst>
-              <a:ext uri="{FF2B5EF4-FFF2-40B4-BE49-F238E27FC236}">
-                <a16:creationId xmlns:a16="http://schemas.microsoft.com/office/drawing/2014/main" xmlns="" id="{D3CE994F-D446-480C-830E-2B479874648A}"/>
-              </a:ext>
-            </a:extLst>
-          </p:cNvPr>
-          <p:cNvSpPr/>
+          <p:cNvPr id="3" name="TextBox 2"/>
+          <p:cNvSpPr txBox="1"/>
           <p:nvPr/>
         </p:nvSpPr>
         <p:spPr>
           <a:xfrm>
-            <a:off x="4114757" y="0"/>
-            <a:ext cx="1379839" cy="1379839"/>
+            <a:off x="1016997" y="1661062"/>
+            <a:ext cx="1648930" cy="369332"/>
           </a:xfrm>
           <a:prstGeom prst="rect">
             <a:avLst/>
           </a:prstGeom>
-          <a:blipFill dpi="0" rotWithShape="1">
-            <a:blip r:embed="rId8">
-              <a:extLst>
-                <a:ext uri="{28A0092B-C50C-407E-A947-70E740481C1C}">
-                  <a14:useLocalDpi xmlns:a14="http://schemas.microsoft.com/office/drawing/2010/main" val="0"/>
-                </a:ext>
-              </a:extLst>
-            </a:blip>
-            <a:srcRect/>
-            <a:stretch>
-              <a:fillRect/>
-            </a:stretch>
-          </a:blipFill>
-          <a:ln>
-            <a:solidFill>
-              <a:schemeClr val="bg1"/>
-            </a:solidFill>
-          </a:ln>
+          <a:noFill/>
         </p:spPr>
-        <p:style>
-          <a:lnRef idx="2">
-            <a:schemeClr val="accent1">
-              <a:shade val="50000"/>
-            </a:schemeClr>
-          </a:lnRef>
-          <a:fillRef idx="1">
-            <a:schemeClr val="accent1"/>
-          </a:fillRef>
-          <a:effectRef idx="0">
-            <a:schemeClr val="accent1"/>
-          </a:effectRef>
-          <a:fontRef idx="minor">
-            <a:schemeClr val="lt1"/>
-          </a:fontRef>
-        </p:style>
         <p:txBody>
-          <a:bodyPr rtlCol="0" anchor="ctr"/>
+          <a:bodyPr wrap="square" rtlCol="0">
+            <a:spAutoFit/>
+          </a:bodyPr>
           <a:lstStyle/>
           <a:p>
-            <a:pPr algn="ctr"/>
-            <a:endParaRPr lang="en-US" dirty="0"/>
+            <a:r>
+              <a:rPr lang="en-US" b="1" dirty="0" smtClean="0">
+                <a:ln w="12700" cmpd="sng">
+                  <a:solidFill>
+                    <a:schemeClr val="accent4"/>
+                  </a:solidFill>
+                  <a:prstDash val="solid"/>
+                </a:ln>
+                <a:gradFill>
+                  <a:gsLst>
+                    <a:gs pos="0">
+                      <a:schemeClr val="accent4"/>
+                    </a:gs>
+                    <a:gs pos="4000">
+                      <a:schemeClr val="accent4">
+                        <a:lumMod val="60000"/>
+                        <a:lumOff val="40000"/>
+                      </a:schemeClr>
+                    </a:gs>
+                    <a:gs pos="87000">
+                      <a:schemeClr val="accent4">
+                        <a:lumMod val="20000"/>
+                        <a:lumOff val="80000"/>
+                      </a:schemeClr>
+                    </a:gs>
+                  </a:gsLst>
+                  <a:lin ang="5400000"/>
+                </a:gradFill>
+              </a:rPr>
+              <a:t>NEHA DAWDA</a:t>
+            </a:r>
+            <a:endParaRPr lang="en-US" b="1" dirty="0">
+              <a:ln w="12700" cmpd="sng">
+                <a:solidFill>
+                  <a:schemeClr val="accent4"/>
+                </a:solidFill>
+                <a:prstDash val="solid"/>
+              </a:ln>
+              <a:gradFill>
+                <a:gsLst>
+                  <a:gs pos="0">
+                    <a:schemeClr val="accent4"/>
+                  </a:gs>
+                  <a:gs pos="4000">
+                    <a:schemeClr val="accent4">
+                      <a:lumMod val="60000"/>
+                      <a:lumOff val="40000"/>
+                    </a:schemeClr>
+                  </a:gs>
+                  <a:gs pos="87000">
+                    <a:schemeClr val="accent4">
+                      <a:lumMod val="20000"/>
+                      <a:lumOff val="80000"/>
+                    </a:schemeClr>
+                  </a:gs>
+                </a:gsLst>
+                <a:lin ang="5400000"/>
+              </a:gradFill>
+            </a:endParaRPr>
           </a:p>
         </p:txBody>
       </p:sp>
       <p:sp>
         <p:nvSpPr>
-          <p:cNvPr id="20" name="Rectangle 19">
-            <a:extLst>
-              <a:ext uri="{FF2B5EF4-FFF2-40B4-BE49-F238E27FC236}">
-                <a16:creationId xmlns:a16="http://schemas.microsoft.com/office/drawing/2014/main" xmlns="" id="{E1EE4A63-195E-4F13-8952-73A7C7A166F6}"/>
-              </a:ext>
-            </a:extLst>
-          </p:cNvPr>
-          <p:cNvSpPr/>
+          <p:cNvPr id="21" name="TextBox 20"/>
+          <p:cNvSpPr txBox="1"/>
           <p:nvPr/>
         </p:nvSpPr>
         <p:spPr>
           <a:xfrm>
-            <a:off x="7331659" y="6665"/>
-            <a:ext cx="1379839" cy="1379839"/>
+            <a:off x="3980210" y="1661062"/>
+            <a:ext cx="2098617" cy="369332"/>
           </a:xfrm>
           <a:prstGeom prst="rect">
             <a:avLst/>
           </a:prstGeom>
-          <a:blipFill dpi="0" rotWithShape="1">
-            <a:blip r:embed="rId9">
-              <a:extLst>
-                <a:ext uri="{28A0092B-C50C-407E-A947-70E740481C1C}">
-                  <a14:useLocalDpi xmlns:a14="http://schemas.microsoft.com/office/drawing/2010/main" val="0"/>
-                </a:ext>
-              </a:extLst>
-            </a:blip>
-            <a:srcRect/>
-            <a:stretch>
-              <a:fillRect/>
-            </a:stretch>
-          </a:blipFill>
-          <a:ln>
-            <a:solidFill>
-              <a:schemeClr val="bg1"/>
-            </a:solidFill>
-          </a:ln>
+          <a:noFill/>
         </p:spPr>
-        <p:style>
-          <a:lnRef idx="2">
-            <a:schemeClr val="accent1">
-              <a:shade val="50000"/>
-            </a:schemeClr>
-          </a:lnRef>
-          <a:fillRef idx="1">
-            <a:schemeClr val="accent1"/>
-          </a:fillRef>
-          <a:effectRef idx="0">
-            <a:schemeClr val="accent1"/>
-          </a:effectRef>
-          <a:fontRef idx="minor">
-            <a:schemeClr val="lt1"/>
-          </a:fontRef>
-        </p:style>
         <p:txBody>
-          <a:bodyPr rtlCol="0" anchor="ctr"/>
+          <a:bodyPr wrap="square" rtlCol="0">
+            <a:spAutoFit/>
+          </a:bodyPr>
           <a:lstStyle/>
           <a:p>
-            <a:pPr algn="ctr"/>
-            <a:endParaRPr lang="en-US" dirty="0"/>
+            <a:r>
+              <a:rPr lang="en-US" b="1" dirty="0" smtClean="0">
+                <a:ln w="12700" cmpd="sng">
+                  <a:solidFill>
+                    <a:schemeClr val="accent4"/>
+                  </a:solidFill>
+                  <a:prstDash val="solid"/>
+                </a:ln>
+                <a:gradFill>
+                  <a:gsLst>
+                    <a:gs pos="0">
+                      <a:schemeClr val="accent4"/>
+                    </a:gs>
+                    <a:gs pos="4000">
+                      <a:schemeClr val="accent4">
+                        <a:lumMod val="60000"/>
+                        <a:lumOff val="40000"/>
+                      </a:schemeClr>
+                    </a:gs>
+                    <a:gs pos="87000">
+                      <a:schemeClr val="accent4">
+                        <a:lumMod val="20000"/>
+                        <a:lumOff val="80000"/>
+                      </a:schemeClr>
+                    </a:gs>
+                  </a:gsLst>
+                  <a:lin ang="5400000"/>
+                </a:gradFill>
+              </a:rPr>
+              <a:t>SWATI DESHPANDE</a:t>
+            </a:r>
+            <a:endParaRPr lang="en-US" b="1" dirty="0">
+              <a:ln w="12700" cmpd="sng">
+                <a:solidFill>
+                  <a:schemeClr val="accent4"/>
+                </a:solidFill>
+                <a:prstDash val="solid"/>
+              </a:ln>
+              <a:gradFill>
+                <a:gsLst>
+                  <a:gs pos="0">
+                    <a:schemeClr val="accent4"/>
+                  </a:gs>
+                  <a:gs pos="4000">
+                    <a:schemeClr val="accent4">
+                      <a:lumMod val="60000"/>
+                      <a:lumOff val="40000"/>
+                    </a:schemeClr>
+                  </a:gs>
+                  <a:gs pos="87000">
+                    <a:schemeClr val="accent4">
+                      <a:lumMod val="20000"/>
+                      <a:lumOff val="80000"/>
+                    </a:schemeClr>
+                  </a:gs>
+                </a:gsLst>
+                <a:lin ang="5400000"/>
+              </a:gradFill>
+            </a:endParaRPr>
+          </a:p>
+        </p:txBody>
+      </p:sp>
+      <p:sp>
+        <p:nvSpPr>
+          <p:cNvPr id="23" name="TextBox 22"/>
+          <p:cNvSpPr txBox="1"/>
+          <p:nvPr/>
+        </p:nvSpPr>
+        <p:spPr>
+          <a:xfrm>
+            <a:off x="7168882" y="1661062"/>
+            <a:ext cx="1691784" cy="369332"/>
+          </a:xfrm>
+          <a:prstGeom prst="rect">
+            <a:avLst/>
+          </a:prstGeom>
+          <a:noFill/>
+        </p:spPr>
+        <p:txBody>
+          <a:bodyPr wrap="square" rtlCol="0">
+            <a:spAutoFit/>
+          </a:bodyPr>
+          <a:lstStyle/>
+          <a:p>
+            <a:r>
+              <a:rPr lang="en-US" b="1" dirty="0" smtClean="0">
+                <a:ln w="12700" cmpd="sng">
+                  <a:solidFill>
+                    <a:schemeClr val="accent4"/>
+                  </a:solidFill>
+                  <a:prstDash val="solid"/>
+                </a:ln>
+                <a:gradFill>
+                  <a:gsLst>
+                    <a:gs pos="0">
+                      <a:schemeClr val="accent4"/>
+                    </a:gs>
+                    <a:gs pos="4000">
+                      <a:schemeClr val="accent4">
+                        <a:lumMod val="60000"/>
+                        <a:lumOff val="40000"/>
+                      </a:schemeClr>
+                    </a:gs>
+                    <a:gs pos="87000">
+                      <a:schemeClr val="accent4">
+                        <a:lumMod val="20000"/>
+                        <a:lumOff val="80000"/>
+                      </a:schemeClr>
+                    </a:gs>
+                  </a:gsLst>
+                  <a:lin ang="5400000"/>
+                </a:gradFill>
+              </a:rPr>
+              <a:t>ANIL AWASTHI</a:t>
+            </a:r>
+            <a:endParaRPr lang="en-US" b="1" dirty="0">
+              <a:ln w="12700" cmpd="sng">
+                <a:solidFill>
+                  <a:schemeClr val="accent4"/>
+                </a:solidFill>
+                <a:prstDash val="solid"/>
+              </a:ln>
+              <a:gradFill>
+                <a:gsLst>
+                  <a:gs pos="0">
+                    <a:schemeClr val="accent4"/>
+                  </a:gs>
+                  <a:gs pos="4000">
+                    <a:schemeClr val="accent4">
+                      <a:lumMod val="60000"/>
+                      <a:lumOff val="40000"/>
+                    </a:schemeClr>
+                  </a:gs>
+                  <a:gs pos="87000">
+                    <a:schemeClr val="accent4">
+                      <a:lumMod val="20000"/>
+                      <a:lumOff val="80000"/>
+                    </a:schemeClr>
+                  </a:gs>
+                </a:gsLst>
+                <a:lin ang="5400000"/>
+              </a:gradFill>
+            </a:endParaRPr>
           </a:p>
         </p:txBody>
       </p:sp>
@@ -7378,6 +7684,104 @@
       </p:grpSpPr>
       <p:pic>
         <p:nvPicPr>
+          <p:cNvPr id="2" name="Picture 1"/>
+          <p:cNvPicPr>
+            <a:picLocks noChangeAspect="1"/>
+          </p:cNvPicPr>
+          <p:nvPr/>
+        </p:nvPicPr>
+        <p:blipFill>
+          <a:blip r:embed="rId2">
+            <a:extLst>
+              <a:ext uri="{28A0092B-C50C-407E-A947-70E740481C1C}">
+                <a14:useLocalDpi xmlns:a14="http://schemas.microsoft.com/office/drawing/2010/main" val="0"/>
+              </a:ext>
+            </a:extLst>
+          </a:blip>
+          <a:stretch>
+            <a:fillRect/>
+          </a:stretch>
+        </p:blipFill>
+        <p:spPr>
+          <a:xfrm>
+            <a:off x="0" y="619432"/>
+            <a:ext cx="12169932" cy="6238568"/>
+          </a:xfrm>
+          <a:prstGeom prst="rect">
+            <a:avLst/>
+          </a:prstGeom>
+        </p:spPr>
+      </p:pic>
+      <p:sp>
+        <p:nvSpPr>
+          <p:cNvPr id="3" name="TextBox 2"/>
+          <p:cNvSpPr txBox="1"/>
+          <p:nvPr/>
+        </p:nvSpPr>
+        <p:spPr>
+          <a:xfrm>
+            <a:off x="4675239" y="176981"/>
+            <a:ext cx="2536722" cy="369332"/>
+          </a:xfrm>
+          <a:prstGeom prst="rect">
+            <a:avLst/>
+          </a:prstGeom>
+          <a:noFill/>
+        </p:spPr>
+        <p:txBody>
+          <a:bodyPr wrap="square" rtlCol="0">
+            <a:spAutoFit/>
+          </a:bodyPr>
+          <a:lstStyle/>
+          <a:p>
+            <a:pPr algn="ctr"/>
+            <a:r>
+              <a:rPr lang="en-US" dirty="0" smtClean="0"/>
+              <a:t>SERVICES</a:t>
+            </a:r>
+            <a:endParaRPr lang="en-US" dirty="0"/>
+          </a:p>
+        </p:txBody>
+      </p:sp>
+    </p:spTree>
+    <p:extLst>
+      <p:ext uri="{BB962C8B-B14F-4D97-AF65-F5344CB8AC3E}">
+        <p14:creationId xmlns:p14="http://schemas.microsoft.com/office/powerpoint/2010/main" val="2808774570"/>
+      </p:ext>
+    </p:extLst>
+  </p:cSld>
+  <p:clrMapOvr>
+    <a:masterClrMapping/>
+  </p:clrMapOvr>
+  <p:timing>
+    <p:tnLst>
+      <p:par>
+        <p:cTn id="1" dur="indefinite" restart="never" nodeType="tmRoot"/>
+      </p:par>
+    </p:tnLst>
+  </p:timing>
+</p:sld>
+</file>
+
+<file path=ppt/slides/slide11.xml><?xml version="1.0" encoding="utf-8"?>
+<p:sld xmlns:a="http://schemas.openxmlformats.org/drawingml/2006/main" xmlns:r="http://schemas.openxmlformats.org/officeDocument/2006/relationships" xmlns:p="http://schemas.openxmlformats.org/presentationml/2006/main">
+  <p:cSld>
+    <p:spTree>
+      <p:nvGrpSpPr>
+        <p:cNvPr id="1" name=""/>
+        <p:cNvGrpSpPr/>
+        <p:nvPr/>
+      </p:nvGrpSpPr>
+      <p:grpSpPr>
+        <a:xfrm>
+          <a:off x="0" y="0"/>
+          <a:ext cx="0" cy="0"/>
+          <a:chOff x="0" y="0"/>
+          <a:chExt cx="0" cy="0"/>
+        </a:xfrm>
+      </p:grpSpPr>
+      <p:pic>
+        <p:nvPicPr>
           <p:cNvPr id="3" name="Picture 2"/>
           <p:cNvPicPr>
             <a:picLocks noChangeAspect="1"/>
@@ -7457,7 +7861,7 @@
 </p:sld>
 </file>
 
-<file path=ppt/slides/slide11.xml><?xml version="1.0" encoding="utf-8"?>
+<file path=ppt/slides/slide12.xml><?xml version="1.0" encoding="utf-8"?>
 <p:sld xmlns:a="http://schemas.openxmlformats.org/drawingml/2006/main" xmlns:r="http://schemas.openxmlformats.org/officeDocument/2006/relationships" xmlns:p="http://schemas.openxmlformats.org/presentationml/2006/main">
   <p:cSld>
     <p:spTree>
@@ -7561,7 +7965,7 @@
 </p:sld>
 </file>
 
-<file path=ppt/slides/slide12.xml><?xml version="1.0" encoding="utf-8"?>
+<file path=ppt/slides/slide13.xml><?xml version="1.0" encoding="utf-8"?>
 <p:sld xmlns:a="http://schemas.openxmlformats.org/drawingml/2006/main" xmlns:r="http://schemas.openxmlformats.org/officeDocument/2006/relationships" xmlns:p="http://schemas.openxmlformats.org/presentationml/2006/main">
   <p:cSld>
     <p:bg>
@@ -9412,7 +9816,21 @@
                 <a:latin typeface="Arial" panose="020B0604020202020204" pitchFamily="34" charset="0"/>
                 <a:cs typeface="Arial" panose="020B0604020202020204" pitchFamily="34" charset="0"/>
               </a:rPr>
-              <a:t>Credit Limit System, Document Verifyier and Property Assessor Systems are third party systems</a:t>
+              <a:t>Credit Limit System, Document </a:t>
+            </a:r>
+            <a:r>
+              <a:rPr lang="en-US" sz="2000" dirty="0" smtClean="0">
+                <a:latin typeface="Arial" panose="020B0604020202020204" pitchFamily="34" charset="0"/>
+                <a:cs typeface="Arial" panose="020B0604020202020204" pitchFamily="34" charset="0"/>
+              </a:rPr>
+              <a:t>Verifier </a:t>
+            </a:r>
+            <a:r>
+              <a:rPr lang="en-US" sz="2000" dirty="0" smtClean="0">
+                <a:latin typeface="Arial" panose="020B0604020202020204" pitchFamily="34" charset="0"/>
+                <a:cs typeface="Arial" panose="020B0604020202020204" pitchFamily="34" charset="0"/>
+              </a:rPr>
+              <a:t>and Property Assessor Systems are third party systems</a:t>
             </a:r>
             <a:endParaRPr lang="en-US" sz="2000" dirty="0" smtClean="0"/>
           </a:p>
@@ -9435,8 +9853,33 @@
                 <a:latin typeface="Arial" panose="020B0604020202020204" pitchFamily="34" charset="0"/>
                 <a:cs typeface="Arial" panose="020B0604020202020204" pitchFamily="34" charset="0"/>
               </a:rPr>
-              <a:t>Online Application Process</a:t>
+              <a:t>Online </a:t>
             </a:r>
+            <a:r>
+              <a:rPr lang="en-US" sz="2000" dirty="0" smtClean="0">
+                <a:latin typeface="Arial" panose="020B0604020202020204" pitchFamily="34" charset="0"/>
+                <a:cs typeface="Arial" panose="020B0604020202020204" pitchFamily="34" charset="0"/>
+              </a:rPr>
+              <a:t>Loan Application for Home </a:t>
+            </a:r>
+            <a:r>
+              <a:rPr lang="en-US" sz="2000" dirty="0" smtClean="0">
+                <a:latin typeface="Arial" panose="020B0604020202020204" pitchFamily="34" charset="0"/>
+                <a:cs typeface="Arial" panose="020B0604020202020204" pitchFamily="34" charset="0"/>
+              </a:rPr>
+              <a:t>Loan </a:t>
+            </a:r>
+            <a:r>
+              <a:rPr lang="en-US" sz="2000" dirty="0" smtClean="0">
+                <a:latin typeface="Arial" panose="020B0604020202020204" pitchFamily="34" charset="0"/>
+                <a:cs typeface="Arial" panose="020B0604020202020204" pitchFamily="34" charset="0"/>
+              </a:rPr>
+              <a:t>Process</a:t>
+            </a:r>
+            <a:endParaRPr lang="en-US" sz="2000" dirty="0">
+              <a:latin typeface="Arial" panose="020B0604020202020204" pitchFamily="34" charset="0"/>
+              <a:cs typeface="Arial" panose="020B0604020202020204" pitchFamily="34" charset="0"/>
+            </a:endParaRPr>
           </a:p>
           <a:p>
             <a:pPr lvl="1">
@@ -9481,7 +9924,27 @@
                 <a:latin typeface="Arial" panose="020B0604020202020204" pitchFamily="34" charset="0"/>
                 <a:cs typeface="Arial" panose="020B0604020202020204" pitchFamily="34" charset="0"/>
               </a:rPr>
-              <a:t>Assessing the property against which the loan is taken</a:t>
+              <a:t>Assessing the property against which the loan is </a:t>
+            </a:r>
+            <a:r>
+              <a:rPr lang="en-US" sz="2000" dirty="0" smtClean="0">
+                <a:latin typeface="Arial" panose="020B0604020202020204" pitchFamily="34" charset="0"/>
+                <a:cs typeface="Arial" panose="020B0604020202020204" pitchFamily="34" charset="0"/>
+              </a:rPr>
+              <a:t>taken</a:t>
+            </a:r>
+          </a:p>
+          <a:p>
+            <a:pPr lvl="1">
+              <a:buFont typeface="Wingdings" panose="05000000000000000000" pitchFamily="2" charset="2"/>
+              <a:buChar char="Ø"/>
+            </a:pPr>
+            <a:r>
+              <a:rPr lang="en-US" sz="2000" dirty="0" smtClean="0">
+                <a:latin typeface="Arial" panose="020B0604020202020204" pitchFamily="34" charset="0"/>
+                <a:cs typeface="Arial" panose="020B0604020202020204" pitchFamily="34" charset="0"/>
+              </a:rPr>
+              <a:t>Employee login and role based security</a:t>
             </a:r>
             <a:endParaRPr lang="en-US" sz="2000" dirty="0">
               <a:latin typeface="Arial" panose="020B0604020202020204" pitchFamily="34" charset="0"/>
@@ -9517,7 +9980,7 @@
 </p:sld>
 </file>
 
-<file path=ppt/slides/slide13.xml><?xml version="1.0" encoding="utf-8"?>
+<file path=ppt/slides/slide14.xml><?xml version="1.0" encoding="utf-8"?>
 <p:sld xmlns:a="http://schemas.openxmlformats.org/drawingml/2006/main" xmlns:r="http://schemas.openxmlformats.org/officeDocument/2006/relationships" xmlns:p="http://schemas.openxmlformats.org/presentationml/2006/main">
   <p:cSld>
     <p:bg>
@@ -9910,7 +10373,7 @@
         </p:spPr>
         <p:txBody>
           <a:bodyPr anchor="ctr">
-            <a:normAutofit lnSpcReduction="10000"/>
+            <a:normAutofit fontScale="92500" lnSpcReduction="10000"/>
           </a:bodyPr>
           <a:lstStyle/>
           <a:p>
@@ -10066,8 +10529,38 @@
                 <a:latin typeface="Arial" panose="020B0604020202020204" pitchFamily="34" charset="0"/>
                 <a:cs typeface="Arial" panose="020B0604020202020204" pitchFamily="34" charset="0"/>
               </a:rPr>
-              <a:t>Oracle 11G</a:t>
+              <a:t>Oracle </a:t>
             </a:r>
+            <a:r>
+              <a:rPr lang="en-US" sz="2000" dirty="0" smtClean="0">
+                <a:solidFill>
+                  <a:srgbClr val="000000"/>
+                </a:solidFill>
+                <a:latin typeface="Arial" panose="020B0604020202020204" pitchFamily="34" charset="0"/>
+                <a:cs typeface="Arial" panose="020B0604020202020204" pitchFamily="34" charset="0"/>
+              </a:rPr>
+              <a:t>11G</a:t>
+            </a:r>
+          </a:p>
+          <a:p>
+            <a:pPr lvl="1"/>
+            <a:r>
+              <a:rPr lang="en-US" sz="2000" dirty="0" smtClean="0">
+                <a:solidFill>
+                  <a:srgbClr val="000000"/>
+                </a:solidFill>
+                <a:latin typeface="Arial" panose="020B0604020202020204" pitchFamily="34" charset="0"/>
+                <a:cs typeface="Arial" panose="020B0604020202020204" pitchFamily="34" charset="0"/>
+              </a:rPr>
+              <a:t>JSON Server</a:t>
+            </a:r>
+            <a:endParaRPr lang="en-US" sz="2000" dirty="0" smtClean="0">
+              <a:solidFill>
+                <a:srgbClr val="000000"/>
+              </a:solidFill>
+              <a:latin typeface="Arial" panose="020B0604020202020204" pitchFamily="34" charset="0"/>
+              <a:cs typeface="Arial" panose="020B0604020202020204" pitchFamily="34" charset="0"/>
+            </a:endParaRPr>
           </a:p>
           <a:p>
             <a:endParaRPr lang="en-US" sz="2000" dirty="0" smtClean="0">
@@ -10167,7 +10660,7 @@
 </p:sld>
 </file>
 
-<file path=ppt/slides/slide14.xml><?xml version="1.0" encoding="utf-8"?>
+<file path=ppt/slides/slide15.xml><?xml version="1.0" encoding="utf-8"?>
 <p:sld xmlns:a="http://schemas.openxmlformats.org/drawingml/2006/main" xmlns:r="http://schemas.openxmlformats.org/officeDocument/2006/relationships" xmlns:p="http://schemas.openxmlformats.org/presentationml/2006/main">
   <p:cSld>
     <p:bg>
@@ -10351,7 +10844,7 @@
             <p:ph idx="1"/>
             <p:extLst>
               <p:ext uri="{D42A27DB-BD31-4B8C-83A1-F6EECF244321}">
-                <p14:modId xmlns:p14="http://schemas.microsoft.com/office/powerpoint/2010/main" val="2610155987"/>
+                <p14:modId xmlns:p14="http://schemas.microsoft.com/office/powerpoint/2010/main" val="2825519428"/>
               </p:ext>
             </p:extLst>
           </p:nvPr>
@@ -10376,856 +10869,13 @@
   <p:clrMapOvr>
     <a:masterClrMapping/>
   </p:clrMapOvr>
-</p:sld>
-</file>
-
-<file path=ppt/slides/slide15.xml><?xml version="1.0" encoding="utf-8"?>
-<p:sld xmlns:a="http://schemas.openxmlformats.org/drawingml/2006/main" xmlns:r="http://schemas.openxmlformats.org/officeDocument/2006/relationships" xmlns:p="http://schemas.openxmlformats.org/presentationml/2006/main">
-  <p:cSld>
-    <p:bg>
-      <p:bgPr>
-        <a:solidFill>
-          <a:schemeClr val="bg1"/>
-        </a:solidFill>
-        <a:effectLst/>
-      </p:bgPr>
-    </p:bg>
-    <p:spTree>
-      <p:nvGrpSpPr>
-        <p:cNvPr id="1" name=""/>
-        <p:cNvGrpSpPr/>
-        <p:nvPr/>
-      </p:nvGrpSpPr>
-      <p:grpSpPr>
-        <a:xfrm>
-          <a:off x="0" y="0"/>
-          <a:ext cx="0" cy="0"/>
-          <a:chOff x="0" y="0"/>
-          <a:chExt cx="0" cy="0"/>
-        </a:xfrm>
-      </p:grpSpPr>
-      <p:sp>
-        <p:nvSpPr>
-          <p:cNvPr id="2" name="Title 1">
-            <a:extLst>
-              <a:ext uri="{FF2B5EF4-FFF2-40B4-BE49-F238E27FC236}">
-                <a16:creationId xmlns:a16="http://schemas.microsoft.com/office/drawing/2014/main" xmlns="" id="{EB4AA099-DFCF-40F0-9DF9-51DCDD3D2329}"/>
-              </a:ext>
-            </a:extLst>
-          </p:cNvPr>
-          <p:cNvSpPr>
-            <a:spLocks noGrp="1"/>
-          </p:cNvSpPr>
-          <p:nvPr>
-            <p:ph type="title"/>
-          </p:nvPr>
-        </p:nvSpPr>
-        <p:spPr>
-          <a:xfrm>
-            <a:off x="838200" y="365125"/>
-            <a:ext cx="10515600" cy="690943"/>
-          </a:xfrm>
-          <a:solidFill>
-            <a:srgbClr val="0070C0"/>
-          </a:solidFill>
-        </p:spPr>
-        <p:txBody>
-          <a:bodyPr vert="horz" lIns="91440" tIns="45720" rIns="91440" bIns="45720" rtlCol="0" anchor="ctr">
-            <a:normAutofit fontScale="90000"/>
-          </a:bodyPr>
-          <a:lstStyle/>
-          <a:p>
-            <a:r>
-              <a:rPr lang="en-US" dirty="0" smtClean="0"/>
-              <a:t>                   </a:t>
-            </a:r>
-            <a:r>
-              <a:rPr lang="en-US" dirty="0" smtClean="0">
-                <a:solidFill>
-                  <a:srgbClr val="FFFFFF"/>
-                </a:solidFill>
-              </a:rPr>
-              <a:t>APPLICATION ARCHITECTURE</a:t>
-            </a:r>
-            <a:endParaRPr lang="en-US" kern="1200" dirty="0">
-              <a:solidFill>
-                <a:srgbClr val="FFFFFF"/>
-              </a:solidFill>
-            </a:endParaRPr>
-          </a:p>
-        </p:txBody>
-      </p:sp>
-      <p:sp>
-        <p:nvSpPr>
-          <p:cNvPr id="4" name="Can 3"/>
-          <p:cNvSpPr/>
-          <p:nvPr/>
-        </p:nvSpPr>
-        <p:spPr>
-          <a:xfrm>
-            <a:off x="10380372" y="2614410"/>
-            <a:ext cx="1326524" cy="1970469"/>
-          </a:xfrm>
-          <a:prstGeom prst="can">
-            <a:avLst/>
-          </a:prstGeom>
-        </p:spPr>
-        <p:style>
-          <a:lnRef idx="2">
-            <a:schemeClr val="accent1">
-              <a:shade val="50000"/>
-            </a:schemeClr>
-          </a:lnRef>
-          <a:fillRef idx="1">
-            <a:schemeClr val="accent1"/>
-          </a:fillRef>
-          <a:effectRef idx="0">
-            <a:schemeClr val="accent1"/>
-          </a:effectRef>
-          <a:fontRef idx="minor">
-            <a:schemeClr val="lt1"/>
-          </a:fontRef>
-        </p:style>
-        <p:txBody>
-          <a:bodyPr rtlCol="0" anchor="ctr"/>
-          <a:lstStyle/>
-          <a:p>
-            <a:pPr algn="ctr"/>
-            <a:endParaRPr lang="en-US" dirty="0"/>
-          </a:p>
-        </p:txBody>
-      </p:sp>
-      <p:sp>
-        <p:nvSpPr>
-          <p:cNvPr id="6" name="TextBox 5"/>
-          <p:cNvSpPr txBox="1"/>
-          <p:nvPr/>
-        </p:nvSpPr>
-        <p:spPr>
-          <a:xfrm>
-            <a:off x="10560676" y="3387144"/>
-            <a:ext cx="1030310" cy="646331"/>
-          </a:xfrm>
-          <a:prstGeom prst="rect">
-            <a:avLst/>
-          </a:prstGeom>
-          <a:noFill/>
-        </p:spPr>
-        <p:txBody>
-          <a:bodyPr wrap="square" rtlCol="0">
-            <a:spAutoFit/>
-          </a:bodyPr>
-          <a:lstStyle/>
-          <a:p>
-            <a:r>
-              <a:rPr lang="en-US" dirty="0" smtClean="0">
-                <a:solidFill>
-                  <a:schemeClr val="bg1"/>
-                </a:solidFill>
-              </a:rPr>
-              <a:t>ORACLE DB</a:t>
-            </a:r>
-            <a:endParaRPr lang="en-US" dirty="0">
-              <a:solidFill>
-                <a:schemeClr val="bg1"/>
-              </a:solidFill>
-            </a:endParaRPr>
-          </a:p>
-        </p:txBody>
-      </p:sp>
-      <p:sp>
-        <p:nvSpPr>
-          <p:cNvPr id="7" name="Rectangle 6"/>
-          <p:cNvSpPr/>
-          <p:nvPr/>
-        </p:nvSpPr>
-        <p:spPr>
-          <a:xfrm>
-            <a:off x="8216721" y="1416676"/>
-            <a:ext cx="1171978" cy="5048518"/>
-          </a:xfrm>
-          <a:prstGeom prst="rect">
-            <a:avLst/>
-          </a:prstGeom>
-        </p:spPr>
-        <p:style>
-          <a:lnRef idx="2">
-            <a:schemeClr val="accent1">
-              <a:shade val="50000"/>
-            </a:schemeClr>
-          </a:lnRef>
-          <a:fillRef idx="1">
-            <a:schemeClr val="accent1"/>
-          </a:fillRef>
-          <a:effectRef idx="0">
-            <a:schemeClr val="accent1"/>
-          </a:effectRef>
-          <a:fontRef idx="minor">
-            <a:schemeClr val="lt1"/>
-          </a:fontRef>
-        </p:style>
-        <p:txBody>
-          <a:bodyPr rtlCol="0" anchor="ctr"/>
-          <a:lstStyle/>
-          <a:p>
-            <a:pPr algn="ctr"/>
-            <a:endParaRPr lang="en-US" dirty="0"/>
-          </a:p>
-        </p:txBody>
-      </p:sp>
-      <p:sp>
-        <p:nvSpPr>
-          <p:cNvPr id="9" name="TextBox 8"/>
-          <p:cNvSpPr txBox="1"/>
-          <p:nvPr/>
-        </p:nvSpPr>
-        <p:spPr>
-          <a:xfrm>
-            <a:off x="8384146" y="3387144"/>
-            <a:ext cx="837127" cy="646331"/>
-          </a:xfrm>
-          <a:prstGeom prst="rect">
-            <a:avLst/>
-          </a:prstGeom>
-          <a:noFill/>
-        </p:spPr>
-        <p:txBody>
-          <a:bodyPr wrap="square" rtlCol="0">
-            <a:spAutoFit/>
-          </a:bodyPr>
-          <a:lstStyle/>
-          <a:p>
-            <a:r>
-              <a:rPr lang="en-US" dirty="0" smtClean="0">
-                <a:solidFill>
-                  <a:schemeClr val="bg1"/>
-                </a:solidFill>
-              </a:rPr>
-              <a:t>DAO LAYER</a:t>
-            </a:r>
-            <a:endParaRPr lang="en-US" dirty="0">
-              <a:solidFill>
-                <a:schemeClr val="bg1"/>
-              </a:solidFill>
-            </a:endParaRPr>
-          </a:p>
-        </p:txBody>
-      </p:sp>
-      <p:sp>
-        <p:nvSpPr>
-          <p:cNvPr id="11" name="Rectangle 10"/>
-          <p:cNvSpPr/>
-          <p:nvPr/>
-        </p:nvSpPr>
-        <p:spPr>
-          <a:xfrm>
-            <a:off x="6555346" y="1416676"/>
-            <a:ext cx="1171978" cy="5048518"/>
-          </a:xfrm>
-          <a:prstGeom prst="rect">
-            <a:avLst/>
-          </a:prstGeom>
-        </p:spPr>
-        <p:style>
-          <a:lnRef idx="2">
-            <a:schemeClr val="accent1">
-              <a:shade val="50000"/>
-            </a:schemeClr>
-          </a:lnRef>
-          <a:fillRef idx="1">
-            <a:schemeClr val="accent1"/>
-          </a:fillRef>
-          <a:effectRef idx="0">
-            <a:schemeClr val="accent1"/>
-          </a:effectRef>
-          <a:fontRef idx="minor">
-            <a:schemeClr val="lt1"/>
-          </a:fontRef>
-        </p:style>
-        <p:txBody>
-          <a:bodyPr rtlCol="0" anchor="ctr"/>
-          <a:lstStyle/>
-          <a:p>
-            <a:pPr algn="ctr"/>
-            <a:endParaRPr lang="en-US" dirty="0"/>
-          </a:p>
-        </p:txBody>
-      </p:sp>
-      <p:sp>
-        <p:nvSpPr>
-          <p:cNvPr id="12" name="TextBox 11"/>
-          <p:cNvSpPr txBox="1"/>
-          <p:nvPr/>
-        </p:nvSpPr>
-        <p:spPr>
-          <a:xfrm>
-            <a:off x="6613301" y="3324723"/>
-            <a:ext cx="1171978" cy="923330"/>
-          </a:xfrm>
-          <a:prstGeom prst="rect">
-            <a:avLst/>
-          </a:prstGeom>
-          <a:noFill/>
-        </p:spPr>
-        <p:txBody>
-          <a:bodyPr wrap="square" rtlCol="0">
-            <a:spAutoFit/>
-          </a:bodyPr>
-          <a:lstStyle/>
-          <a:p>
-            <a:r>
-              <a:rPr lang="en-US" dirty="0" smtClean="0">
-                <a:solidFill>
-                  <a:schemeClr val="bg1"/>
-                </a:solidFill>
-              </a:rPr>
-              <a:t>BUSINESS LOGIC LAYER</a:t>
-            </a:r>
-            <a:endParaRPr lang="en-US" dirty="0">
-              <a:solidFill>
-                <a:schemeClr val="bg1"/>
-              </a:solidFill>
-            </a:endParaRPr>
-          </a:p>
-        </p:txBody>
-      </p:sp>
-      <p:sp>
-        <p:nvSpPr>
-          <p:cNvPr id="13" name="Rectangle 12"/>
-          <p:cNvSpPr/>
-          <p:nvPr/>
-        </p:nvSpPr>
-        <p:spPr>
-          <a:xfrm>
-            <a:off x="4864994" y="1416676"/>
-            <a:ext cx="1171978" cy="5048518"/>
-          </a:xfrm>
-          <a:prstGeom prst="rect">
-            <a:avLst/>
-          </a:prstGeom>
-        </p:spPr>
-        <p:style>
-          <a:lnRef idx="2">
-            <a:schemeClr val="accent1">
-              <a:shade val="50000"/>
-            </a:schemeClr>
-          </a:lnRef>
-          <a:fillRef idx="1">
-            <a:schemeClr val="accent1"/>
-          </a:fillRef>
-          <a:effectRef idx="0">
-            <a:schemeClr val="accent1"/>
-          </a:effectRef>
-          <a:fontRef idx="minor">
-            <a:schemeClr val="lt1"/>
-          </a:fontRef>
-        </p:style>
-        <p:txBody>
-          <a:bodyPr rtlCol="0" anchor="ctr"/>
-          <a:lstStyle/>
-          <a:p>
-            <a:pPr algn="ctr"/>
-            <a:endParaRPr lang="en-US" dirty="0"/>
-          </a:p>
-        </p:txBody>
-      </p:sp>
-      <p:sp>
-        <p:nvSpPr>
-          <p:cNvPr id="15" name="TextBox 14"/>
-          <p:cNvSpPr txBox="1"/>
-          <p:nvPr/>
-        </p:nvSpPr>
-        <p:spPr>
-          <a:xfrm>
-            <a:off x="4977684" y="3387143"/>
-            <a:ext cx="1171978" cy="646331"/>
-          </a:xfrm>
-          <a:prstGeom prst="rect">
-            <a:avLst/>
-          </a:prstGeom>
-          <a:noFill/>
-        </p:spPr>
-        <p:txBody>
-          <a:bodyPr wrap="square" rtlCol="0">
-            <a:spAutoFit/>
-          </a:bodyPr>
-          <a:lstStyle/>
-          <a:p>
-            <a:r>
-              <a:rPr lang="en-US" dirty="0" smtClean="0">
-                <a:solidFill>
-                  <a:schemeClr val="bg1"/>
-                </a:solidFill>
-              </a:rPr>
-              <a:t>  SERVICE              LAYER</a:t>
-            </a:r>
-            <a:endParaRPr lang="en-US" dirty="0">
-              <a:solidFill>
-                <a:schemeClr val="bg1"/>
-              </a:solidFill>
-            </a:endParaRPr>
-          </a:p>
-        </p:txBody>
-      </p:sp>
-      <p:sp>
-        <p:nvSpPr>
-          <p:cNvPr id="16" name="Rectangle 15"/>
-          <p:cNvSpPr/>
-          <p:nvPr/>
-        </p:nvSpPr>
-        <p:spPr>
-          <a:xfrm>
-            <a:off x="3002386" y="1416676"/>
-            <a:ext cx="1461753" cy="5048518"/>
-          </a:xfrm>
-          <a:prstGeom prst="rect">
-            <a:avLst/>
-          </a:prstGeom>
-        </p:spPr>
-        <p:style>
-          <a:lnRef idx="2">
-            <a:schemeClr val="accent1">
-              <a:shade val="50000"/>
-            </a:schemeClr>
-          </a:lnRef>
-          <a:fillRef idx="1">
-            <a:schemeClr val="accent1"/>
-          </a:fillRef>
-          <a:effectRef idx="0">
-            <a:schemeClr val="accent1"/>
-          </a:effectRef>
-          <a:fontRef idx="minor">
-            <a:schemeClr val="lt1"/>
-          </a:fontRef>
-        </p:style>
-        <p:txBody>
-          <a:bodyPr rtlCol="0" anchor="ctr"/>
-          <a:lstStyle/>
-          <a:p>
-            <a:pPr algn="ctr"/>
-            <a:endParaRPr lang="en-US" dirty="0"/>
-          </a:p>
-        </p:txBody>
-      </p:sp>
-      <p:sp>
-        <p:nvSpPr>
-          <p:cNvPr id="17" name="TextBox 16"/>
-          <p:cNvSpPr txBox="1"/>
-          <p:nvPr/>
-        </p:nvSpPr>
-        <p:spPr>
-          <a:xfrm>
-            <a:off x="3002385" y="3387143"/>
-            <a:ext cx="1461753" cy="646331"/>
-          </a:xfrm>
-          <a:prstGeom prst="rect">
-            <a:avLst/>
-          </a:prstGeom>
-          <a:noFill/>
-        </p:spPr>
-        <p:txBody>
-          <a:bodyPr wrap="square" rtlCol="0">
-            <a:spAutoFit/>
-          </a:bodyPr>
-          <a:lstStyle/>
-          <a:p>
-            <a:r>
-              <a:rPr lang="en-US" dirty="0" smtClean="0">
-                <a:solidFill>
-                  <a:schemeClr val="bg1"/>
-                </a:solidFill>
-              </a:rPr>
-              <a:t>REST CONTROLLER</a:t>
-            </a:r>
-            <a:endParaRPr lang="en-US" dirty="0">
-              <a:solidFill>
-                <a:schemeClr val="bg1"/>
-              </a:solidFill>
-            </a:endParaRPr>
-          </a:p>
-        </p:txBody>
-      </p:sp>
-      <p:sp>
-        <p:nvSpPr>
-          <p:cNvPr id="18" name="Bevel 17"/>
-          <p:cNvSpPr/>
-          <p:nvPr/>
-        </p:nvSpPr>
-        <p:spPr>
-          <a:xfrm>
-            <a:off x="167425" y="2614410"/>
-            <a:ext cx="1725769" cy="2343956"/>
-          </a:xfrm>
-          <a:prstGeom prst="bevel">
-            <a:avLst/>
-          </a:prstGeom>
-        </p:spPr>
-        <p:style>
-          <a:lnRef idx="2">
-            <a:schemeClr val="accent1">
-              <a:shade val="50000"/>
-            </a:schemeClr>
-          </a:lnRef>
-          <a:fillRef idx="1">
-            <a:schemeClr val="accent1"/>
-          </a:fillRef>
-          <a:effectRef idx="0">
-            <a:schemeClr val="accent1"/>
-          </a:effectRef>
-          <a:fontRef idx="minor">
-            <a:schemeClr val="lt1"/>
-          </a:fontRef>
-        </p:style>
-        <p:txBody>
-          <a:bodyPr rtlCol="0" anchor="ctr"/>
-          <a:lstStyle/>
-          <a:p>
-            <a:pPr algn="ctr"/>
-            <a:endParaRPr lang="en-US" dirty="0"/>
-          </a:p>
-        </p:txBody>
-      </p:sp>
-      <p:sp>
-        <p:nvSpPr>
-          <p:cNvPr id="19" name="TextBox 18"/>
-          <p:cNvSpPr txBox="1"/>
-          <p:nvPr/>
-        </p:nvSpPr>
-        <p:spPr>
-          <a:xfrm>
-            <a:off x="541720" y="3525642"/>
-            <a:ext cx="1064115" cy="523220"/>
-          </a:xfrm>
-          <a:prstGeom prst="rect">
-            <a:avLst/>
-          </a:prstGeom>
-          <a:noFill/>
-        </p:spPr>
-        <p:txBody>
-          <a:bodyPr wrap="square" rtlCol="0">
-            <a:spAutoFit/>
-          </a:bodyPr>
-          <a:lstStyle/>
-          <a:p>
-            <a:r>
-              <a:rPr lang="en-US" dirty="0" smtClean="0"/>
-              <a:t>  </a:t>
-            </a:r>
-            <a:r>
-              <a:rPr lang="en-US" sz="2800" dirty="0" smtClean="0">
-                <a:solidFill>
-                  <a:srgbClr val="FFFFFF"/>
-                </a:solidFill>
-              </a:rPr>
-              <a:t>MVC</a:t>
-            </a:r>
-          </a:p>
-        </p:txBody>
-      </p:sp>
-      <p:cxnSp>
-        <p:nvCxnSpPr>
-          <p:cNvPr id="21" name="Straight Arrow Connector 20"/>
-          <p:cNvCxnSpPr/>
-          <p:nvPr/>
-        </p:nvCxnSpPr>
-        <p:spPr>
-          <a:xfrm>
-            <a:off x="9388699" y="3786388"/>
-            <a:ext cx="991673" cy="0"/>
-          </a:xfrm>
-          <a:prstGeom prst="straightConnector1">
-            <a:avLst/>
-          </a:prstGeom>
-          <a:ln>
-            <a:headEnd type="triangle"/>
-            <a:tailEnd type="triangle"/>
-          </a:ln>
-        </p:spPr>
-        <p:style>
-          <a:lnRef idx="1">
-            <a:schemeClr val="accent1"/>
-          </a:lnRef>
-          <a:fillRef idx="0">
-            <a:schemeClr val="accent1"/>
-          </a:fillRef>
-          <a:effectRef idx="0">
-            <a:schemeClr val="accent1"/>
-          </a:effectRef>
-          <a:fontRef idx="minor">
-            <a:schemeClr val="tx1"/>
-          </a:fontRef>
-        </p:style>
-      </p:cxnSp>
-      <p:sp>
-        <p:nvSpPr>
-          <p:cNvPr id="22" name="TextBox 21"/>
-          <p:cNvSpPr txBox="1"/>
-          <p:nvPr/>
-        </p:nvSpPr>
-        <p:spPr>
-          <a:xfrm>
-            <a:off x="9594761" y="3417056"/>
-            <a:ext cx="785611" cy="369332"/>
-          </a:xfrm>
-          <a:prstGeom prst="rect">
-            <a:avLst/>
-          </a:prstGeom>
-          <a:noFill/>
-        </p:spPr>
-        <p:txBody>
-          <a:bodyPr wrap="square" rtlCol="0">
-            <a:spAutoFit/>
-          </a:bodyPr>
-          <a:lstStyle/>
-          <a:p>
-            <a:r>
-              <a:rPr lang="en-US" dirty="0" smtClean="0"/>
-              <a:t>JPA</a:t>
-            </a:r>
-            <a:endParaRPr lang="en-US" dirty="0"/>
-          </a:p>
-        </p:txBody>
-      </p:sp>
-      <p:cxnSp>
-        <p:nvCxnSpPr>
-          <p:cNvPr id="24" name="Straight Arrow Connector 23"/>
-          <p:cNvCxnSpPr>
-            <a:stCxn id="18" idx="0"/>
-          </p:cNvCxnSpPr>
-          <p:nvPr/>
-        </p:nvCxnSpPr>
-        <p:spPr>
-          <a:xfrm>
-            <a:off x="1893194" y="3786388"/>
-            <a:ext cx="1109191" cy="0"/>
-          </a:xfrm>
-          <a:prstGeom prst="straightConnector1">
-            <a:avLst/>
-          </a:prstGeom>
-          <a:ln>
-            <a:headEnd type="triangle"/>
-            <a:tailEnd type="triangle"/>
-          </a:ln>
-        </p:spPr>
-        <p:style>
-          <a:lnRef idx="1">
-            <a:schemeClr val="accent1"/>
-          </a:lnRef>
-          <a:fillRef idx="0">
-            <a:schemeClr val="accent1"/>
-          </a:fillRef>
-          <a:effectRef idx="0">
-            <a:schemeClr val="accent1"/>
-          </a:effectRef>
-          <a:fontRef idx="minor">
-            <a:schemeClr val="tx1"/>
-          </a:fontRef>
-        </p:style>
-      </p:cxnSp>
-      <p:sp>
-        <p:nvSpPr>
-          <p:cNvPr id="25" name="TextBox 24"/>
-          <p:cNvSpPr txBox="1"/>
-          <p:nvPr/>
-        </p:nvSpPr>
-        <p:spPr>
-          <a:xfrm>
-            <a:off x="1893194" y="3387143"/>
-            <a:ext cx="1109191" cy="369332"/>
-          </a:xfrm>
-          <a:prstGeom prst="rect">
-            <a:avLst/>
-          </a:prstGeom>
-          <a:noFill/>
-        </p:spPr>
-        <p:txBody>
-          <a:bodyPr wrap="square" rtlCol="0">
-            <a:spAutoFit/>
-          </a:bodyPr>
-          <a:lstStyle/>
-          <a:p>
-            <a:r>
-              <a:rPr lang="en-US" dirty="0" smtClean="0"/>
-              <a:t>   JSON</a:t>
-            </a:r>
-            <a:endParaRPr lang="en-US" dirty="0"/>
-          </a:p>
-        </p:txBody>
-      </p:sp>
-      <p:sp>
-        <p:nvSpPr>
-          <p:cNvPr id="26" name="TextBox 25"/>
-          <p:cNvSpPr txBox="1"/>
-          <p:nvPr/>
-        </p:nvSpPr>
-        <p:spPr>
-          <a:xfrm>
-            <a:off x="1893193" y="3848808"/>
-            <a:ext cx="1109191" cy="369332"/>
-          </a:xfrm>
-          <a:prstGeom prst="rect">
-            <a:avLst/>
-          </a:prstGeom>
-          <a:noFill/>
-        </p:spPr>
-        <p:txBody>
-          <a:bodyPr wrap="square" rtlCol="0">
-            <a:spAutoFit/>
-          </a:bodyPr>
-          <a:lstStyle/>
-          <a:p>
-            <a:r>
-              <a:rPr lang="en-US" dirty="0" smtClean="0"/>
-              <a:t>   CORS</a:t>
-            </a:r>
-            <a:endParaRPr lang="en-US" dirty="0"/>
-          </a:p>
-        </p:txBody>
-      </p:sp>
-      <p:sp>
-        <p:nvSpPr>
-          <p:cNvPr id="27" name="TextBox 26"/>
-          <p:cNvSpPr txBox="1"/>
-          <p:nvPr/>
-        </p:nvSpPr>
-        <p:spPr>
-          <a:xfrm>
-            <a:off x="167425" y="2215166"/>
-            <a:ext cx="1725768" cy="369332"/>
-          </a:xfrm>
-          <a:prstGeom prst="rect">
-            <a:avLst/>
-          </a:prstGeom>
-          <a:solidFill>
-            <a:srgbClr val="FFC000"/>
-          </a:solidFill>
-        </p:spPr>
-        <p:txBody>
-          <a:bodyPr wrap="square" rtlCol="0">
-            <a:spAutoFit/>
-          </a:bodyPr>
-          <a:lstStyle/>
-          <a:p>
-            <a:r>
-              <a:rPr lang="en-US" dirty="0" smtClean="0"/>
-              <a:t>       ANGULAR</a:t>
-            </a:r>
-            <a:endParaRPr lang="en-US" dirty="0"/>
-          </a:p>
-        </p:txBody>
-      </p:sp>
-      <p:cxnSp>
-        <p:nvCxnSpPr>
-          <p:cNvPr id="29" name="Straight Arrow Connector 28"/>
-          <p:cNvCxnSpPr/>
-          <p:nvPr/>
-        </p:nvCxnSpPr>
-        <p:spPr>
-          <a:xfrm>
-            <a:off x="4464138" y="3786388"/>
-            <a:ext cx="400856" cy="0"/>
-          </a:xfrm>
-          <a:prstGeom prst="straightConnector1">
-            <a:avLst/>
-          </a:prstGeom>
-          <a:ln>
-            <a:headEnd type="triangle"/>
-            <a:tailEnd type="triangle"/>
-          </a:ln>
-        </p:spPr>
-        <p:style>
-          <a:lnRef idx="1">
-            <a:schemeClr val="accent1"/>
-          </a:lnRef>
-          <a:fillRef idx="0">
-            <a:schemeClr val="accent1"/>
-          </a:fillRef>
-          <a:effectRef idx="0">
-            <a:schemeClr val="accent1"/>
-          </a:effectRef>
-          <a:fontRef idx="minor">
-            <a:schemeClr val="tx1"/>
-          </a:fontRef>
-        </p:style>
-      </p:cxnSp>
-      <p:cxnSp>
-        <p:nvCxnSpPr>
-          <p:cNvPr id="32" name="Straight Arrow Connector 31"/>
-          <p:cNvCxnSpPr/>
-          <p:nvPr/>
-        </p:nvCxnSpPr>
-        <p:spPr>
-          <a:xfrm>
-            <a:off x="6036972" y="3848808"/>
-            <a:ext cx="518374" cy="0"/>
-          </a:xfrm>
-          <a:prstGeom prst="straightConnector1">
-            <a:avLst/>
-          </a:prstGeom>
-          <a:ln>
-            <a:headEnd type="triangle"/>
-            <a:tailEnd type="triangle"/>
-          </a:ln>
-        </p:spPr>
-        <p:style>
-          <a:lnRef idx="1">
-            <a:schemeClr val="accent1"/>
-          </a:lnRef>
-          <a:fillRef idx="0">
-            <a:schemeClr val="accent1"/>
-          </a:fillRef>
-          <a:effectRef idx="0">
-            <a:schemeClr val="accent1"/>
-          </a:effectRef>
-          <a:fontRef idx="minor">
-            <a:schemeClr val="tx1"/>
-          </a:fontRef>
-        </p:style>
-      </p:cxnSp>
-      <p:cxnSp>
-        <p:nvCxnSpPr>
-          <p:cNvPr id="36" name="Straight Arrow Connector 35"/>
-          <p:cNvCxnSpPr/>
-          <p:nvPr/>
-        </p:nvCxnSpPr>
-        <p:spPr>
-          <a:xfrm>
-            <a:off x="7727324" y="3835928"/>
-            <a:ext cx="489397" cy="12880"/>
-          </a:xfrm>
-          <a:prstGeom prst="straightConnector1">
-            <a:avLst/>
-          </a:prstGeom>
-          <a:ln>
-            <a:headEnd type="triangle"/>
-            <a:tailEnd type="triangle"/>
-          </a:ln>
-        </p:spPr>
-        <p:style>
-          <a:lnRef idx="1">
-            <a:schemeClr val="accent1"/>
-          </a:lnRef>
-          <a:fillRef idx="0">
-            <a:schemeClr val="accent1"/>
-          </a:fillRef>
-          <a:effectRef idx="0">
-            <a:schemeClr val="accent1"/>
-          </a:effectRef>
-          <a:fontRef idx="minor">
-            <a:schemeClr val="tx1"/>
-          </a:fontRef>
-        </p:style>
-      </p:cxnSp>
-    </p:spTree>
-    <p:extLst>
-      <p:ext uri="{BB962C8B-B14F-4D97-AF65-F5344CB8AC3E}">
-        <p14:creationId xmlns:p14="http://schemas.microsoft.com/office/powerpoint/2010/main" val="1952518622"/>
-      </p:ext>
-    </p:extLst>
-  </p:cSld>
-  <p:clrMapOvr>
-    <a:masterClrMapping/>
-  </p:clrMapOvr>
+  <p:timing>
+    <p:tnLst>
+      <p:par>
+        <p:cTn id="1" dur="indefinite" restart="never" nodeType="tmRoot"/>
+      </p:par>
+    </p:tnLst>
+  </p:timing>
 </p:sld>
 </file>
 
@@ -11748,7 +11398,17 @@
                   <a:srgbClr val="000000"/>
                 </a:solidFill>
               </a:rPr>
-              <a:t>Implement User, Customer and Bank employee login</a:t>
+              <a:t>Applications for Vehicle and Education Loans</a:t>
+            </a:r>
+          </a:p>
+          <a:p>
+            <a:r>
+              <a:rPr lang="en-US" sz="2000" dirty="0" smtClean="0">
+                <a:solidFill>
+                  <a:srgbClr val="000000"/>
+                </a:solidFill>
+              </a:rPr>
+              <a:t>Implement Customer workflows</a:t>
             </a:r>
             <a:endParaRPr lang="en-US" sz="2000" dirty="0">
               <a:solidFill>
@@ -11768,6 +11428,13 @@
   <p:clrMapOvr>
     <a:masterClrMapping/>
   </p:clrMapOvr>
+  <p:timing>
+    <p:tnLst>
+      <p:par>
+        <p:cTn id="1" dur="indefinite" restart="never" nodeType="tmRoot"/>
+      </p:par>
+    </p:tnLst>
+  </p:timing>
 </p:sld>
 </file>
 
@@ -12405,6 +12072,13 @@
   <p:clrMapOvr>
     <a:masterClrMapping/>
   </p:clrMapOvr>
+  <p:timing>
+    <p:tnLst>
+      <p:par>
+        <p:cTn id="1" dur="indefinite" restart="never" nodeType="tmRoot"/>
+      </p:par>
+    </p:tnLst>
+  </p:timing>
 </p:sld>
 </file>
 
@@ -13029,6 +12703,13 @@
   <p:clrMapOvr>
     <a:masterClrMapping/>
   </p:clrMapOvr>
+  <p:timing>
+    <p:tnLst>
+      <p:par>
+        <p:cTn id="1" dur="indefinite" restart="never" nodeType="tmRoot"/>
+      </p:par>
+    </p:tnLst>
+  </p:timing>
 </p:sld>
 </file>
 
@@ -13312,7 +12993,7 @@
         </p:spPr>
         <p:txBody>
           <a:bodyPr anchor="ctr">
-            <a:normAutofit fontScale="85000" lnSpcReduction="10000"/>
+            <a:normAutofit/>
           </a:bodyPr>
           <a:lstStyle/>
           <a:p>
@@ -13342,7 +13023,59 @@
                 <a:latin typeface="Arial" panose="020B0604020202020204" pitchFamily="34" charset="0"/>
                 <a:cs typeface="Arial" panose="020B0604020202020204" pitchFamily="34" charset="0"/>
               </a:rPr>
-              <a:t>Getting a loan is very tiring and complicated process in India. It may take weeks or months for loan to get approved and people have to visit the loan office again and again. “LBI” portal is a web application that can be used for applying for loan online without visiting any bank branch. Applying for loan online helps people get around despite the fact that they have to visit branch for any bank related work. The individual who needs loan can just visit our online portal. This system increases customer retention and simplify loan and EMI management. This project is designed to be used by any individual for home loan, Vehicle loan or Education loan. It is an online system through which customer can view available services its benefits and other information related to loan. The system will be based that takes the individual information and then verify if user meets the eligibility criteria. If user is satisfying all the requirements, then loan gets approved.</a:t>
+              <a:t>Getting a loan is very tiring and complicated process in India. It may take weeks or months for loan to get approved and people have to visit the loan office again and again. </a:t>
+            </a:r>
+            <a:endParaRPr lang="en-US" sz="2600" dirty="0" smtClean="0">
+              <a:latin typeface="Arial" panose="020B0604020202020204" pitchFamily="34" charset="0"/>
+              <a:cs typeface="Arial" panose="020B0604020202020204" pitchFamily="34" charset="0"/>
+            </a:endParaRPr>
+          </a:p>
+          <a:p>
+            <a:pPr marL="0" indent="0">
+              <a:buNone/>
+            </a:pPr>
+            <a:endParaRPr lang="en-US" sz="2600" dirty="0">
+              <a:latin typeface="Arial" panose="020B0604020202020204" pitchFamily="34" charset="0"/>
+              <a:cs typeface="Arial" panose="020B0604020202020204" pitchFamily="34" charset="0"/>
+            </a:endParaRPr>
+          </a:p>
+          <a:p>
+            <a:pPr>
+              <a:buFont typeface="Wingdings" panose="05000000000000000000" pitchFamily="2" charset="2"/>
+              <a:buChar char="Ø"/>
+            </a:pPr>
+            <a:r>
+              <a:rPr lang="en-US" sz="2600" dirty="0" smtClean="0">
+                <a:latin typeface="Arial" panose="020B0604020202020204" pitchFamily="34" charset="0"/>
+                <a:cs typeface="Arial" panose="020B0604020202020204" pitchFamily="34" charset="0"/>
+              </a:rPr>
+              <a:t>Design a online loan application form for an applicant</a:t>
+            </a:r>
+          </a:p>
+          <a:p>
+            <a:pPr>
+              <a:buFont typeface="Wingdings" panose="05000000000000000000" pitchFamily="2" charset="2"/>
+              <a:buChar char="Ø"/>
+            </a:pPr>
+            <a:r>
+              <a:rPr lang="en-US" sz="2600" dirty="0" smtClean="0">
+                <a:latin typeface="Arial" panose="020B0604020202020204" pitchFamily="34" charset="0"/>
+                <a:cs typeface="Arial" panose="020B0604020202020204" pitchFamily="34" charset="0"/>
+              </a:rPr>
+              <a:t>Manage the loan processing by the loan officer</a:t>
+            </a:r>
+          </a:p>
+          <a:p>
+            <a:pPr>
+              <a:buFont typeface="Wingdings" panose="05000000000000000000" pitchFamily="2" charset="2"/>
+              <a:buChar char="Ø"/>
+            </a:pPr>
+            <a:r>
+              <a:rPr lang="en-US" sz="2600" dirty="0" smtClean="0">
+                <a:latin typeface="Arial" panose="020B0604020202020204" pitchFamily="34" charset="0"/>
+                <a:cs typeface="Arial" panose="020B0604020202020204" pitchFamily="34" charset="0"/>
+              </a:rPr>
+              <a:t>Approval of the loan</a:t>
             </a:r>
           </a:p>
           <a:p>
@@ -13410,7 +13143,7 @@
       </p:grpSpPr>
       <p:pic>
         <p:nvPicPr>
-          <p:cNvPr id="8" name="Picture 7" descr="C:\Users\Administrator\Downloads\UML.png"/>
+          <p:cNvPr id="3" name="Picture 2" descr="C:\Users\Administrator\Downloads\UML_Project.png"/>
           <p:cNvPicPr/>
           <p:nvPr/>
         </p:nvPicPr>
@@ -13429,8 +13162,8 @@
         </p:blipFill>
         <p:spPr bwMode="auto">
           <a:xfrm>
-            <a:off x="824248" y="126856"/>
-            <a:ext cx="10303098" cy="6731143"/>
+            <a:off x="373487" y="128790"/>
+            <a:ext cx="11256135" cy="6729210"/>
           </a:xfrm>
           <a:prstGeom prst="rect">
             <a:avLst/>
@@ -13806,6 +13539,864 @@
 <file path=ppt/slides/slide6.xml><?xml version="1.0" encoding="utf-8"?>
 <p:sld xmlns:a="http://schemas.openxmlformats.org/drawingml/2006/main" xmlns:r="http://schemas.openxmlformats.org/officeDocument/2006/relationships" xmlns:p="http://schemas.openxmlformats.org/presentationml/2006/main">
   <p:cSld>
+    <p:spTree>
+      <p:nvGrpSpPr>
+        <p:cNvPr id="1" name=""/>
+        <p:cNvGrpSpPr/>
+        <p:nvPr/>
+      </p:nvGrpSpPr>
+      <p:grpSpPr>
+        <a:xfrm>
+          <a:off x="0" y="0"/>
+          <a:ext cx="0" cy="0"/>
+          <a:chOff x="0" y="0"/>
+          <a:chExt cx="0" cy="0"/>
+        </a:xfrm>
+      </p:grpSpPr>
+      <p:sp>
+        <p:nvSpPr>
+          <p:cNvPr id="2" name="Title 1">
+            <a:extLst>
+              <a:ext uri="{FF2B5EF4-FFF2-40B4-BE49-F238E27FC236}">
+                <a16:creationId xmlns:a16="http://schemas.microsoft.com/office/drawing/2014/main" xmlns="" id="{EB4AA099-DFCF-40F0-9DF9-51DCDD3D2329}"/>
+              </a:ext>
+            </a:extLst>
+          </p:cNvPr>
+          <p:cNvSpPr>
+            <a:spLocks noGrp="1"/>
+          </p:cNvSpPr>
+          <p:nvPr>
+            <p:ph type="title"/>
+          </p:nvPr>
+        </p:nvSpPr>
+        <p:spPr>
+          <a:xfrm>
+            <a:off x="838200" y="365125"/>
+            <a:ext cx="10515600" cy="690943"/>
+          </a:xfrm>
+          <a:solidFill>
+            <a:srgbClr val="0070C0"/>
+          </a:solidFill>
+        </p:spPr>
+        <p:txBody>
+          <a:bodyPr vert="horz" lIns="91440" tIns="45720" rIns="91440" bIns="45720" rtlCol="0" anchor="ctr">
+            <a:normAutofit fontScale="90000"/>
+          </a:bodyPr>
+          <a:lstStyle/>
+          <a:p>
+            <a:r>
+              <a:rPr lang="en-US" dirty="0" smtClean="0"/>
+              <a:t>                   </a:t>
+            </a:r>
+            <a:r>
+              <a:rPr lang="en-US" dirty="0" smtClean="0">
+                <a:solidFill>
+                  <a:srgbClr val="FFFFFF"/>
+                </a:solidFill>
+              </a:rPr>
+              <a:t>APPLICATION ARCHITECTURE</a:t>
+            </a:r>
+            <a:endParaRPr lang="en-US" kern="1200" dirty="0">
+              <a:solidFill>
+                <a:srgbClr val="FFFFFF"/>
+              </a:solidFill>
+            </a:endParaRPr>
+          </a:p>
+        </p:txBody>
+      </p:sp>
+      <p:sp>
+        <p:nvSpPr>
+          <p:cNvPr id="4" name="Can 3"/>
+          <p:cNvSpPr/>
+          <p:nvPr/>
+        </p:nvSpPr>
+        <p:spPr>
+          <a:xfrm>
+            <a:off x="10380372" y="2614410"/>
+            <a:ext cx="1326524" cy="1970469"/>
+          </a:xfrm>
+          <a:prstGeom prst="can">
+            <a:avLst/>
+          </a:prstGeom>
+        </p:spPr>
+        <p:style>
+          <a:lnRef idx="2">
+            <a:schemeClr val="accent1">
+              <a:shade val="50000"/>
+            </a:schemeClr>
+          </a:lnRef>
+          <a:fillRef idx="1">
+            <a:schemeClr val="accent1"/>
+          </a:fillRef>
+          <a:effectRef idx="0">
+            <a:schemeClr val="accent1"/>
+          </a:effectRef>
+          <a:fontRef idx="minor">
+            <a:schemeClr val="lt1"/>
+          </a:fontRef>
+        </p:style>
+        <p:txBody>
+          <a:bodyPr rtlCol="0" anchor="ctr"/>
+          <a:lstStyle/>
+          <a:p>
+            <a:pPr algn="ctr"/>
+            <a:endParaRPr lang="en-US" dirty="0"/>
+          </a:p>
+        </p:txBody>
+      </p:sp>
+      <p:sp>
+        <p:nvSpPr>
+          <p:cNvPr id="6" name="TextBox 5"/>
+          <p:cNvSpPr txBox="1"/>
+          <p:nvPr/>
+        </p:nvSpPr>
+        <p:spPr>
+          <a:xfrm>
+            <a:off x="10560676" y="3387144"/>
+            <a:ext cx="1030310" cy="646331"/>
+          </a:xfrm>
+          <a:prstGeom prst="rect">
+            <a:avLst/>
+          </a:prstGeom>
+          <a:noFill/>
+        </p:spPr>
+        <p:txBody>
+          <a:bodyPr wrap="square" rtlCol="0">
+            <a:spAutoFit/>
+          </a:bodyPr>
+          <a:lstStyle/>
+          <a:p>
+            <a:r>
+              <a:rPr lang="en-US" dirty="0" smtClean="0">
+                <a:solidFill>
+                  <a:schemeClr val="bg1"/>
+                </a:solidFill>
+              </a:rPr>
+              <a:t>ORACLE DB</a:t>
+            </a:r>
+            <a:endParaRPr lang="en-US" dirty="0">
+              <a:solidFill>
+                <a:schemeClr val="bg1"/>
+              </a:solidFill>
+            </a:endParaRPr>
+          </a:p>
+        </p:txBody>
+      </p:sp>
+      <p:sp>
+        <p:nvSpPr>
+          <p:cNvPr id="7" name="Rectangle 6"/>
+          <p:cNvSpPr/>
+          <p:nvPr/>
+        </p:nvSpPr>
+        <p:spPr>
+          <a:xfrm>
+            <a:off x="8216721" y="1416676"/>
+            <a:ext cx="1171978" cy="5048518"/>
+          </a:xfrm>
+          <a:prstGeom prst="rect">
+            <a:avLst/>
+          </a:prstGeom>
+        </p:spPr>
+        <p:style>
+          <a:lnRef idx="2">
+            <a:schemeClr val="accent1">
+              <a:shade val="50000"/>
+            </a:schemeClr>
+          </a:lnRef>
+          <a:fillRef idx="1">
+            <a:schemeClr val="accent1"/>
+          </a:fillRef>
+          <a:effectRef idx="0">
+            <a:schemeClr val="accent1"/>
+          </a:effectRef>
+          <a:fontRef idx="minor">
+            <a:schemeClr val="lt1"/>
+          </a:fontRef>
+        </p:style>
+        <p:txBody>
+          <a:bodyPr rtlCol="0" anchor="ctr"/>
+          <a:lstStyle/>
+          <a:p>
+            <a:pPr algn="ctr"/>
+            <a:endParaRPr lang="en-US" dirty="0"/>
+          </a:p>
+        </p:txBody>
+      </p:sp>
+      <p:sp>
+        <p:nvSpPr>
+          <p:cNvPr id="9" name="TextBox 8"/>
+          <p:cNvSpPr txBox="1"/>
+          <p:nvPr/>
+        </p:nvSpPr>
+        <p:spPr>
+          <a:xfrm>
+            <a:off x="8384146" y="3387144"/>
+            <a:ext cx="837127" cy="646331"/>
+          </a:xfrm>
+          <a:prstGeom prst="rect">
+            <a:avLst/>
+          </a:prstGeom>
+          <a:noFill/>
+        </p:spPr>
+        <p:txBody>
+          <a:bodyPr wrap="square" rtlCol="0">
+            <a:spAutoFit/>
+          </a:bodyPr>
+          <a:lstStyle/>
+          <a:p>
+            <a:r>
+              <a:rPr lang="en-US" dirty="0" smtClean="0">
+                <a:solidFill>
+                  <a:schemeClr val="bg1"/>
+                </a:solidFill>
+              </a:rPr>
+              <a:t>DAO LAYER</a:t>
+            </a:r>
+            <a:endParaRPr lang="en-US" dirty="0">
+              <a:solidFill>
+                <a:schemeClr val="bg1"/>
+              </a:solidFill>
+            </a:endParaRPr>
+          </a:p>
+        </p:txBody>
+      </p:sp>
+      <p:sp>
+        <p:nvSpPr>
+          <p:cNvPr id="11" name="Rectangle 10"/>
+          <p:cNvSpPr/>
+          <p:nvPr/>
+        </p:nvSpPr>
+        <p:spPr>
+          <a:xfrm>
+            <a:off x="6181859" y="1416676"/>
+            <a:ext cx="1545465" cy="5048518"/>
+          </a:xfrm>
+          <a:prstGeom prst="rect">
+            <a:avLst/>
+          </a:prstGeom>
+        </p:spPr>
+        <p:style>
+          <a:lnRef idx="2">
+            <a:schemeClr val="accent1">
+              <a:shade val="50000"/>
+            </a:schemeClr>
+          </a:lnRef>
+          <a:fillRef idx="1">
+            <a:schemeClr val="accent1"/>
+          </a:fillRef>
+          <a:effectRef idx="0">
+            <a:schemeClr val="accent1"/>
+          </a:effectRef>
+          <a:fontRef idx="minor">
+            <a:schemeClr val="lt1"/>
+          </a:fontRef>
+        </p:style>
+        <p:txBody>
+          <a:bodyPr rtlCol="0" anchor="ctr"/>
+          <a:lstStyle/>
+          <a:p>
+            <a:pPr algn="ctr"/>
+            <a:endParaRPr lang="en-US" dirty="0"/>
+          </a:p>
+        </p:txBody>
+      </p:sp>
+      <p:sp>
+        <p:nvSpPr>
+          <p:cNvPr id="12" name="TextBox 11"/>
+          <p:cNvSpPr txBox="1"/>
+          <p:nvPr/>
+        </p:nvSpPr>
+        <p:spPr>
+          <a:xfrm>
+            <a:off x="6181859" y="3324723"/>
+            <a:ext cx="1603420" cy="923330"/>
+          </a:xfrm>
+          <a:prstGeom prst="rect">
+            <a:avLst/>
+          </a:prstGeom>
+          <a:noFill/>
+        </p:spPr>
+        <p:txBody>
+          <a:bodyPr wrap="square" rtlCol="0">
+            <a:spAutoFit/>
+          </a:bodyPr>
+          <a:lstStyle/>
+          <a:p>
+            <a:r>
+              <a:rPr lang="en-US" dirty="0" smtClean="0">
+                <a:solidFill>
+                  <a:schemeClr val="bg1"/>
+                </a:solidFill>
+              </a:rPr>
+              <a:t>SERVICE/ BUSINESS </a:t>
+            </a:r>
+            <a:r>
+              <a:rPr lang="en-US" dirty="0" smtClean="0">
+                <a:solidFill>
+                  <a:schemeClr val="bg1"/>
+                </a:solidFill>
+              </a:rPr>
+              <a:t>LOGIC LAYER</a:t>
+            </a:r>
+            <a:endParaRPr lang="en-US" dirty="0">
+              <a:solidFill>
+                <a:schemeClr val="bg1"/>
+              </a:solidFill>
+            </a:endParaRPr>
+          </a:p>
+        </p:txBody>
+      </p:sp>
+      <p:sp>
+        <p:nvSpPr>
+          <p:cNvPr id="16" name="Rectangle 15"/>
+          <p:cNvSpPr/>
+          <p:nvPr/>
+        </p:nvSpPr>
+        <p:spPr>
+          <a:xfrm>
+            <a:off x="4204951" y="1416676"/>
+            <a:ext cx="1461753" cy="5048518"/>
+          </a:xfrm>
+          <a:prstGeom prst="rect">
+            <a:avLst/>
+          </a:prstGeom>
+        </p:spPr>
+        <p:style>
+          <a:lnRef idx="2">
+            <a:schemeClr val="accent1">
+              <a:shade val="50000"/>
+            </a:schemeClr>
+          </a:lnRef>
+          <a:fillRef idx="1">
+            <a:schemeClr val="accent1"/>
+          </a:fillRef>
+          <a:effectRef idx="0">
+            <a:schemeClr val="accent1"/>
+          </a:effectRef>
+          <a:fontRef idx="minor">
+            <a:schemeClr val="lt1"/>
+          </a:fontRef>
+        </p:style>
+        <p:txBody>
+          <a:bodyPr rtlCol="0" anchor="ctr"/>
+          <a:lstStyle/>
+          <a:p>
+            <a:pPr algn="ctr"/>
+            <a:endParaRPr lang="en-US" dirty="0"/>
+          </a:p>
+        </p:txBody>
+      </p:sp>
+      <p:sp>
+        <p:nvSpPr>
+          <p:cNvPr id="17" name="TextBox 16"/>
+          <p:cNvSpPr txBox="1"/>
+          <p:nvPr/>
+        </p:nvSpPr>
+        <p:spPr>
+          <a:xfrm>
+            <a:off x="4262906" y="3525642"/>
+            <a:ext cx="1461753" cy="646331"/>
+          </a:xfrm>
+          <a:prstGeom prst="rect">
+            <a:avLst/>
+          </a:prstGeom>
+          <a:noFill/>
+        </p:spPr>
+        <p:txBody>
+          <a:bodyPr wrap="square" rtlCol="0">
+            <a:spAutoFit/>
+          </a:bodyPr>
+          <a:lstStyle/>
+          <a:p>
+            <a:r>
+              <a:rPr lang="en-US" dirty="0" smtClean="0">
+                <a:solidFill>
+                  <a:schemeClr val="bg1"/>
+                </a:solidFill>
+              </a:rPr>
+              <a:t>REST CONTROLLER</a:t>
+            </a:r>
+            <a:endParaRPr lang="en-US" dirty="0">
+              <a:solidFill>
+                <a:schemeClr val="bg1"/>
+              </a:solidFill>
+            </a:endParaRPr>
+          </a:p>
+        </p:txBody>
+      </p:sp>
+      <p:sp>
+        <p:nvSpPr>
+          <p:cNvPr id="18" name="Bevel 17"/>
+          <p:cNvSpPr/>
+          <p:nvPr/>
+        </p:nvSpPr>
+        <p:spPr>
+          <a:xfrm>
+            <a:off x="1387701" y="2943152"/>
+            <a:ext cx="1725769" cy="2343956"/>
+          </a:xfrm>
+          <a:prstGeom prst="bevel">
+            <a:avLst/>
+          </a:prstGeom>
+        </p:spPr>
+        <p:style>
+          <a:lnRef idx="2">
+            <a:schemeClr val="accent1">
+              <a:shade val="50000"/>
+            </a:schemeClr>
+          </a:lnRef>
+          <a:fillRef idx="1">
+            <a:schemeClr val="accent1"/>
+          </a:fillRef>
+          <a:effectRef idx="0">
+            <a:schemeClr val="accent1"/>
+          </a:effectRef>
+          <a:fontRef idx="minor">
+            <a:schemeClr val="lt1"/>
+          </a:fontRef>
+        </p:style>
+        <p:txBody>
+          <a:bodyPr rtlCol="0" anchor="ctr"/>
+          <a:lstStyle/>
+          <a:p>
+            <a:pPr algn="ctr"/>
+            <a:endParaRPr lang="en-US" dirty="0"/>
+          </a:p>
+        </p:txBody>
+      </p:sp>
+      <p:sp>
+        <p:nvSpPr>
+          <p:cNvPr id="19" name="TextBox 18"/>
+          <p:cNvSpPr txBox="1"/>
+          <p:nvPr/>
+        </p:nvSpPr>
+        <p:spPr>
+          <a:xfrm>
+            <a:off x="1731402" y="3720882"/>
+            <a:ext cx="1064115" cy="523220"/>
+          </a:xfrm>
+          <a:prstGeom prst="rect">
+            <a:avLst/>
+          </a:prstGeom>
+          <a:noFill/>
+        </p:spPr>
+        <p:txBody>
+          <a:bodyPr wrap="square" rtlCol="0">
+            <a:spAutoFit/>
+          </a:bodyPr>
+          <a:lstStyle/>
+          <a:p>
+            <a:r>
+              <a:rPr lang="en-US" dirty="0" smtClean="0"/>
+              <a:t>  </a:t>
+            </a:r>
+            <a:r>
+              <a:rPr lang="en-US" sz="2800" dirty="0" smtClean="0">
+                <a:solidFill>
+                  <a:srgbClr val="FFFFFF"/>
+                </a:solidFill>
+              </a:rPr>
+              <a:t>MVC</a:t>
+            </a:r>
+          </a:p>
+        </p:txBody>
+      </p:sp>
+      <p:cxnSp>
+        <p:nvCxnSpPr>
+          <p:cNvPr id="21" name="Straight Arrow Connector 20"/>
+          <p:cNvCxnSpPr/>
+          <p:nvPr/>
+        </p:nvCxnSpPr>
+        <p:spPr>
+          <a:xfrm>
+            <a:off x="9388699" y="3786388"/>
+            <a:ext cx="991673" cy="0"/>
+          </a:xfrm>
+          <a:prstGeom prst="straightConnector1">
+            <a:avLst/>
+          </a:prstGeom>
+          <a:ln>
+            <a:headEnd type="triangle"/>
+            <a:tailEnd type="triangle"/>
+          </a:ln>
+        </p:spPr>
+        <p:style>
+          <a:lnRef idx="1">
+            <a:schemeClr val="accent1"/>
+          </a:lnRef>
+          <a:fillRef idx="0">
+            <a:schemeClr val="accent1"/>
+          </a:fillRef>
+          <a:effectRef idx="0">
+            <a:schemeClr val="accent1"/>
+          </a:effectRef>
+          <a:fontRef idx="minor">
+            <a:schemeClr val="tx1"/>
+          </a:fontRef>
+        </p:style>
+      </p:cxnSp>
+      <p:sp>
+        <p:nvSpPr>
+          <p:cNvPr id="22" name="TextBox 21"/>
+          <p:cNvSpPr txBox="1"/>
+          <p:nvPr/>
+        </p:nvSpPr>
+        <p:spPr>
+          <a:xfrm>
+            <a:off x="9594761" y="3417056"/>
+            <a:ext cx="785611" cy="369332"/>
+          </a:xfrm>
+          <a:prstGeom prst="rect">
+            <a:avLst/>
+          </a:prstGeom>
+          <a:noFill/>
+        </p:spPr>
+        <p:txBody>
+          <a:bodyPr wrap="square" rtlCol="0">
+            <a:spAutoFit/>
+          </a:bodyPr>
+          <a:lstStyle/>
+          <a:p>
+            <a:r>
+              <a:rPr lang="en-US" dirty="0" smtClean="0"/>
+              <a:t>JPA</a:t>
+            </a:r>
+            <a:endParaRPr lang="en-US" dirty="0"/>
+          </a:p>
+        </p:txBody>
+      </p:sp>
+      <p:cxnSp>
+        <p:nvCxnSpPr>
+          <p:cNvPr id="24" name="Straight Arrow Connector 23"/>
+          <p:cNvCxnSpPr/>
+          <p:nvPr/>
+        </p:nvCxnSpPr>
+        <p:spPr>
+          <a:xfrm>
+            <a:off x="3095760" y="3848807"/>
+            <a:ext cx="1109191" cy="0"/>
+          </a:xfrm>
+          <a:prstGeom prst="straightConnector1">
+            <a:avLst/>
+          </a:prstGeom>
+          <a:ln>
+            <a:headEnd type="triangle"/>
+            <a:tailEnd type="triangle"/>
+          </a:ln>
+        </p:spPr>
+        <p:style>
+          <a:lnRef idx="1">
+            <a:schemeClr val="accent1"/>
+          </a:lnRef>
+          <a:fillRef idx="0">
+            <a:schemeClr val="accent1"/>
+          </a:fillRef>
+          <a:effectRef idx="0">
+            <a:schemeClr val="accent1"/>
+          </a:effectRef>
+          <a:fontRef idx="minor">
+            <a:schemeClr val="tx1"/>
+          </a:fontRef>
+        </p:style>
+      </p:cxnSp>
+      <p:sp>
+        <p:nvSpPr>
+          <p:cNvPr id="25" name="TextBox 24"/>
+          <p:cNvSpPr txBox="1"/>
+          <p:nvPr/>
+        </p:nvSpPr>
+        <p:spPr>
+          <a:xfrm>
+            <a:off x="3153715" y="3479475"/>
+            <a:ext cx="1109191" cy="369332"/>
+          </a:xfrm>
+          <a:prstGeom prst="rect">
+            <a:avLst/>
+          </a:prstGeom>
+          <a:noFill/>
+        </p:spPr>
+        <p:txBody>
+          <a:bodyPr wrap="square" rtlCol="0">
+            <a:spAutoFit/>
+          </a:bodyPr>
+          <a:lstStyle/>
+          <a:p>
+            <a:r>
+              <a:rPr lang="en-US" dirty="0" smtClean="0"/>
+              <a:t>   JSON</a:t>
+            </a:r>
+            <a:endParaRPr lang="en-US" dirty="0"/>
+          </a:p>
+        </p:txBody>
+      </p:sp>
+      <p:sp>
+        <p:nvSpPr>
+          <p:cNvPr id="26" name="TextBox 25"/>
+          <p:cNvSpPr txBox="1"/>
+          <p:nvPr/>
+        </p:nvSpPr>
+        <p:spPr>
+          <a:xfrm>
+            <a:off x="3193155" y="3987307"/>
+            <a:ext cx="1109191" cy="369332"/>
+          </a:xfrm>
+          <a:prstGeom prst="rect">
+            <a:avLst/>
+          </a:prstGeom>
+          <a:noFill/>
+        </p:spPr>
+        <p:txBody>
+          <a:bodyPr wrap="square" rtlCol="0">
+            <a:spAutoFit/>
+          </a:bodyPr>
+          <a:lstStyle/>
+          <a:p>
+            <a:r>
+              <a:rPr lang="en-US" dirty="0" smtClean="0"/>
+              <a:t>   CORS</a:t>
+            </a:r>
+            <a:endParaRPr lang="en-US" dirty="0"/>
+          </a:p>
+        </p:txBody>
+      </p:sp>
+      <p:sp>
+        <p:nvSpPr>
+          <p:cNvPr id="27" name="TextBox 26"/>
+          <p:cNvSpPr txBox="1"/>
+          <p:nvPr/>
+        </p:nvSpPr>
+        <p:spPr>
+          <a:xfrm>
+            <a:off x="1427947" y="5542274"/>
+            <a:ext cx="1725768" cy="369332"/>
+          </a:xfrm>
+          <a:prstGeom prst="rect">
+            <a:avLst/>
+          </a:prstGeom>
+          <a:solidFill>
+            <a:srgbClr val="FFC000"/>
+          </a:solidFill>
+        </p:spPr>
+        <p:txBody>
+          <a:bodyPr wrap="square" rtlCol="0">
+            <a:spAutoFit/>
+          </a:bodyPr>
+          <a:lstStyle/>
+          <a:p>
+            <a:r>
+              <a:rPr lang="en-US" dirty="0" smtClean="0"/>
+              <a:t>       ANGULAR</a:t>
+            </a:r>
+            <a:endParaRPr lang="en-US" dirty="0"/>
+          </a:p>
+        </p:txBody>
+      </p:sp>
+      <p:cxnSp>
+        <p:nvCxnSpPr>
+          <p:cNvPr id="32" name="Straight Arrow Connector 31"/>
+          <p:cNvCxnSpPr/>
+          <p:nvPr/>
+        </p:nvCxnSpPr>
+        <p:spPr>
+          <a:xfrm>
+            <a:off x="5666704" y="3833953"/>
+            <a:ext cx="518374" cy="0"/>
+          </a:xfrm>
+          <a:prstGeom prst="straightConnector1">
+            <a:avLst/>
+          </a:prstGeom>
+          <a:ln>
+            <a:headEnd type="triangle"/>
+            <a:tailEnd type="triangle"/>
+          </a:ln>
+        </p:spPr>
+        <p:style>
+          <a:lnRef idx="1">
+            <a:schemeClr val="accent1"/>
+          </a:lnRef>
+          <a:fillRef idx="0">
+            <a:schemeClr val="accent1"/>
+          </a:fillRef>
+          <a:effectRef idx="0">
+            <a:schemeClr val="accent1"/>
+          </a:effectRef>
+          <a:fontRef idx="minor">
+            <a:schemeClr val="tx1"/>
+          </a:fontRef>
+        </p:style>
+      </p:cxnSp>
+      <p:cxnSp>
+        <p:nvCxnSpPr>
+          <p:cNvPr id="36" name="Straight Arrow Connector 35"/>
+          <p:cNvCxnSpPr/>
+          <p:nvPr/>
+        </p:nvCxnSpPr>
+        <p:spPr>
+          <a:xfrm>
+            <a:off x="7727324" y="3835928"/>
+            <a:ext cx="489397" cy="12880"/>
+          </a:xfrm>
+          <a:prstGeom prst="straightConnector1">
+            <a:avLst/>
+          </a:prstGeom>
+          <a:ln>
+            <a:headEnd type="triangle"/>
+            <a:tailEnd type="triangle"/>
+          </a:ln>
+        </p:spPr>
+        <p:style>
+          <a:lnRef idx="1">
+            <a:schemeClr val="accent1"/>
+          </a:lnRef>
+          <a:fillRef idx="0">
+            <a:schemeClr val="accent1"/>
+          </a:fillRef>
+          <a:effectRef idx="0">
+            <a:schemeClr val="accent1"/>
+          </a:effectRef>
+          <a:fontRef idx="minor">
+            <a:schemeClr val="tx1"/>
+          </a:fontRef>
+        </p:style>
+      </p:cxnSp>
+      <p:sp>
+        <p:nvSpPr>
+          <p:cNvPr id="28" name="Can 27"/>
+          <p:cNvSpPr/>
+          <p:nvPr/>
+        </p:nvSpPr>
+        <p:spPr>
+          <a:xfrm>
+            <a:off x="1587323" y="1525380"/>
+            <a:ext cx="1326524" cy="860126"/>
+          </a:xfrm>
+          <a:prstGeom prst="can">
+            <a:avLst/>
+          </a:prstGeom>
+        </p:spPr>
+        <p:style>
+          <a:lnRef idx="2">
+            <a:schemeClr val="accent1">
+              <a:shade val="50000"/>
+            </a:schemeClr>
+          </a:lnRef>
+          <a:fillRef idx="1">
+            <a:schemeClr val="accent1"/>
+          </a:fillRef>
+          <a:effectRef idx="0">
+            <a:schemeClr val="accent1"/>
+          </a:effectRef>
+          <a:fontRef idx="minor">
+            <a:schemeClr val="lt1"/>
+          </a:fontRef>
+        </p:style>
+        <p:txBody>
+          <a:bodyPr rtlCol="0" anchor="ctr"/>
+          <a:lstStyle/>
+          <a:p>
+            <a:pPr algn="ctr"/>
+            <a:endParaRPr lang="en-US" dirty="0"/>
+          </a:p>
+        </p:txBody>
+      </p:sp>
+      <p:sp>
+        <p:nvSpPr>
+          <p:cNvPr id="30" name="TextBox 29"/>
+          <p:cNvSpPr txBox="1"/>
+          <p:nvPr/>
+        </p:nvSpPr>
+        <p:spPr>
+          <a:xfrm>
+            <a:off x="1775676" y="1774896"/>
+            <a:ext cx="1030310" cy="646331"/>
+          </a:xfrm>
+          <a:prstGeom prst="rect">
+            <a:avLst/>
+          </a:prstGeom>
+          <a:noFill/>
+        </p:spPr>
+        <p:txBody>
+          <a:bodyPr wrap="square" rtlCol="0">
+            <a:spAutoFit/>
+          </a:bodyPr>
+          <a:lstStyle/>
+          <a:p>
+            <a:r>
+              <a:rPr lang="en-US" dirty="0" smtClean="0">
+                <a:solidFill>
+                  <a:schemeClr val="bg1"/>
+                </a:solidFill>
+              </a:rPr>
+              <a:t>JSON Server</a:t>
+            </a:r>
+            <a:endParaRPr lang="en-US" dirty="0">
+              <a:solidFill>
+                <a:schemeClr val="bg1"/>
+              </a:solidFill>
+            </a:endParaRPr>
+          </a:p>
+        </p:txBody>
+      </p:sp>
+      <p:cxnSp>
+        <p:nvCxnSpPr>
+          <p:cNvPr id="5" name="Straight Arrow Connector 4"/>
+          <p:cNvCxnSpPr>
+            <a:stCxn id="28" idx="3"/>
+            <a:endCxn id="18" idx="6"/>
+          </p:cNvCxnSpPr>
+          <p:nvPr/>
+        </p:nvCxnSpPr>
+        <p:spPr>
+          <a:xfrm>
+            <a:off x="2250585" y="2385506"/>
+            <a:ext cx="1" cy="557646"/>
+          </a:xfrm>
+          <a:prstGeom prst="straightConnector1">
+            <a:avLst/>
+          </a:prstGeom>
+          <a:ln>
+            <a:headEnd type="triangle"/>
+            <a:tailEnd type="triangle"/>
+          </a:ln>
+        </p:spPr>
+        <p:style>
+          <a:lnRef idx="1">
+            <a:schemeClr val="accent1"/>
+          </a:lnRef>
+          <a:fillRef idx="0">
+            <a:schemeClr val="accent1"/>
+          </a:fillRef>
+          <a:effectRef idx="0">
+            <a:schemeClr val="accent1"/>
+          </a:effectRef>
+          <a:fontRef idx="minor">
+            <a:schemeClr val="tx1"/>
+          </a:fontRef>
+        </p:style>
+      </p:cxnSp>
+    </p:spTree>
+    <p:extLst>
+      <p:ext uri="{BB962C8B-B14F-4D97-AF65-F5344CB8AC3E}">
+        <p14:creationId xmlns:p14="http://schemas.microsoft.com/office/powerpoint/2010/main" val="3660662324"/>
+      </p:ext>
+    </p:extLst>
+  </p:cSld>
+  <p:clrMapOvr>
+    <a:masterClrMapping/>
+  </p:clrMapOvr>
+  <p:timing>
+    <p:tnLst>
+      <p:par>
+        <p:cTn id="1" dur="indefinite" restart="never" nodeType="tmRoot"/>
+      </p:par>
+    </p:tnLst>
+  </p:timing>
+</p:sld>
+</file>
+
+<file path=ppt/slides/slide7.xml><?xml version="1.0" encoding="utf-8"?>
+<p:sld xmlns:a="http://schemas.openxmlformats.org/drawingml/2006/main" xmlns:r="http://schemas.openxmlformats.org/officeDocument/2006/relationships" xmlns:p="http://schemas.openxmlformats.org/presentationml/2006/main">
+  <p:cSld>
     <p:bg>
       <p:bgPr>
         <a:solidFill>
@@ -13936,12 +14527,7 @@
             <p:ph type="title"/>
           </p:nvPr>
         </p:nvSpPr>
-        <p:spPr>
-          <a:xfrm>
-            <a:off x="643467" y="640080"/>
-            <a:ext cx="3096427" cy="5613236"/>
-          </a:xfrm>
-        </p:spPr>
+        <p:spPr/>
         <p:txBody>
           <a:bodyPr vert="horz" lIns="91440" tIns="45720" rIns="91440" bIns="45720" rtlCol="0" anchor="ctr">
             <a:normAutofit/>
@@ -13962,138 +14548,46 @@
           </a:p>
         </p:txBody>
       </p:sp>
-      <p:pic>
-        <p:nvPicPr>
-          <p:cNvPr id="5" name="Content Placeholder 4" descr="A close up of an object&#10;&#10;Description generated with high confidence">
-            <a:extLst>
-              <a:ext uri="{FF2B5EF4-FFF2-40B4-BE49-F238E27FC236}">
-                <a16:creationId xmlns:a16="http://schemas.microsoft.com/office/drawing/2014/main" xmlns="" id="{0B43767B-3861-4880-9DCE-DB2297AAE746}"/>
-              </a:ext>
-            </a:extLst>
-          </p:cNvPr>
-          <p:cNvPicPr>
-            <a:picLocks noGrp="1" noChangeAspect="1"/>
-          </p:cNvPicPr>
-          <p:nvPr>
-            <p:ph idx="4294967295"/>
-          </p:nvPr>
-        </p:nvPicPr>
-        <p:blipFill>
-          <a:blip r:embed="rId2" cstate="print">
-            <a:extLst>
-              <a:ext uri="{28A0092B-C50C-407E-A947-70E740481C1C}">
-                <a14:useLocalDpi xmlns:a14="http://schemas.microsoft.com/office/drawing/2010/main" val="0"/>
-              </a:ext>
-            </a:extLst>
-          </a:blip>
-          <a:stretch>
-            <a:fillRect/>
-          </a:stretch>
-        </p:blipFill>
-        <p:spPr>
-          <a:xfrm>
-            <a:off x="4583695" y="1393371"/>
-            <a:ext cx="6760498" cy="4512633"/>
-          </a:xfrm>
-          <a:prstGeom prst="rect">
-            <a:avLst/>
-          </a:prstGeom>
-        </p:spPr>
-      </p:pic>
-    </p:spTree>
-    <p:extLst>
-      <p:ext uri="{BB962C8B-B14F-4D97-AF65-F5344CB8AC3E}">
-        <p14:creationId xmlns:p14="http://schemas.microsoft.com/office/powerpoint/2010/main" val="1745453311"/>
-      </p:ext>
-    </p:extLst>
-  </p:cSld>
-  <p:clrMapOvr>
-    <a:masterClrMapping/>
-  </p:clrMapOvr>
-  <p:timing>
-    <p:tnLst>
-      <p:par>
-        <p:cTn id="1" dur="indefinite" restart="never" nodeType="tmRoot"/>
-      </p:par>
-    </p:tnLst>
-  </p:timing>
-</p:sld>
-</file>
-
-<file path=ppt/slides/slide7.xml><?xml version="1.0" encoding="utf-8"?>
-<p:sld xmlns:a="http://schemas.openxmlformats.org/drawingml/2006/main" xmlns:r="http://schemas.openxmlformats.org/officeDocument/2006/relationships" xmlns:p="http://schemas.openxmlformats.org/presentationml/2006/main">
-  <p:cSld>
-    <p:spTree>
-      <p:nvGrpSpPr>
-        <p:cNvPr id="1" name=""/>
-        <p:cNvGrpSpPr/>
-        <p:nvPr/>
-      </p:nvGrpSpPr>
-      <p:grpSpPr>
-        <a:xfrm>
-          <a:off x="0" y="0"/>
-          <a:ext cx="0" cy="0"/>
-          <a:chOff x="0" y="0"/>
-          <a:chExt cx="0" cy="0"/>
-        </a:xfrm>
-      </p:grpSpPr>
-      <p:pic>
-        <p:nvPicPr>
-          <p:cNvPr id="2" name="Picture 1"/>
-          <p:cNvPicPr>
-            <a:picLocks noChangeAspect="1"/>
-          </p:cNvPicPr>
-          <p:nvPr/>
-        </p:nvPicPr>
-        <p:blipFill>
-          <a:blip r:embed="rId2" cstate="print">
-            <a:extLst>
-              <a:ext uri="{28A0092B-C50C-407E-A947-70E740481C1C}">
-                <a14:useLocalDpi xmlns:a14="http://schemas.microsoft.com/office/drawing/2010/main" val="0"/>
-              </a:ext>
-            </a:extLst>
-          </a:blip>
-          <a:stretch>
-            <a:fillRect/>
-          </a:stretch>
-        </p:blipFill>
-        <p:spPr>
-          <a:xfrm>
-            <a:off x="0" y="722670"/>
-            <a:ext cx="12192000" cy="6135329"/>
-          </a:xfrm>
-          <a:prstGeom prst="rect">
-            <a:avLst/>
-          </a:prstGeom>
-        </p:spPr>
-      </p:pic>
       <p:sp>
         <p:nvSpPr>
-          <p:cNvPr id="3" name="TextBox 2"/>
-          <p:cNvSpPr txBox="1"/>
-          <p:nvPr/>
+          <p:cNvPr id="3" name="Content Placeholder 2"/>
+          <p:cNvSpPr>
+            <a:spLocks noGrp="1"/>
+          </p:cNvSpPr>
+          <p:nvPr>
+            <p:ph idx="1"/>
+          </p:nvPr>
         </p:nvSpPr>
-        <p:spPr>
-          <a:xfrm>
-            <a:off x="4675239" y="176981"/>
-            <a:ext cx="2536722" cy="369332"/>
-          </a:xfrm>
-          <a:prstGeom prst="rect">
-            <a:avLst/>
-          </a:prstGeom>
-          <a:noFill/>
-        </p:spPr>
+        <p:spPr/>
         <p:txBody>
-          <a:bodyPr wrap="square" rtlCol="0">
-            <a:spAutoFit/>
-          </a:bodyPr>
+          <a:bodyPr/>
           <a:lstStyle/>
           <a:p>
-            <a:pPr algn="ctr"/>
             <a:r>
               <a:rPr lang="en-US" dirty="0" smtClean="0"/>
-              <a:t>ENTITIES</a:t>
+              <a:t>Entities</a:t>
             </a:r>
+          </a:p>
+          <a:p>
+            <a:r>
+              <a:rPr lang="en-US" dirty="0" err="1" smtClean="0"/>
+              <a:t>Daos</a:t>
+            </a:r>
+            <a:endParaRPr lang="en-US" dirty="0" smtClean="0"/>
+          </a:p>
+          <a:p>
+            <a:r>
+              <a:rPr lang="en-US" dirty="0" smtClean="0"/>
+              <a:t>Services</a:t>
+            </a:r>
+          </a:p>
+          <a:p>
+            <a:r>
+              <a:rPr lang="en-US" dirty="0" smtClean="0"/>
+              <a:t>Controllers</a:t>
+            </a:r>
+          </a:p>
+          <a:p>
             <a:endParaRPr lang="en-US" dirty="0"/>
           </a:p>
         </p:txBody>
@@ -14101,7 +14595,7 @@
     </p:spTree>
     <p:extLst>
       <p:ext uri="{BB962C8B-B14F-4D97-AF65-F5344CB8AC3E}">
-        <p14:creationId xmlns:p14="http://schemas.microsoft.com/office/powerpoint/2010/main" val="2044706158"/>
+        <p14:creationId xmlns:p14="http://schemas.microsoft.com/office/powerpoint/2010/main" val="1745453311"/>
       </p:ext>
     </p:extLst>
   </p:cSld>
@@ -14135,36 +14629,6 @@
           <a:chExt cx="0" cy="0"/>
         </a:xfrm>
       </p:grpSpPr>
-      <p:pic>
-        <p:nvPicPr>
-          <p:cNvPr id="2" name="Picture 1"/>
-          <p:cNvPicPr>
-            <a:picLocks noChangeAspect="1"/>
-          </p:cNvPicPr>
-          <p:nvPr/>
-        </p:nvPicPr>
-        <p:blipFill>
-          <a:blip r:embed="rId2">
-            <a:extLst>
-              <a:ext uri="{28A0092B-C50C-407E-A947-70E740481C1C}">
-                <a14:useLocalDpi xmlns:a14="http://schemas.microsoft.com/office/drawing/2010/main" val="0"/>
-              </a:ext>
-            </a:extLst>
-          </a:blip>
-          <a:stretch>
-            <a:fillRect/>
-          </a:stretch>
-        </p:blipFill>
-        <p:spPr>
-          <a:xfrm>
-            <a:off x="235666" y="607756"/>
-            <a:ext cx="11735934" cy="6250244"/>
-          </a:xfrm>
-          <a:prstGeom prst="rect">
-            <a:avLst/>
-          </a:prstGeom>
-        </p:spPr>
-      </p:pic>
       <p:sp>
         <p:nvSpPr>
           <p:cNvPr id="3" name="TextBox 2"/>
@@ -14190,16 +14654,39 @@
             <a:pPr algn="ctr"/>
             <a:r>
               <a:rPr lang="en-US" dirty="0" smtClean="0"/>
-              <a:t>DAOS</a:t>
+              <a:t>ENTITIES</a:t>
             </a:r>
             <a:endParaRPr lang="en-US" dirty="0"/>
           </a:p>
         </p:txBody>
       </p:sp>
+      <p:pic>
+        <p:nvPicPr>
+          <p:cNvPr id="4" name="Picture 3"/>
+          <p:cNvPicPr>
+            <a:picLocks noChangeAspect="1"/>
+          </p:cNvPicPr>
+          <p:nvPr/>
+        </p:nvPicPr>
+        <p:blipFill rotWithShape="1">
+          <a:blip r:embed="rId2"/>
+          <a:srcRect l="634" r="794"/>
+          <a:stretch/>
+        </p:blipFill>
+        <p:spPr>
+          <a:xfrm>
+            <a:off x="360608" y="734096"/>
+            <a:ext cx="11513713" cy="6123904"/>
+          </a:xfrm>
+          <a:prstGeom prst="rect">
+            <a:avLst/>
+          </a:prstGeom>
+        </p:spPr>
+      </p:pic>
     </p:spTree>
     <p:extLst>
       <p:ext uri="{BB962C8B-B14F-4D97-AF65-F5344CB8AC3E}">
-        <p14:creationId xmlns:p14="http://schemas.microsoft.com/office/powerpoint/2010/main" val="48178899"/>
+        <p14:creationId xmlns:p14="http://schemas.microsoft.com/office/powerpoint/2010/main" val="2044706158"/>
       </p:ext>
     </p:extLst>
   </p:cSld>
@@ -14255,8 +14742,8 @@
         </p:blipFill>
         <p:spPr>
           <a:xfrm>
-            <a:off x="0" y="619432"/>
-            <a:ext cx="12169932" cy="6238568"/>
+            <a:off x="235666" y="607756"/>
+            <a:ext cx="11735934" cy="6250244"/>
           </a:xfrm>
           <a:prstGeom prst="rect">
             <a:avLst/>
@@ -14288,7 +14775,7 @@
             <a:pPr algn="ctr"/>
             <a:r>
               <a:rPr lang="en-US" dirty="0" smtClean="0"/>
-              <a:t>SERVICES</a:t>
+              <a:t>DAOS</a:t>
             </a:r>
             <a:endParaRPr lang="en-US" dirty="0"/>
           </a:p>
@@ -14297,7 +14784,7 @@
     </p:spTree>
     <p:extLst>
       <p:ext uri="{BB962C8B-B14F-4D97-AF65-F5344CB8AC3E}">
-        <p14:creationId xmlns:p14="http://schemas.microsoft.com/office/powerpoint/2010/main" val="2808774570"/>
+        <p14:creationId xmlns:p14="http://schemas.microsoft.com/office/powerpoint/2010/main" val="48178899"/>
       </p:ext>
     </p:extLst>
   </p:cSld>
